--- a/Workshop PPT/HTML CSS Workshop #3.pptx
+++ b/Workshop PPT/HTML CSS Workshop #3.pptx
@@ -14,10 +14,12 @@
     <p:sldId id="278" r:id="rId8"/>
     <p:sldId id="284" r:id="rId9"/>
     <p:sldId id="285" r:id="rId10"/>
-    <p:sldId id="279" r:id="rId11"/>
-    <p:sldId id="280" r:id="rId12"/>
-    <p:sldId id="282" r:id="rId13"/>
-    <p:sldId id="281" r:id="rId14"/>
+    <p:sldId id="282" r:id="rId11"/>
+    <p:sldId id="287" r:id="rId12"/>
+    <p:sldId id="279" r:id="rId13"/>
+    <p:sldId id="280" r:id="rId14"/>
+    <p:sldId id="286" r:id="rId15"/>
+    <p:sldId id="281" r:id="rId16"/>
   </p:sldIdLst>
   <p:sldSz cx="12192000" cy="6858000"/>
   <p:notesSz cx="6858000" cy="9144000"/>
@@ -4737,6 +4739,1566 @@
 </file>
 
 <file path=ppt/slides/slide10.xml><?xml version="1.0" encoding="utf-8"?>
+<p:sld xmlns:a="http://schemas.openxmlformats.org/drawingml/2006/main" xmlns:r="http://schemas.openxmlformats.org/officeDocument/2006/relationships" xmlns:p="http://schemas.openxmlformats.org/presentationml/2006/main">
+  <p:cSld>
+    <p:spTree>
+      <p:nvGrpSpPr>
+        <p:cNvPr id="1" name=""/>
+        <p:cNvGrpSpPr/>
+        <p:nvPr/>
+      </p:nvGrpSpPr>
+      <p:grpSpPr>
+        <a:xfrm>
+          <a:off x="0" y="0"/>
+          <a:ext cx="0" cy="0"/>
+          <a:chOff x="0" y="0"/>
+          <a:chExt cx="0" cy="0"/>
+        </a:xfrm>
+      </p:grpSpPr>
+      <p:sp>
+        <p:nvSpPr>
+          <p:cNvPr id="2" name="object 2"/>
+          <p:cNvSpPr/>
+          <p:nvPr/>
+        </p:nvSpPr>
+        <p:spPr>
+          <a:xfrm>
+            <a:off x="0" y="0"/>
+            <a:ext cx="12192000" cy="6858000"/>
+          </a:xfrm>
+          <a:custGeom>
+            <a:avLst/>
+            <a:gdLst/>
+            <a:ahLst/>
+            <a:cxnLst/>
+            <a:rect l="l" t="t" r="r" b="b"/>
+            <a:pathLst>
+              <a:path w="12192000" h="6858000">
+                <a:moveTo>
+                  <a:pt x="12192000" y="0"/>
+                </a:moveTo>
+                <a:lnTo>
+                  <a:pt x="0" y="0"/>
+                </a:lnTo>
+                <a:lnTo>
+                  <a:pt x="0" y="6858000"/>
+                </a:lnTo>
+                <a:lnTo>
+                  <a:pt x="12192000" y="6858000"/>
+                </a:lnTo>
+                <a:lnTo>
+                  <a:pt x="12192000" y="0"/>
+                </a:lnTo>
+                <a:close/>
+              </a:path>
+            </a:pathLst>
+          </a:custGeom>
+          <a:solidFill>
+            <a:srgbClr val="FFFF99"/>
+          </a:solidFill>
+        </p:spPr>
+        <p:txBody>
+          <a:bodyPr wrap="square" lIns="0" tIns="0" rIns="0" bIns="0" rtlCol="0"/>
+          <a:lstStyle/>
+          <a:p>
+            <a:pPr marL="0" marR="0" lvl="0" indent="0" algn="l" defTabSz="914400" rtl="0" eaLnBrk="1" fontAlgn="auto" latinLnBrk="0" hangingPunct="1">
+              <a:lnSpc>
+                <a:spcPct val="100000"/>
+              </a:lnSpc>
+              <a:spcBef>
+                <a:spcPts val="0"/>
+              </a:spcBef>
+              <a:spcAft>
+                <a:spcPts val="0"/>
+              </a:spcAft>
+              <a:buClrTx/>
+              <a:buSzTx/>
+              <a:buFontTx/>
+              <a:buNone/>
+              <a:tabLst/>
+              <a:defRPr/>
+            </a:pPr>
+            <a:endParaRPr kumimoji="0" sz="1800" b="0" i="0" u="none" strike="noStrike" kern="1200" cap="none" spc="0" normalizeH="0" baseline="0" noProof="0">
+              <a:ln>
+                <a:noFill/>
+              </a:ln>
+              <a:solidFill>
+                <a:prstClr val="black"/>
+              </a:solidFill>
+              <a:effectLst/>
+              <a:uLnTx/>
+              <a:uFillTx/>
+              <a:latin typeface="Calibri"/>
+              <a:ea typeface="+mn-ea"/>
+              <a:cs typeface="+mn-cs"/>
+            </a:endParaRPr>
+          </a:p>
+        </p:txBody>
+      </p:sp>
+      <p:grpSp>
+        <p:nvGrpSpPr>
+          <p:cNvPr id="3" name="object 3"/>
+          <p:cNvGrpSpPr/>
+          <p:nvPr/>
+        </p:nvGrpSpPr>
+        <p:grpSpPr>
+          <a:xfrm>
+            <a:off x="-6350" y="0"/>
+            <a:ext cx="12204700" cy="1338580"/>
+            <a:chOff x="-6350" y="0"/>
+            <a:chExt cx="12204700" cy="1338580"/>
+          </a:xfrm>
+        </p:grpSpPr>
+        <p:sp>
+          <p:nvSpPr>
+            <p:cNvPr id="4" name="object 4"/>
+            <p:cNvSpPr/>
+            <p:nvPr/>
+          </p:nvSpPr>
+          <p:spPr>
+            <a:xfrm>
+              <a:off x="0" y="0"/>
+              <a:ext cx="12192000" cy="1325880"/>
+            </a:xfrm>
+            <a:custGeom>
+              <a:avLst/>
+              <a:gdLst/>
+              <a:ahLst/>
+              <a:cxnLst/>
+              <a:rect l="l" t="t" r="r" b="b"/>
+              <a:pathLst>
+                <a:path w="12192000" h="1325880">
+                  <a:moveTo>
+                    <a:pt x="12192000" y="0"/>
+                  </a:moveTo>
+                  <a:lnTo>
+                    <a:pt x="0" y="0"/>
+                  </a:lnTo>
+                  <a:lnTo>
+                    <a:pt x="0" y="1325879"/>
+                  </a:lnTo>
+                  <a:lnTo>
+                    <a:pt x="12192000" y="1325879"/>
+                  </a:lnTo>
+                  <a:lnTo>
+                    <a:pt x="12192000" y="0"/>
+                  </a:lnTo>
+                  <a:close/>
+                </a:path>
+              </a:pathLst>
+            </a:custGeom>
+            <a:solidFill>
+              <a:srgbClr val="FFFFFF"/>
+            </a:solidFill>
+          </p:spPr>
+          <p:txBody>
+            <a:bodyPr wrap="square" lIns="0" tIns="0" rIns="0" bIns="0" rtlCol="0"/>
+            <a:lstStyle/>
+            <a:p>
+              <a:pPr marL="0" marR="0" lvl="0" indent="0" algn="l" defTabSz="914400" rtl="0" eaLnBrk="1" fontAlgn="auto" latinLnBrk="0" hangingPunct="1">
+                <a:lnSpc>
+                  <a:spcPct val="100000"/>
+                </a:lnSpc>
+                <a:spcBef>
+                  <a:spcPts val="0"/>
+                </a:spcBef>
+                <a:spcAft>
+                  <a:spcPts val="0"/>
+                </a:spcAft>
+                <a:buClrTx/>
+                <a:buSzTx/>
+                <a:buFontTx/>
+                <a:buNone/>
+                <a:tabLst/>
+                <a:defRPr/>
+              </a:pPr>
+              <a:endParaRPr kumimoji="0" sz="1800" b="0" i="0" u="none" strike="noStrike" kern="1200" cap="none" spc="0" normalizeH="0" baseline="0" noProof="0">
+                <a:ln>
+                  <a:noFill/>
+                </a:ln>
+                <a:solidFill>
+                  <a:prstClr val="black"/>
+                </a:solidFill>
+                <a:effectLst/>
+                <a:uLnTx/>
+                <a:uFillTx/>
+                <a:latin typeface="Calibri"/>
+                <a:ea typeface="+mn-ea"/>
+                <a:cs typeface="+mn-cs"/>
+              </a:endParaRPr>
+            </a:p>
+          </p:txBody>
+        </p:sp>
+        <p:sp>
+          <p:nvSpPr>
+            <p:cNvPr id="5" name="object 5"/>
+            <p:cNvSpPr/>
+            <p:nvPr/>
+          </p:nvSpPr>
+          <p:spPr>
+            <a:xfrm>
+              <a:off x="0" y="0"/>
+              <a:ext cx="12192000" cy="1325880"/>
+            </a:xfrm>
+            <a:custGeom>
+              <a:avLst/>
+              <a:gdLst/>
+              <a:ahLst/>
+              <a:cxnLst/>
+              <a:rect l="l" t="t" r="r" b="b"/>
+              <a:pathLst>
+                <a:path w="12192000" h="1325880">
+                  <a:moveTo>
+                    <a:pt x="0" y="1325879"/>
+                  </a:moveTo>
+                  <a:lnTo>
+                    <a:pt x="12192000" y="1325879"/>
+                  </a:lnTo>
+                  <a:lnTo>
+                    <a:pt x="12192000" y="0"/>
+                  </a:lnTo>
+                  <a:lnTo>
+                    <a:pt x="0" y="0"/>
+                  </a:lnTo>
+                  <a:lnTo>
+                    <a:pt x="0" y="1325879"/>
+                  </a:lnTo>
+                  <a:close/>
+                </a:path>
+              </a:pathLst>
+            </a:custGeom>
+            <a:ln w="12700">
+              <a:solidFill>
+                <a:srgbClr val="FFFFFF"/>
+              </a:solidFill>
+            </a:ln>
+          </p:spPr>
+          <p:txBody>
+            <a:bodyPr wrap="square" lIns="0" tIns="0" rIns="0" bIns="0" rtlCol="0"/>
+            <a:lstStyle/>
+            <a:p>
+              <a:pPr marL="0" marR="0" lvl="0" indent="0" algn="l" defTabSz="914400" rtl="0" eaLnBrk="1" fontAlgn="auto" latinLnBrk="0" hangingPunct="1">
+                <a:lnSpc>
+                  <a:spcPct val="100000"/>
+                </a:lnSpc>
+                <a:spcBef>
+                  <a:spcPts val="0"/>
+                </a:spcBef>
+                <a:spcAft>
+                  <a:spcPts val="0"/>
+                </a:spcAft>
+                <a:buClrTx/>
+                <a:buSzTx/>
+                <a:buFontTx/>
+                <a:buNone/>
+                <a:tabLst/>
+                <a:defRPr/>
+              </a:pPr>
+              <a:endParaRPr kumimoji="0" sz="1800" b="0" i="0" u="none" strike="noStrike" kern="1200" cap="none" spc="0" normalizeH="0" baseline="0" noProof="0">
+                <a:ln>
+                  <a:noFill/>
+                </a:ln>
+                <a:solidFill>
+                  <a:prstClr val="black"/>
+                </a:solidFill>
+                <a:effectLst/>
+                <a:uLnTx/>
+                <a:uFillTx/>
+                <a:latin typeface="Calibri"/>
+                <a:ea typeface="+mn-ea"/>
+                <a:cs typeface="+mn-cs"/>
+              </a:endParaRPr>
+            </a:p>
+          </p:txBody>
+        </p:sp>
+      </p:grpSp>
+      <p:sp>
+        <p:nvSpPr>
+          <p:cNvPr id="6" name="object 6"/>
+          <p:cNvSpPr txBox="1">
+            <a:spLocks noGrp="1"/>
+          </p:cNvSpPr>
+          <p:nvPr>
+            <p:ph type="title"/>
+          </p:nvPr>
+        </p:nvSpPr>
+        <p:spPr>
+          <a:xfrm>
+            <a:off x="916939" y="246380"/>
+            <a:ext cx="9477363" cy="689932"/>
+          </a:xfrm>
+          <a:prstGeom prst="rect">
+            <a:avLst/>
+          </a:prstGeom>
+        </p:spPr>
+        <p:txBody>
+          <a:bodyPr vert="horz" wrap="square" lIns="0" tIns="12700" rIns="0" bIns="0" rtlCol="0">
+            <a:spAutoFit/>
+          </a:bodyPr>
+          <a:lstStyle/>
+          <a:p>
+            <a:pPr marL="12700">
+              <a:lnSpc>
+                <a:spcPct val="100000"/>
+              </a:lnSpc>
+              <a:spcBef>
+                <a:spcPts val="100"/>
+              </a:spcBef>
+            </a:pPr>
+            <a:r>
+              <a:rPr dirty="0"/>
+              <a:t>Basic CSS properties: Display</a:t>
+            </a:r>
+          </a:p>
+        </p:txBody>
+      </p:sp>
+      <p:grpSp>
+        <p:nvGrpSpPr>
+          <p:cNvPr id="7" name="object 7"/>
+          <p:cNvGrpSpPr/>
+          <p:nvPr/>
+        </p:nvGrpSpPr>
+        <p:grpSpPr>
+          <a:xfrm>
+            <a:off x="3159505" y="2142998"/>
+            <a:ext cx="5873115" cy="4549140"/>
+            <a:chOff x="3159505" y="2142998"/>
+            <a:chExt cx="5873115" cy="4549140"/>
+          </a:xfrm>
+        </p:grpSpPr>
+        <p:sp>
+          <p:nvSpPr>
+            <p:cNvPr id="8" name="object 8"/>
+            <p:cNvSpPr/>
+            <p:nvPr/>
+          </p:nvSpPr>
+          <p:spPr>
+            <a:xfrm>
+              <a:off x="3191255" y="2174748"/>
+              <a:ext cx="5809615" cy="4485640"/>
+            </a:xfrm>
+            <a:custGeom>
+              <a:avLst/>
+              <a:gdLst/>
+              <a:ahLst/>
+              <a:cxnLst/>
+              <a:rect l="l" t="t" r="r" b="b"/>
+              <a:pathLst>
+                <a:path w="5809615" h="4485640">
+                  <a:moveTo>
+                    <a:pt x="5061966" y="0"/>
+                  </a:moveTo>
+                  <a:lnTo>
+                    <a:pt x="747521" y="0"/>
+                  </a:lnTo>
+                  <a:lnTo>
+                    <a:pt x="700244" y="1470"/>
+                  </a:lnTo>
+                  <a:lnTo>
+                    <a:pt x="653748" y="5823"/>
+                  </a:lnTo>
+                  <a:lnTo>
+                    <a:pt x="608121" y="12972"/>
+                  </a:lnTo>
+                  <a:lnTo>
+                    <a:pt x="563452" y="22828"/>
+                  </a:lnTo>
+                  <a:lnTo>
+                    <a:pt x="519826" y="35304"/>
+                  </a:lnTo>
+                  <a:lnTo>
+                    <a:pt x="477333" y="50312"/>
+                  </a:lnTo>
+                  <a:lnTo>
+                    <a:pt x="436060" y="67766"/>
+                  </a:lnTo>
+                  <a:lnTo>
+                    <a:pt x="396093" y="87577"/>
+                  </a:lnTo>
+                  <a:lnTo>
+                    <a:pt x="357522" y="109658"/>
+                  </a:lnTo>
+                  <a:lnTo>
+                    <a:pt x="320432" y="133922"/>
+                  </a:lnTo>
+                  <a:lnTo>
+                    <a:pt x="284912" y="160280"/>
+                  </a:lnTo>
+                  <a:lnTo>
+                    <a:pt x="251050" y="188646"/>
+                  </a:lnTo>
+                  <a:lnTo>
+                    <a:pt x="218932" y="218932"/>
+                  </a:lnTo>
+                  <a:lnTo>
+                    <a:pt x="188646" y="251050"/>
+                  </a:lnTo>
+                  <a:lnTo>
+                    <a:pt x="160280" y="284912"/>
+                  </a:lnTo>
+                  <a:lnTo>
+                    <a:pt x="133922" y="320432"/>
+                  </a:lnTo>
+                  <a:lnTo>
+                    <a:pt x="109658" y="357522"/>
+                  </a:lnTo>
+                  <a:lnTo>
+                    <a:pt x="87577" y="396093"/>
+                  </a:lnTo>
+                  <a:lnTo>
+                    <a:pt x="67766" y="436060"/>
+                  </a:lnTo>
+                  <a:lnTo>
+                    <a:pt x="50312" y="477333"/>
+                  </a:lnTo>
+                  <a:lnTo>
+                    <a:pt x="35304" y="519826"/>
+                  </a:lnTo>
+                  <a:lnTo>
+                    <a:pt x="22828" y="563452"/>
+                  </a:lnTo>
+                  <a:lnTo>
+                    <a:pt x="12972" y="608121"/>
+                  </a:lnTo>
+                  <a:lnTo>
+                    <a:pt x="5823" y="653748"/>
+                  </a:lnTo>
+                  <a:lnTo>
+                    <a:pt x="1470" y="700244"/>
+                  </a:lnTo>
+                  <a:lnTo>
+                    <a:pt x="0" y="747522"/>
+                  </a:lnTo>
+                  <a:lnTo>
+                    <a:pt x="0" y="3737597"/>
+                  </a:lnTo>
+                  <a:lnTo>
+                    <a:pt x="1470" y="3784872"/>
+                  </a:lnTo>
+                  <a:lnTo>
+                    <a:pt x="5823" y="3831366"/>
+                  </a:lnTo>
+                  <a:lnTo>
+                    <a:pt x="12972" y="3876991"/>
+                  </a:lnTo>
+                  <a:lnTo>
+                    <a:pt x="22828" y="3921659"/>
+                  </a:lnTo>
+                  <a:lnTo>
+                    <a:pt x="35304" y="3965284"/>
+                  </a:lnTo>
+                  <a:lnTo>
+                    <a:pt x="50312" y="4007776"/>
+                  </a:lnTo>
+                  <a:lnTo>
+                    <a:pt x="67766" y="4049050"/>
+                  </a:lnTo>
+                  <a:lnTo>
+                    <a:pt x="87577" y="4089016"/>
+                  </a:lnTo>
+                  <a:lnTo>
+                    <a:pt x="109658" y="4127589"/>
+                  </a:lnTo>
+                  <a:lnTo>
+                    <a:pt x="133922" y="4164679"/>
+                  </a:lnTo>
+                  <a:lnTo>
+                    <a:pt x="160280" y="4200200"/>
+                  </a:lnTo>
+                  <a:lnTo>
+                    <a:pt x="188646" y="4234064"/>
+                  </a:lnTo>
+                  <a:lnTo>
+                    <a:pt x="218932" y="4266183"/>
+                  </a:lnTo>
+                  <a:lnTo>
+                    <a:pt x="251050" y="4296471"/>
+                  </a:lnTo>
+                  <a:lnTo>
+                    <a:pt x="284912" y="4324838"/>
+                  </a:lnTo>
+                  <a:lnTo>
+                    <a:pt x="320432" y="4351198"/>
+                  </a:lnTo>
+                  <a:lnTo>
+                    <a:pt x="357522" y="4375463"/>
+                  </a:lnTo>
+                  <a:lnTo>
+                    <a:pt x="396093" y="4397546"/>
+                  </a:lnTo>
+                  <a:lnTo>
+                    <a:pt x="436060" y="4417359"/>
+                  </a:lnTo>
+                  <a:lnTo>
+                    <a:pt x="477333" y="4434814"/>
+                  </a:lnTo>
+                  <a:lnTo>
+                    <a:pt x="519826" y="4449824"/>
+                  </a:lnTo>
+                  <a:lnTo>
+                    <a:pt x="563452" y="4462301"/>
+                  </a:lnTo>
+                  <a:lnTo>
+                    <a:pt x="608121" y="4472158"/>
+                  </a:lnTo>
+                  <a:lnTo>
+                    <a:pt x="653748" y="4479307"/>
+                  </a:lnTo>
+                  <a:lnTo>
+                    <a:pt x="700244" y="4483661"/>
+                  </a:lnTo>
+                  <a:lnTo>
+                    <a:pt x="747521" y="4485132"/>
+                  </a:lnTo>
+                  <a:lnTo>
+                    <a:pt x="5061966" y="4485132"/>
+                  </a:lnTo>
+                  <a:lnTo>
+                    <a:pt x="5109243" y="4483661"/>
+                  </a:lnTo>
+                  <a:lnTo>
+                    <a:pt x="5155739" y="4479307"/>
+                  </a:lnTo>
+                  <a:lnTo>
+                    <a:pt x="5201366" y="4472158"/>
+                  </a:lnTo>
+                  <a:lnTo>
+                    <a:pt x="5246035" y="4462301"/>
+                  </a:lnTo>
+                  <a:lnTo>
+                    <a:pt x="5289661" y="4449824"/>
+                  </a:lnTo>
+                  <a:lnTo>
+                    <a:pt x="5332154" y="4434814"/>
+                  </a:lnTo>
+                  <a:lnTo>
+                    <a:pt x="5373427" y="4417359"/>
+                  </a:lnTo>
+                  <a:lnTo>
+                    <a:pt x="5413394" y="4397546"/>
+                  </a:lnTo>
+                  <a:lnTo>
+                    <a:pt x="5451965" y="4375463"/>
+                  </a:lnTo>
+                  <a:lnTo>
+                    <a:pt x="5489055" y="4351198"/>
+                  </a:lnTo>
+                  <a:lnTo>
+                    <a:pt x="5524575" y="4324838"/>
+                  </a:lnTo>
+                  <a:lnTo>
+                    <a:pt x="5558437" y="4296471"/>
+                  </a:lnTo>
+                  <a:lnTo>
+                    <a:pt x="5590555" y="4266184"/>
+                  </a:lnTo>
+                  <a:lnTo>
+                    <a:pt x="5620841" y="4234064"/>
+                  </a:lnTo>
+                  <a:lnTo>
+                    <a:pt x="5649207" y="4200200"/>
+                  </a:lnTo>
+                  <a:lnTo>
+                    <a:pt x="5675565" y="4164679"/>
+                  </a:lnTo>
+                  <a:lnTo>
+                    <a:pt x="5699829" y="4127589"/>
+                  </a:lnTo>
+                  <a:lnTo>
+                    <a:pt x="5721910" y="4089016"/>
+                  </a:lnTo>
+                  <a:lnTo>
+                    <a:pt x="5741721" y="4049050"/>
+                  </a:lnTo>
+                  <a:lnTo>
+                    <a:pt x="5759175" y="4007776"/>
+                  </a:lnTo>
+                  <a:lnTo>
+                    <a:pt x="5774183" y="3965284"/>
+                  </a:lnTo>
+                  <a:lnTo>
+                    <a:pt x="5786659" y="3921659"/>
+                  </a:lnTo>
+                  <a:lnTo>
+                    <a:pt x="5796515" y="3876991"/>
+                  </a:lnTo>
+                  <a:lnTo>
+                    <a:pt x="5803664" y="3831366"/>
+                  </a:lnTo>
+                  <a:lnTo>
+                    <a:pt x="5808017" y="3784872"/>
+                  </a:lnTo>
+                  <a:lnTo>
+                    <a:pt x="5809488" y="3737597"/>
+                  </a:lnTo>
+                  <a:lnTo>
+                    <a:pt x="5809488" y="747522"/>
+                  </a:lnTo>
+                  <a:lnTo>
+                    <a:pt x="5808017" y="700244"/>
+                  </a:lnTo>
+                  <a:lnTo>
+                    <a:pt x="5803664" y="653748"/>
+                  </a:lnTo>
+                  <a:lnTo>
+                    <a:pt x="5796515" y="608121"/>
+                  </a:lnTo>
+                  <a:lnTo>
+                    <a:pt x="5786659" y="563452"/>
+                  </a:lnTo>
+                  <a:lnTo>
+                    <a:pt x="5774183" y="519826"/>
+                  </a:lnTo>
+                  <a:lnTo>
+                    <a:pt x="5759175" y="477333"/>
+                  </a:lnTo>
+                  <a:lnTo>
+                    <a:pt x="5741721" y="436060"/>
+                  </a:lnTo>
+                  <a:lnTo>
+                    <a:pt x="5721910" y="396093"/>
+                  </a:lnTo>
+                  <a:lnTo>
+                    <a:pt x="5699829" y="357522"/>
+                  </a:lnTo>
+                  <a:lnTo>
+                    <a:pt x="5675565" y="320432"/>
+                  </a:lnTo>
+                  <a:lnTo>
+                    <a:pt x="5649207" y="284912"/>
+                  </a:lnTo>
+                  <a:lnTo>
+                    <a:pt x="5620841" y="251050"/>
+                  </a:lnTo>
+                  <a:lnTo>
+                    <a:pt x="5590555" y="218932"/>
+                  </a:lnTo>
+                  <a:lnTo>
+                    <a:pt x="5558437" y="188646"/>
+                  </a:lnTo>
+                  <a:lnTo>
+                    <a:pt x="5524575" y="160280"/>
+                  </a:lnTo>
+                  <a:lnTo>
+                    <a:pt x="5489055" y="133922"/>
+                  </a:lnTo>
+                  <a:lnTo>
+                    <a:pt x="5451965" y="109658"/>
+                  </a:lnTo>
+                  <a:lnTo>
+                    <a:pt x="5413394" y="87577"/>
+                  </a:lnTo>
+                  <a:lnTo>
+                    <a:pt x="5373427" y="67766"/>
+                  </a:lnTo>
+                  <a:lnTo>
+                    <a:pt x="5332154" y="50312"/>
+                  </a:lnTo>
+                  <a:lnTo>
+                    <a:pt x="5289661" y="35304"/>
+                  </a:lnTo>
+                  <a:lnTo>
+                    <a:pt x="5246035" y="22828"/>
+                  </a:lnTo>
+                  <a:lnTo>
+                    <a:pt x="5201366" y="12972"/>
+                  </a:lnTo>
+                  <a:lnTo>
+                    <a:pt x="5155739" y="5823"/>
+                  </a:lnTo>
+                  <a:lnTo>
+                    <a:pt x="5109243" y="1470"/>
+                  </a:lnTo>
+                  <a:lnTo>
+                    <a:pt x="5061966" y="0"/>
+                  </a:lnTo>
+                  <a:close/>
+                </a:path>
+              </a:pathLst>
+            </a:custGeom>
+            <a:solidFill>
+              <a:srgbClr val="AECFD3"/>
+            </a:solidFill>
+          </p:spPr>
+          <p:txBody>
+            <a:bodyPr wrap="square" lIns="0" tIns="0" rIns="0" bIns="0" rtlCol="0"/>
+            <a:lstStyle/>
+            <a:p>
+              <a:pPr marL="0" marR="0" lvl="0" indent="0" algn="l" defTabSz="914400" rtl="0" eaLnBrk="1" fontAlgn="auto" latinLnBrk="0" hangingPunct="1">
+                <a:lnSpc>
+                  <a:spcPct val="100000"/>
+                </a:lnSpc>
+                <a:spcBef>
+                  <a:spcPts val="0"/>
+                </a:spcBef>
+                <a:spcAft>
+                  <a:spcPts val="0"/>
+                </a:spcAft>
+                <a:buClrTx/>
+                <a:buSzTx/>
+                <a:buFontTx/>
+                <a:buNone/>
+                <a:tabLst/>
+                <a:defRPr/>
+              </a:pPr>
+              <a:endParaRPr kumimoji="0" sz="1800" b="0" i="0" u="none" strike="noStrike" kern="1200" cap="none" spc="0" normalizeH="0" baseline="0" noProof="0">
+                <a:ln>
+                  <a:noFill/>
+                </a:ln>
+                <a:solidFill>
+                  <a:prstClr val="black"/>
+                </a:solidFill>
+                <a:effectLst/>
+                <a:uLnTx/>
+                <a:uFillTx/>
+                <a:latin typeface="Calibri"/>
+                <a:ea typeface="+mn-ea"/>
+                <a:cs typeface="+mn-cs"/>
+              </a:endParaRPr>
+            </a:p>
+          </p:txBody>
+        </p:sp>
+        <p:sp>
+          <p:nvSpPr>
+            <p:cNvPr id="9" name="object 9"/>
+            <p:cNvSpPr/>
+            <p:nvPr/>
+          </p:nvSpPr>
+          <p:spPr>
+            <a:xfrm>
+              <a:off x="3191255" y="2174748"/>
+              <a:ext cx="5809615" cy="4485640"/>
+            </a:xfrm>
+            <a:custGeom>
+              <a:avLst/>
+              <a:gdLst/>
+              <a:ahLst/>
+              <a:cxnLst/>
+              <a:rect l="l" t="t" r="r" b="b"/>
+              <a:pathLst>
+                <a:path w="5809615" h="4485640">
+                  <a:moveTo>
+                    <a:pt x="0" y="747522"/>
+                  </a:moveTo>
+                  <a:lnTo>
+                    <a:pt x="1470" y="700244"/>
+                  </a:lnTo>
+                  <a:lnTo>
+                    <a:pt x="5823" y="653748"/>
+                  </a:lnTo>
+                  <a:lnTo>
+                    <a:pt x="12972" y="608121"/>
+                  </a:lnTo>
+                  <a:lnTo>
+                    <a:pt x="22828" y="563452"/>
+                  </a:lnTo>
+                  <a:lnTo>
+                    <a:pt x="35304" y="519826"/>
+                  </a:lnTo>
+                  <a:lnTo>
+                    <a:pt x="50312" y="477333"/>
+                  </a:lnTo>
+                  <a:lnTo>
+                    <a:pt x="67766" y="436060"/>
+                  </a:lnTo>
+                  <a:lnTo>
+                    <a:pt x="87577" y="396093"/>
+                  </a:lnTo>
+                  <a:lnTo>
+                    <a:pt x="109658" y="357522"/>
+                  </a:lnTo>
+                  <a:lnTo>
+                    <a:pt x="133922" y="320432"/>
+                  </a:lnTo>
+                  <a:lnTo>
+                    <a:pt x="160280" y="284912"/>
+                  </a:lnTo>
+                  <a:lnTo>
+                    <a:pt x="188646" y="251050"/>
+                  </a:lnTo>
+                  <a:lnTo>
+                    <a:pt x="218932" y="218932"/>
+                  </a:lnTo>
+                  <a:lnTo>
+                    <a:pt x="251050" y="188646"/>
+                  </a:lnTo>
+                  <a:lnTo>
+                    <a:pt x="284912" y="160280"/>
+                  </a:lnTo>
+                  <a:lnTo>
+                    <a:pt x="320432" y="133922"/>
+                  </a:lnTo>
+                  <a:lnTo>
+                    <a:pt x="357522" y="109658"/>
+                  </a:lnTo>
+                  <a:lnTo>
+                    <a:pt x="396093" y="87577"/>
+                  </a:lnTo>
+                  <a:lnTo>
+                    <a:pt x="436060" y="67766"/>
+                  </a:lnTo>
+                  <a:lnTo>
+                    <a:pt x="477333" y="50312"/>
+                  </a:lnTo>
+                  <a:lnTo>
+                    <a:pt x="519826" y="35304"/>
+                  </a:lnTo>
+                  <a:lnTo>
+                    <a:pt x="563452" y="22828"/>
+                  </a:lnTo>
+                  <a:lnTo>
+                    <a:pt x="608121" y="12972"/>
+                  </a:lnTo>
+                  <a:lnTo>
+                    <a:pt x="653748" y="5823"/>
+                  </a:lnTo>
+                  <a:lnTo>
+                    <a:pt x="700244" y="1470"/>
+                  </a:lnTo>
+                  <a:lnTo>
+                    <a:pt x="747521" y="0"/>
+                  </a:lnTo>
+                  <a:lnTo>
+                    <a:pt x="5061966" y="0"/>
+                  </a:lnTo>
+                  <a:lnTo>
+                    <a:pt x="5109243" y="1470"/>
+                  </a:lnTo>
+                  <a:lnTo>
+                    <a:pt x="5155739" y="5823"/>
+                  </a:lnTo>
+                  <a:lnTo>
+                    <a:pt x="5201366" y="12972"/>
+                  </a:lnTo>
+                  <a:lnTo>
+                    <a:pt x="5246035" y="22828"/>
+                  </a:lnTo>
+                  <a:lnTo>
+                    <a:pt x="5289661" y="35304"/>
+                  </a:lnTo>
+                  <a:lnTo>
+                    <a:pt x="5332154" y="50312"/>
+                  </a:lnTo>
+                  <a:lnTo>
+                    <a:pt x="5373427" y="67766"/>
+                  </a:lnTo>
+                  <a:lnTo>
+                    <a:pt x="5413394" y="87577"/>
+                  </a:lnTo>
+                  <a:lnTo>
+                    <a:pt x="5451965" y="109658"/>
+                  </a:lnTo>
+                  <a:lnTo>
+                    <a:pt x="5489055" y="133922"/>
+                  </a:lnTo>
+                  <a:lnTo>
+                    <a:pt x="5524575" y="160280"/>
+                  </a:lnTo>
+                  <a:lnTo>
+                    <a:pt x="5558437" y="188646"/>
+                  </a:lnTo>
+                  <a:lnTo>
+                    <a:pt x="5590555" y="218932"/>
+                  </a:lnTo>
+                  <a:lnTo>
+                    <a:pt x="5620841" y="251050"/>
+                  </a:lnTo>
+                  <a:lnTo>
+                    <a:pt x="5649207" y="284912"/>
+                  </a:lnTo>
+                  <a:lnTo>
+                    <a:pt x="5675565" y="320432"/>
+                  </a:lnTo>
+                  <a:lnTo>
+                    <a:pt x="5699829" y="357522"/>
+                  </a:lnTo>
+                  <a:lnTo>
+                    <a:pt x="5721910" y="396093"/>
+                  </a:lnTo>
+                  <a:lnTo>
+                    <a:pt x="5741721" y="436060"/>
+                  </a:lnTo>
+                  <a:lnTo>
+                    <a:pt x="5759175" y="477333"/>
+                  </a:lnTo>
+                  <a:lnTo>
+                    <a:pt x="5774183" y="519826"/>
+                  </a:lnTo>
+                  <a:lnTo>
+                    <a:pt x="5786659" y="563452"/>
+                  </a:lnTo>
+                  <a:lnTo>
+                    <a:pt x="5796515" y="608121"/>
+                  </a:lnTo>
+                  <a:lnTo>
+                    <a:pt x="5803664" y="653748"/>
+                  </a:lnTo>
+                  <a:lnTo>
+                    <a:pt x="5808017" y="700244"/>
+                  </a:lnTo>
+                  <a:lnTo>
+                    <a:pt x="5809488" y="747522"/>
+                  </a:lnTo>
+                  <a:lnTo>
+                    <a:pt x="5809488" y="3737597"/>
+                  </a:lnTo>
+                  <a:lnTo>
+                    <a:pt x="5808017" y="3784872"/>
+                  </a:lnTo>
+                  <a:lnTo>
+                    <a:pt x="5803664" y="3831366"/>
+                  </a:lnTo>
+                  <a:lnTo>
+                    <a:pt x="5796515" y="3876991"/>
+                  </a:lnTo>
+                  <a:lnTo>
+                    <a:pt x="5786659" y="3921659"/>
+                  </a:lnTo>
+                  <a:lnTo>
+                    <a:pt x="5774183" y="3965284"/>
+                  </a:lnTo>
+                  <a:lnTo>
+                    <a:pt x="5759175" y="4007776"/>
+                  </a:lnTo>
+                  <a:lnTo>
+                    <a:pt x="5741721" y="4049050"/>
+                  </a:lnTo>
+                  <a:lnTo>
+                    <a:pt x="5721910" y="4089016"/>
+                  </a:lnTo>
+                  <a:lnTo>
+                    <a:pt x="5699829" y="4127589"/>
+                  </a:lnTo>
+                  <a:lnTo>
+                    <a:pt x="5675565" y="4164679"/>
+                  </a:lnTo>
+                  <a:lnTo>
+                    <a:pt x="5649207" y="4200200"/>
+                  </a:lnTo>
+                  <a:lnTo>
+                    <a:pt x="5620841" y="4234064"/>
+                  </a:lnTo>
+                  <a:lnTo>
+                    <a:pt x="5590555" y="4266184"/>
+                  </a:lnTo>
+                  <a:lnTo>
+                    <a:pt x="5558437" y="4296471"/>
+                  </a:lnTo>
+                  <a:lnTo>
+                    <a:pt x="5524575" y="4324838"/>
+                  </a:lnTo>
+                  <a:lnTo>
+                    <a:pt x="5489055" y="4351198"/>
+                  </a:lnTo>
+                  <a:lnTo>
+                    <a:pt x="5451965" y="4375463"/>
+                  </a:lnTo>
+                  <a:lnTo>
+                    <a:pt x="5413394" y="4397546"/>
+                  </a:lnTo>
+                  <a:lnTo>
+                    <a:pt x="5373427" y="4417359"/>
+                  </a:lnTo>
+                  <a:lnTo>
+                    <a:pt x="5332154" y="4434814"/>
+                  </a:lnTo>
+                  <a:lnTo>
+                    <a:pt x="5289661" y="4449824"/>
+                  </a:lnTo>
+                  <a:lnTo>
+                    <a:pt x="5246035" y="4462301"/>
+                  </a:lnTo>
+                  <a:lnTo>
+                    <a:pt x="5201366" y="4472158"/>
+                  </a:lnTo>
+                  <a:lnTo>
+                    <a:pt x="5155739" y="4479307"/>
+                  </a:lnTo>
+                  <a:lnTo>
+                    <a:pt x="5109243" y="4483661"/>
+                  </a:lnTo>
+                  <a:lnTo>
+                    <a:pt x="5061966" y="4485132"/>
+                  </a:lnTo>
+                  <a:lnTo>
+                    <a:pt x="747521" y="4485132"/>
+                  </a:lnTo>
+                  <a:lnTo>
+                    <a:pt x="700244" y="4483661"/>
+                  </a:lnTo>
+                  <a:lnTo>
+                    <a:pt x="653748" y="4479307"/>
+                  </a:lnTo>
+                  <a:lnTo>
+                    <a:pt x="608121" y="4472158"/>
+                  </a:lnTo>
+                  <a:lnTo>
+                    <a:pt x="563452" y="4462301"/>
+                  </a:lnTo>
+                  <a:lnTo>
+                    <a:pt x="519826" y="4449824"/>
+                  </a:lnTo>
+                  <a:lnTo>
+                    <a:pt x="477333" y="4434814"/>
+                  </a:lnTo>
+                  <a:lnTo>
+                    <a:pt x="436060" y="4417359"/>
+                  </a:lnTo>
+                  <a:lnTo>
+                    <a:pt x="396093" y="4397546"/>
+                  </a:lnTo>
+                  <a:lnTo>
+                    <a:pt x="357522" y="4375463"/>
+                  </a:lnTo>
+                  <a:lnTo>
+                    <a:pt x="320432" y="4351198"/>
+                  </a:lnTo>
+                  <a:lnTo>
+                    <a:pt x="284912" y="4324838"/>
+                  </a:lnTo>
+                  <a:lnTo>
+                    <a:pt x="251050" y="4296471"/>
+                  </a:lnTo>
+                  <a:lnTo>
+                    <a:pt x="218932" y="4266183"/>
+                  </a:lnTo>
+                  <a:lnTo>
+                    <a:pt x="188646" y="4234064"/>
+                  </a:lnTo>
+                  <a:lnTo>
+                    <a:pt x="160280" y="4200200"/>
+                  </a:lnTo>
+                  <a:lnTo>
+                    <a:pt x="133922" y="4164679"/>
+                  </a:lnTo>
+                  <a:lnTo>
+                    <a:pt x="109658" y="4127589"/>
+                  </a:lnTo>
+                  <a:lnTo>
+                    <a:pt x="87577" y="4089016"/>
+                  </a:lnTo>
+                  <a:lnTo>
+                    <a:pt x="67766" y="4049050"/>
+                  </a:lnTo>
+                  <a:lnTo>
+                    <a:pt x="50312" y="4007776"/>
+                  </a:lnTo>
+                  <a:lnTo>
+                    <a:pt x="35304" y="3965284"/>
+                  </a:lnTo>
+                  <a:lnTo>
+                    <a:pt x="22828" y="3921659"/>
+                  </a:lnTo>
+                  <a:lnTo>
+                    <a:pt x="12972" y="3876991"/>
+                  </a:lnTo>
+                  <a:lnTo>
+                    <a:pt x="5823" y="3831366"/>
+                  </a:lnTo>
+                  <a:lnTo>
+                    <a:pt x="1470" y="3784872"/>
+                  </a:lnTo>
+                  <a:lnTo>
+                    <a:pt x="0" y="3737597"/>
+                  </a:lnTo>
+                  <a:lnTo>
+                    <a:pt x="0" y="747522"/>
+                  </a:lnTo>
+                  <a:close/>
+                </a:path>
+              </a:pathLst>
+            </a:custGeom>
+            <a:ln w="63500">
+              <a:solidFill>
+                <a:srgbClr val="A4A4A4"/>
+              </a:solidFill>
+            </a:ln>
+          </p:spPr>
+          <p:txBody>
+            <a:bodyPr wrap="square" lIns="0" tIns="0" rIns="0" bIns="0" rtlCol="0"/>
+            <a:lstStyle/>
+            <a:p>
+              <a:pPr marL="0" marR="0" lvl="0" indent="0" algn="l" defTabSz="914400" rtl="0" eaLnBrk="1" fontAlgn="auto" latinLnBrk="0" hangingPunct="1">
+                <a:lnSpc>
+                  <a:spcPct val="100000"/>
+                </a:lnSpc>
+                <a:spcBef>
+                  <a:spcPts val="0"/>
+                </a:spcBef>
+                <a:spcAft>
+                  <a:spcPts val="0"/>
+                </a:spcAft>
+                <a:buClrTx/>
+                <a:buSzTx/>
+                <a:buFontTx/>
+                <a:buNone/>
+                <a:tabLst/>
+                <a:defRPr/>
+              </a:pPr>
+              <a:endParaRPr kumimoji="0" sz="1800" b="0" i="0" u="none" strike="noStrike" kern="1200" cap="none" spc="0" normalizeH="0" baseline="0" noProof="0">
+                <a:ln>
+                  <a:noFill/>
+                </a:ln>
+                <a:solidFill>
+                  <a:prstClr val="black"/>
+                </a:solidFill>
+                <a:effectLst/>
+                <a:uLnTx/>
+                <a:uFillTx/>
+                <a:latin typeface="Calibri"/>
+                <a:ea typeface="+mn-ea"/>
+                <a:cs typeface="+mn-cs"/>
+              </a:endParaRPr>
+            </a:p>
+          </p:txBody>
+        </p:sp>
+        <p:pic>
+          <p:nvPicPr>
+            <p:cNvPr id="10" name="object 10"/>
+            <p:cNvPicPr/>
+            <p:nvPr/>
+          </p:nvPicPr>
+          <p:blipFill>
+            <a:blip r:embed="rId2" cstate="print"/>
+            <a:stretch>
+              <a:fillRect/>
+            </a:stretch>
+          </p:blipFill>
+          <p:spPr>
+            <a:xfrm>
+              <a:off x="3672839" y="2464308"/>
+              <a:ext cx="4945379" cy="3956304"/>
+            </a:xfrm>
+            <a:prstGeom prst="rect">
+              <a:avLst/>
+            </a:prstGeom>
+          </p:spPr>
+        </p:pic>
+      </p:grpSp>
+      <p:sp>
+        <p:nvSpPr>
+          <p:cNvPr id="11" name="object 11"/>
+          <p:cNvSpPr txBox="1"/>
+          <p:nvPr/>
+        </p:nvSpPr>
+        <p:spPr>
+          <a:xfrm>
+            <a:off x="399999" y="1505458"/>
+            <a:ext cx="9693275" cy="482600"/>
+          </a:xfrm>
+          <a:prstGeom prst="rect">
+            <a:avLst/>
+          </a:prstGeom>
+        </p:spPr>
+        <p:txBody>
+          <a:bodyPr vert="horz" wrap="square" lIns="0" tIns="12700" rIns="0" bIns="0" rtlCol="0">
+            <a:spAutoFit/>
+          </a:bodyPr>
+          <a:lstStyle/>
+          <a:p>
+            <a:pPr marL="469900" marR="0" lvl="0" indent="-457200" algn="l" defTabSz="914400" rtl="0" eaLnBrk="1" fontAlgn="auto" latinLnBrk="0" hangingPunct="1">
+              <a:lnSpc>
+                <a:spcPct val="100000"/>
+              </a:lnSpc>
+              <a:spcBef>
+                <a:spcPts val="100"/>
+              </a:spcBef>
+              <a:spcAft>
+                <a:spcPts val="0"/>
+              </a:spcAft>
+              <a:buClrTx/>
+              <a:buSzTx/>
+              <a:buFont typeface="Arial MT"/>
+              <a:buChar char="•"/>
+              <a:tabLst>
+                <a:tab pos="469265" algn="l"/>
+                <a:tab pos="469900" algn="l"/>
+              </a:tabLst>
+              <a:defRPr/>
+            </a:pPr>
+            <a:r>
+              <a:rPr kumimoji="0" sz="3000" b="0" i="0" u="none" strike="noStrike" kern="1200" cap="none" spc="-175" normalizeH="0" baseline="0" noProof="0" dirty="0">
+                <a:ln>
+                  <a:noFill/>
+                </a:ln>
+                <a:solidFill>
+                  <a:prstClr val="black"/>
+                </a:solidFill>
+                <a:effectLst/>
+                <a:uLnTx/>
+                <a:uFillTx/>
+                <a:latin typeface="Microsoft Sans Serif"/>
+                <a:ea typeface="+mn-ea"/>
+                <a:cs typeface="Microsoft Sans Serif"/>
+              </a:rPr>
+              <a:t>Used</a:t>
+            </a:r>
+            <a:r>
+              <a:rPr kumimoji="0" sz="3000" b="0" i="0" u="none" strike="noStrike" kern="1200" cap="none" spc="95" normalizeH="0" baseline="0" noProof="0" dirty="0">
+                <a:ln>
+                  <a:noFill/>
+                </a:ln>
+                <a:solidFill>
+                  <a:prstClr val="black"/>
+                </a:solidFill>
+                <a:effectLst/>
+                <a:uLnTx/>
+                <a:uFillTx/>
+                <a:latin typeface="Microsoft Sans Serif"/>
+                <a:ea typeface="+mn-ea"/>
+                <a:cs typeface="Microsoft Sans Serif"/>
+              </a:rPr>
+              <a:t> </a:t>
+            </a:r>
+            <a:r>
+              <a:rPr kumimoji="0" sz="3000" b="0" i="0" u="none" strike="noStrike" kern="1200" cap="none" spc="55" normalizeH="0" baseline="0" noProof="0" dirty="0">
+                <a:ln>
+                  <a:noFill/>
+                </a:ln>
+                <a:solidFill>
+                  <a:prstClr val="black"/>
+                </a:solidFill>
+                <a:effectLst/>
+                <a:uLnTx/>
+                <a:uFillTx/>
+                <a:latin typeface="Microsoft Sans Serif"/>
+                <a:ea typeface="+mn-ea"/>
+                <a:cs typeface="Microsoft Sans Serif"/>
+              </a:rPr>
+              <a:t>to</a:t>
+            </a:r>
+            <a:r>
+              <a:rPr kumimoji="0" sz="3000" b="0" i="0" u="none" strike="noStrike" kern="1200" cap="none" spc="105" normalizeH="0" baseline="0" noProof="0" dirty="0">
+                <a:ln>
+                  <a:noFill/>
+                </a:ln>
+                <a:solidFill>
+                  <a:prstClr val="black"/>
+                </a:solidFill>
+                <a:effectLst/>
+                <a:uLnTx/>
+                <a:uFillTx/>
+                <a:latin typeface="Microsoft Sans Serif"/>
+                <a:ea typeface="+mn-ea"/>
+                <a:cs typeface="Microsoft Sans Serif"/>
+              </a:rPr>
+              <a:t> </a:t>
+            </a:r>
+            <a:r>
+              <a:rPr kumimoji="0" sz="3000" b="0" i="0" u="none" strike="noStrike" kern="1200" cap="none" spc="-114" normalizeH="0" baseline="0" noProof="0" dirty="0">
+                <a:ln>
+                  <a:noFill/>
+                </a:ln>
+                <a:solidFill>
+                  <a:prstClr val="black"/>
+                </a:solidFill>
+                <a:effectLst/>
+                <a:uLnTx/>
+                <a:uFillTx/>
+                <a:latin typeface="Microsoft Sans Serif"/>
+                <a:ea typeface="+mn-ea"/>
+                <a:cs typeface="Microsoft Sans Serif"/>
+              </a:rPr>
+              <a:t>change</a:t>
+            </a:r>
+            <a:r>
+              <a:rPr kumimoji="0" sz="3000" b="0" i="0" u="none" strike="noStrike" kern="1200" cap="none" spc="70" normalizeH="0" baseline="0" noProof="0" dirty="0">
+                <a:ln>
+                  <a:noFill/>
+                </a:ln>
+                <a:solidFill>
+                  <a:prstClr val="black"/>
+                </a:solidFill>
+                <a:effectLst/>
+                <a:uLnTx/>
+                <a:uFillTx/>
+                <a:latin typeface="Microsoft Sans Serif"/>
+                <a:ea typeface="+mn-ea"/>
+                <a:cs typeface="Microsoft Sans Serif"/>
+              </a:rPr>
+              <a:t> </a:t>
+            </a:r>
+            <a:r>
+              <a:rPr kumimoji="0" sz="3000" b="0" i="0" u="none" strike="noStrike" kern="1200" cap="none" spc="-40" normalizeH="0" baseline="0" noProof="0" dirty="0">
+                <a:ln>
+                  <a:noFill/>
+                </a:ln>
+                <a:solidFill>
+                  <a:prstClr val="black"/>
+                </a:solidFill>
+                <a:effectLst/>
+                <a:uLnTx/>
+                <a:uFillTx/>
+                <a:latin typeface="Microsoft Sans Serif"/>
+                <a:ea typeface="+mn-ea"/>
+                <a:cs typeface="Microsoft Sans Serif"/>
+              </a:rPr>
+              <a:t>the</a:t>
+            </a:r>
+            <a:r>
+              <a:rPr kumimoji="0" sz="3000" b="0" i="0" u="none" strike="noStrike" kern="1200" cap="none" spc="105" normalizeH="0" baseline="0" noProof="0" dirty="0">
+                <a:ln>
+                  <a:noFill/>
+                </a:ln>
+                <a:solidFill>
+                  <a:prstClr val="black"/>
+                </a:solidFill>
+                <a:effectLst/>
+                <a:uLnTx/>
+                <a:uFillTx/>
+                <a:latin typeface="Microsoft Sans Serif"/>
+                <a:ea typeface="+mn-ea"/>
+                <a:cs typeface="Microsoft Sans Serif"/>
+              </a:rPr>
+              <a:t> </a:t>
+            </a:r>
+            <a:r>
+              <a:rPr kumimoji="0" sz="3000" b="0" i="0" u="none" strike="noStrike" kern="1200" cap="none" spc="-135" normalizeH="0" baseline="0" noProof="0" dirty="0">
+                <a:ln>
+                  <a:noFill/>
+                </a:ln>
+                <a:solidFill>
+                  <a:prstClr val="black"/>
+                </a:solidFill>
+                <a:effectLst/>
+                <a:uLnTx/>
+                <a:uFillTx/>
+                <a:latin typeface="Microsoft Sans Serif"/>
+                <a:ea typeface="+mn-ea"/>
+                <a:cs typeface="Microsoft Sans Serif"/>
+              </a:rPr>
+              <a:t>way</a:t>
+            </a:r>
+            <a:r>
+              <a:rPr kumimoji="0" sz="3000" b="0" i="0" u="none" strike="noStrike" kern="1200" cap="none" spc="95" normalizeH="0" baseline="0" noProof="0" dirty="0">
+                <a:ln>
+                  <a:noFill/>
+                </a:ln>
+                <a:solidFill>
+                  <a:prstClr val="black"/>
+                </a:solidFill>
+                <a:effectLst/>
+                <a:uLnTx/>
+                <a:uFillTx/>
+                <a:latin typeface="Microsoft Sans Serif"/>
+                <a:ea typeface="+mn-ea"/>
+                <a:cs typeface="Microsoft Sans Serif"/>
+              </a:rPr>
+              <a:t> </a:t>
+            </a:r>
+            <a:r>
+              <a:rPr kumimoji="0" sz="3000" b="0" i="0" u="none" strike="noStrike" kern="1200" cap="none" spc="-30" normalizeH="0" baseline="0" noProof="0" dirty="0">
+                <a:ln>
+                  <a:noFill/>
+                </a:ln>
+                <a:solidFill>
+                  <a:prstClr val="black"/>
+                </a:solidFill>
+                <a:effectLst/>
+                <a:uLnTx/>
+                <a:uFillTx/>
+                <a:latin typeface="Microsoft Sans Serif"/>
+                <a:ea typeface="+mn-ea"/>
+                <a:cs typeface="Microsoft Sans Serif"/>
+              </a:rPr>
+              <a:t>things</a:t>
+            </a:r>
+            <a:r>
+              <a:rPr kumimoji="0" sz="3000" b="0" i="0" u="none" strike="noStrike" kern="1200" cap="none" spc="100" normalizeH="0" baseline="0" noProof="0" dirty="0">
+                <a:ln>
+                  <a:noFill/>
+                </a:ln>
+                <a:solidFill>
+                  <a:prstClr val="black"/>
+                </a:solidFill>
+                <a:effectLst/>
+                <a:uLnTx/>
+                <a:uFillTx/>
+                <a:latin typeface="Microsoft Sans Serif"/>
+                <a:ea typeface="+mn-ea"/>
+                <a:cs typeface="Microsoft Sans Serif"/>
+              </a:rPr>
+              <a:t> </a:t>
+            </a:r>
+            <a:r>
+              <a:rPr kumimoji="0" sz="3000" b="0" i="0" u="none" strike="noStrike" kern="1200" cap="none" spc="-114" normalizeH="0" baseline="0" noProof="0" dirty="0">
+                <a:ln>
+                  <a:noFill/>
+                </a:ln>
+                <a:solidFill>
+                  <a:prstClr val="black"/>
+                </a:solidFill>
+                <a:effectLst/>
+                <a:uLnTx/>
+                <a:uFillTx/>
+                <a:latin typeface="Microsoft Sans Serif"/>
+                <a:ea typeface="+mn-ea"/>
+                <a:cs typeface="Microsoft Sans Serif"/>
+              </a:rPr>
+              <a:t>are</a:t>
+            </a:r>
+            <a:r>
+              <a:rPr kumimoji="0" sz="3000" b="0" i="0" u="none" strike="noStrike" kern="1200" cap="none" spc="105" normalizeH="0" baseline="0" noProof="0" dirty="0">
+                <a:ln>
+                  <a:noFill/>
+                </a:ln>
+                <a:solidFill>
+                  <a:prstClr val="black"/>
+                </a:solidFill>
+                <a:effectLst/>
+                <a:uLnTx/>
+                <a:uFillTx/>
+                <a:latin typeface="Microsoft Sans Serif"/>
+                <a:ea typeface="+mn-ea"/>
+                <a:cs typeface="Microsoft Sans Serif"/>
+              </a:rPr>
+              <a:t> </a:t>
+            </a:r>
+            <a:r>
+              <a:rPr kumimoji="0" sz="3000" b="0" i="0" u="none" strike="noStrike" kern="1200" cap="none" spc="-25" normalizeH="0" baseline="0" noProof="0" dirty="0">
+                <a:ln>
+                  <a:noFill/>
+                </a:ln>
+                <a:solidFill>
+                  <a:prstClr val="black"/>
+                </a:solidFill>
+                <a:effectLst/>
+                <a:uLnTx/>
+                <a:uFillTx/>
+                <a:latin typeface="Microsoft Sans Serif"/>
+                <a:ea typeface="+mn-ea"/>
+                <a:cs typeface="Microsoft Sans Serif"/>
+              </a:rPr>
+              <a:t>positioned</a:t>
+            </a:r>
+            <a:r>
+              <a:rPr kumimoji="0" sz="3000" b="0" i="0" u="none" strike="noStrike" kern="1200" cap="none" spc="80" normalizeH="0" baseline="0" noProof="0" dirty="0">
+                <a:ln>
+                  <a:noFill/>
+                </a:ln>
+                <a:solidFill>
+                  <a:prstClr val="black"/>
+                </a:solidFill>
+                <a:effectLst/>
+                <a:uLnTx/>
+                <a:uFillTx/>
+                <a:latin typeface="Microsoft Sans Serif"/>
+                <a:ea typeface="+mn-ea"/>
+                <a:cs typeface="Microsoft Sans Serif"/>
+              </a:rPr>
+              <a:t> </a:t>
+            </a:r>
+            <a:r>
+              <a:rPr kumimoji="0" sz="3000" b="0" i="0" u="none" strike="noStrike" kern="1200" cap="none" spc="-45" normalizeH="0" baseline="0" noProof="0" dirty="0">
+                <a:ln>
+                  <a:noFill/>
+                </a:ln>
+                <a:solidFill>
+                  <a:prstClr val="black"/>
+                </a:solidFill>
+                <a:effectLst/>
+                <a:uLnTx/>
+                <a:uFillTx/>
+                <a:latin typeface="Microsoft Sans Serif"/>
+                <a:ea typeface="+mn-ea"/>
+                <a:cs typeface="Microsoft Sans Serif"/>
+              </a:rPr>
+              <a:t>on</a:t>
+            </a:r>
+            <a:r>
+              <a:rPr kumimoji="0" sz="3000" b="0" i="0" u="none" strike="noStrike" kern="1200" cap="none" spc="95" normalizeH="0" baseline="0" noProof="0" dirty="0">
+                <a:ln>
+                  <a:noFill/>
+                </a:ln>
+                <a:solidFill>
+                  <a:prstClr val="black"/>
+                </a:solidFill>
+                <a:effectLst/>
+                <a:uLnTx/>
+                <a:uFillTx/>
+                <a:latin typeface="Microsoft Sans Serif"/>
+                <a:ea typeface="+mn-ea"/>
+                <a:cs typeface="Microsoft Sans Serif"/>
+              </a:rPr>
+              <a:t> </a:t>
+            </a:r>
+            <a:r>
+              <a:rPr kumimoji="0" sz="3000" b="0" i="0" u="none" strike="noStrike" kern="1200" cap="none" spc="-200" normalizeH="0" baseline="0" noProof="0" dirty="0">
+                <a:ln>
+                  <a:noFill/>
+                </a:ln>
+                <a:solidFill>
+                  <a:prstClr val="black"/>
+                </a:solidFill>
+                <a:effectLst/>
+                <a:uLnTx/>
+                <a:uFillTx/>
+                <a:latin typeface="Microsoft Sans Serif"/>
+                <a:ea typeface="+mn-ea"/>
+                <a:cs typeface="Microsoft Sans Serif"/>
+              </a:rPr>
+              <a:t>a</a:t>
+            </a:r>
+            <a:r>
+              <a:rPr kumimoji="0" sz="3000" b="0" i="0" u="none" strike="noStrike" kern="1200" cap="none" spc="105" normalizeH="0" baseline="0" noProof="0" dirty="0">
+                <a:ln>
+                  <a:noFill/>
+                </a:ln>
+                <a:solidFill>
+                  <a:prstClr val="black"/>
+                </a:solidFill>
+                <a:effectLst/>
+                <a:uLnTx/>
+                <a:uFillTx/>
+                <a:latin typeface="Microsoft Sans Serif"/>
+                <a:ea typeface="+mn-ea"/>
+                <a:cs typeface="Microsoft Sans Serif"/>
+              </a:rPr>
+              <a:t> </a:t>
+            </a:r>
+            <a:r>
+              <a:rPr kumimoji="0" sz="3000" b="0" i="0" u="none" strike="noStrike" kern="1200" cap="none" spc="-85" normalizeH="0" baseline="0" noProof="0" dirty="0">
+                <a:ln>
+                  <a:noFill/>
+                </a:ln>
+                <a:solidFill>
+                  <a:prstClr val="black"/>
+                </a:solidFill>
+                <a:effectLst/>
+                <a:uLnTx/>
+                <a:uFillTx/>
+                <a:latin typeface="Microsoft Sans Serif"/>
+                <a:ea typeface="+mn-ea"/>
+                <a:cs typeface="Microsoft Sans Serif"/>
+              </a:rPr>
+              <a:t>page</a:t>
+            </a:r>
+            <a:endParaRPr kumimoji="0" sz="3000" b="0" i="0" u="none" strike="noStrike" kern="1200" cap="none" spc="0" normalizeH="0" baseline="0" noProof="0">
+              <a:ln>
+                <a:noFill/>
+              </a:ln>
+              <a:solidFill>
+                <a:prstClr val="black"/>
+              </a:solidFill>
+              <a:effectLst/>
+              <a:uLnTx/>
+              <a:uFillTx/>
+              <a:latin typeface="Microsoft Sans Serif"/>
+              <a:ea typeface="+mn-ea"/>
+              <a:cs typeface="Microsoft Sans Serif"/>
+            </a:endParaRPr>
+          </a:p>
+        </p:txBody>
+      </p:sp>
+    </p:spTree>
+  </p:cSld>
+  <p:clrMapOvr>
+    <a:masterClrMapping/>
+  </p:clrMapOvr>
+</p:sld>
+</file>
+
+<file path=ppt/slides/slide11.xml><?xml version="1.0" encoding="utf-8"?>
 <p:sld xmlns:a="http://schemas.openxmlformats.org/drawingml/2006/main" xmlns:r="http://schemas.openxmlformats.org/officeDocument/2006/relationships" xmlns:p="http://schemas.openxmlformats.org/presentationml/2006/main" showMasterSp="0">
   <p:cSld>
     <p:spTree>
@@ -5023,7 +6585,7 @@
         <p:spPr>
           <a:xfrm>
             <a:off x="916939" y="246380"/>
-            <a:ext cx="7658734" cy="696595"/>
+            <a:ext cx="9477363" cy="689932"/>
           </a:xfrm>
           <a:prstGeom prst="rect">
             <a:avLst/>
@@ -5044,735 +6606,17 @@
               </a:spcBef>
             </a:pPr>
             <a:r>
-              <a:rPr spc="-20" dirty="0"/>
-              <a:t>Intro</a:t>
-            </a:r>
-            <a:r>
-              <a:rPr spc="145" dirty="0"/>
-              <a:t> </a:t>
-            </a:r>
-            <a:r>
-              <a:rPr spc="90" dirty="0"/>
-              <a:t>to</a:t>
-            </a:r>
-            <a:r>
-              <a:rPr spc="155" dirty="0"/>
-              <a:t> </a:t>
-            </a:r>
-            <a:r>
-              <a:rPr spc="-605" dirty="0"/>
-              <a:t>CSS</a:t>
-            </a:r>
-            <a:r>
-              <a:rPr spc="145" dirty="0"/>
-              <a:t> </a:t>
-            </a:r>
-            <a:r>
-              <a:rPr spc="-30" dirty="0"/>
-              <a:t>prop</a:t>
-            </a:r>
-            <a:r>
-              <a:rPr spc="-25" dirty="0"/>
-              <a:t>e</a:t>
-            </a:r>
-            <a:r>
-              <a:rPr spc="-80" dirty="0"/>
-              <a:t>rties</a:t>
-            </a:r>
-            <a:r>
-              <a:rPr spc="-55" dirty="0"/>
-              <a:t>:</a:t>
-            </a:r>
-            <a:r>
-              <a:rPr spc="120" dirty="0"/>
-              <a:t> </a:t>
-            </a:r>
-            <a:r>
-              <a:rPr spc="-165" dirty="0"/>
-              <a:t>Spacing</a:t>
-            </a:r>
+              <a:rPr dirty="0"/>
+              <a:t>Basic CSS properties: Display</a:t>
+            </a:r>
+            <a:r>
+              <a:rPr lang="en-US" dirty="0"/>
+              <a:t>: flex</a:t>
+            </a:r>
+            <a:endParaRPr dirty="0"/>
           </a:p>
         </p:txBody>
       </p:sp>
-      <p:grpSp>
-        <p:nvGrpSpPr>
-          <p:cNvPr id="7" name="object 7"/>
-          <p:cNvGrpSpPr/>
-          <p:nvPr/>
-        </p:nvGrpSpPr>
-        <p:grpSpPr>
-          <a:xfrm>
-            <a:off x="2944622" y="2648966"/>
-            <a:ext cx="6513195" cy="3601085"/>
-            <a:chOff x="2944622" y="2648966"/>
-            <a:chExt cx="6513195" cy="3601085"/>
-          </a:xfrm>
-        </p:grpSpPr>
-        <p:sp>
-          <p:nvSpPr>
-            <p:cNvPr id="8" name="object 8"/>
-            <p:cNvSpPr/>
-            <p:nvPr/>
-          </p:nvSpPr>
-          <p:spPr>
-            <a:xfrm>
-              <a:off x="2976372" y="2680716"/>
-              <a:ext cx="6449695" cy="3537585"/>
-            </a:xfrm>
-            <a:custGeom>
-              <a:avLst/>
-              <a:gdLst/>
-              <a:ahLst/>
-              <a:cxnLst/>
-              <a:rect l="l" t="t" r="r" b="b"/>
-              <a:pathLst>
-                <a:path w="6449695" h="3537585">
-                  <a:moveTo>
-                    <a:pt x="5860033" y="0"/>
-                  </a:moveTo>
-                  <a:lnTo>
-                    <a:pt x="589533" y="0"/>
-                  </a:lnTo>
-                  <a:lnTo>
-                    <a:pt x="541177" y="1954"/>
-                  </a:lnTo>
-                  <a:lnTo>
-                    <a:pt x="493899" y="7714"/>
-                  </a:lnTo>
-                  <a:lnTo>
-                    <a:pt x="447850" y="17131"/>
-                  </a:lnTo>
-                  <a:lnTo>
-                    <a:pt x="403181" y="30051"/>
-                  </a:lnTo>
-                  <a:lnTo>
-                    <a:pt x="360045" y="46323"/>
-                  </a:lnTo>
-                  <a:lnTo>
-                    <a:pt x="318592" y="65795"/>
-                  </a:lnTo>
-                  <a:lnTo>
-                    <a:pt x="278976" y="88316"/>
-                  </a:lnTo>
-                  <a:lnTo>
-                    <a:pt x="241346" y="113735"/>
-                  </a:lnTo>
-                  <a:lnTo>
-                    <a:pt x="205856" y="141898"/>
-                  </a:lnTo>
-                  <a:lnTo>
-                    <a:pt x="172656" y="172656"/>
-                  </a:lnTo>
-                  <a:lnTo>
-                    <a:pt x="141898" y="205856"/>
-                  </a:lnTo>
-                  <a:lnTo>
-                    <a:pt x="113735" y="241346"/>
-                  </a:lnTo>
-                  <a:lnTo>
-                    <a:pt x="88316" y="278976"/>
-                  </a:lnTo>
-                  <a:lnTo>
-                    <a:pt x="65795" y="318592"/>
-                  </a:lnTo>
-                  <a:lnTo>
-                    <a:pt x="46323" y="360044"/>
-                  </a:lnTo>
-                  <a:lnTo>
-                    <a:pt x="30051" y="403181"/>
-                  </a:lnTo>
-                  <a:lnTo>
-                    <a:pt x="17131" y="447850"/>
-                  </a:lnTo>
-                  <a:lnTo>
-                    <a:pt x="7714" y="493899"/>
-                  </a:lnTo>
-                  <a:lnTo>
-                    <a:pt x="1954" y="541177"/>
-                  </a:lnTo>
-                  <a:lnTo>
-                    <a:pt x="0" y="589534"/>
-                  </a:lnTo>
-                  <a:lnTo>
-                    <a:pt x="0" y="2947657"/>
-                  </a:lnTo>
-                  <a:lnTo>
-                    <a:pt x="1954" y="2996009"/>
-                  </a:lnTo>
-                  <a:lnTo>
-                    <a:pt x="7714" y="3043286"/>
-                  </a:lnTo>
-                  <a:lnTo>
-                    <a:pt x="17131" y="3089333"/>
-                  </a:lnTo>
-                  <a:lnTo>
-                    <a:pt x="30051" y="3134001"/>
-                  </a:lnTo>
-                  <a:lnTo>
-                    <a:pt x="46323" y="3177137"/>
-                  </a:lnTo>
-                  <a:lnTo>
-                    <a:pt x="65795" y="3218590"/>
-                  </a:lnTo>
-                  <a:lnTo>
-                    <a:pt x="88316" y="3258207"/>
-                  </a:lnTo>
-                  <a:lnTo>
-                    <a:pt x="113735" y="3295838"/>
-                  </a:lnTo>
-                  <a:lnTo>
-                    <a:pt x="141898" y="3331329"/>
-                  </a:lnTo>
-                  <a:lnTo>
-                    <a:pt x="172656" y="3364531"/>
-                  </a:lnTo>
-                  <a:lnTo>
-                    <a:pt x="205856" y="3395291"/>
-                  </a:lnTo>
-                  <a:lnTo>
-                    <a:pt x="241346" y="3423457"/>
-                  </a:lnTo>
-                  <a:lnTo>
-                    <a:pt x="278976" y="3448877"/>
-                  </a:lnTo>
-                  <a:lnTo>
-                    <a:pt x="318592" y="3471400"/>
-                  </a:lnTo>
-                  <a:lnTo>
-                    <a:pt x="360044" y="3490875"/>
-                  </a:lnTo>
-                  <a:lnTo>
-                    <a:pt x="403181" y="3507148"/>
-                  </a:lnTo>
-                  <a:lnTo>
-                    <a:pt x="447850" y="3520070"/>
-                  </a:lnTo>
-                  <a:lnTo>
-                    <a:pt x="493899" y="3529487"/>
-                  </a:lnTo>
-                  <a:lnTo>
-                    <a:pt x="541177" y="3535249"/>
-                  </a:lnTo>
-                  <a:lnTo>
-                    <a:pt x="589533" y="3537204"/>
-                  </a:lnTo>
-                  <a:lnTo>
-                    <a:pt x="5860033" y="3537204"/>
-                  </a:lnTo>
-                  <a:lnTo>
-                    <a:pt x="5908390" y="3535249"/>
-                  </a:lnTo>
-                  <a:lnTo>
-                    <a:pt x="5955668" y="3529487"/>
-                  </a:lnTo>
-                  <a:lnTo>
-                    <a:pt x="6001717" y="3520070"/>
-                  </a:lnTo>
-                  <a:lnTo>
-                    <a:pt x="6046386" y="3507148"/>
-                  </a:lnTo>
-                  <a:lnTo>
-                    <a:pt x="6089522" y="3490875"/>
-                  </a:lnTo>
-                  <a:lnTo>
-                    <a:pt x="6130975" y="3471400"/>
-                  </a:lnTo>
-                  <a:lnTo>
-                    <a:pt x="6170591" y="3448877"/>
-                  </a:lnTo>
-                  <a:lnTo>
-                    <a:pt x="6208221" y="3423457"/>
-                  </a:lnTo>
-                  <a:lnTo>
-                    <a:pt x="6243711" y="3395291"/>
-                  </a:lnTo>
-                  <a:lnTo>
-                    <a:pt x="6276911" y="3364531"/>
-                  </a:lnTo>
-                  <a:lnTo>
-                    <a:pt x="6307669" y="3331329"/>
-                  </a:lnTo>
-                  <a:lnTo>
-                    <a:pt x="6335832" y="3295838"/>
-                  </a:lnTo>
-                  <a:lnTo>
-                    <a:pt x="6361251" y="3258207"/>
-                  </a:lnTo>
-                  <a:lnTo>
-                    <a:pt x="6383772" y="3218590"/>
-                  </a:lnTo>
-                  <a:lnTo>
-                    <a:pt x="6403244" y="3177137"/>
-                  </a:lnTo>
-                  <a:lnTo>
-                    <a:pt x="6419516" y="3134001"/>
-                  </a:lnTo>
-                  <a:lnTo>
-                    <a:pt x="6432436" y="3089333"/>
-                  </a:lnTo>
-                  <a:lnTo>
-                    <a:pt x="6441853" y="3043286"/>
-                  </a:lnTo>
-                  <a:lnTo>
-                    <a:pt x="6447613" y="2996009"/>
-                  </a:lnTo>
-                  <a:lnTo>
-                    <a:pt x="6449568" y="2947657"/>
-                  </a:lnTo>
-                  <a:lnTo>
-                    <a:pt x="6449568" y="589534"/>
-                  </a:lnTo>
-                  <a:lnTo>
-                    <a:pt x="6447613" y="541177"/>
-                  </a:lnTo>
-                  <a:lnTo>
-                    <a:pt x="6441853" y="493899"/>
-                  </a:lnTo>
-                  <a:lnTo>
-                    <a:pt x="6432436" y="447850"/>
-                  </a:lnTo>
-                  <a:lnTo>
-                    <a:pt x="6419516" y="403181"/>
-                  </a:lnTo>
-                  <a:lnTo>
-                    <a:pt x="6403244" y="360044"/>
-                  </a:lnTo>
-                  <a:lnTo>
-                    <a:pt x="6383772" y="318592"/>
-                  </a:lnTo>
-                  <a:lnTo>
-                    <a:pt x="6361251" y="278976"/>
-                  </a:lnTo>
-                  <a:lnTo>
-                    <a:pt x="6335832" y="241346"/>
-                  </a:lnTo>
-                  <a:lnTo>
-                    <a:pt x="6307669" y="205856"/>
-                  </a:lnTo>
-                  <a:lnTo>
-                    <a:pt x="6276911" y="172656"/>
-                  </a:lnTo>
-                  <a:lnTo>
-                    <a:pt x="6243711" y="141898"/>
-                  </a:lnTo>
-                  <a:lnTo>
-                    <a:pt x="6208221" y="113735"/>
-                  </a:lnTo>
-                  <a:lnTo>
-                    <a:pt x="6170591" y="88316"/>
-                  </a:lnTo>
-                  <a:lnTo>
-                    <a:pt x="6130975" y="65795"/>
-                  </a:lnTo>
-                  <a:lnTo>
-                    <a:pt x="6089522" y="46323"/>
-                  </a:lnTo>
-                  <a:lnTo>
-                    <a:pt x="6046386" y="30051"/>
-                  </a:lnTo>
-                  <a:lnTo>
-                    <a:pt x="6001717" y="17131"/>
-                  </a:lnTo>
-                  <a:lnTo>
-                    <a:pt x="5955668" y="7714"/>
-                  </a:lnTo>
-                  <a:lnTo>
-                    <a:pt x="5908390" y="1954"/>
-                  </a:lnTo>
-                  <a:lnTo>
-                    <a:pt x="5860033" y="0"/>
-                  </a:lnTo>
-                  <a:close/>
-                </a:path>
-              </a:pathLst>
-            </a:custGeom>
-            <a:solidFill>
-              <a:srgbClr val="FFFFFF"/>
-            </a:solidFill>
-          </p:spPr>
-          <p:txBody>
-            <a:bodyPr wrap="square" lIns="0" tIns="0" rIns="0" bIns="0" rtlCol="0"/>
-            <a:lstStyle/>
-            <a:p>
-              <a:pPr marL="0" marR="0" lvl="0" indent="0" algn="l" defTabSz="914400" rtl="0" eaLnBrk="1" fontAlgn="auto" latinLnBrk="0" hangingPunct="1">
-                <a:lnSpc>
-                  <a:spcPct val="100000"/>
-                </a:lnSpc>
-                <a:spcBef>
-                  <a:spcPts val="0"/>
-                </a:spcBef>
-                <a:spcAft>
-                  <a:spcPts val="0"/>
-                </a:spcAft>
-                <a:buClrTx/>
-                <a:buSzTx/>
-                <a:buFontTx/>
-                <a:buNone/>
-                <a:tabLst/>
-                <a:defRPr/>
-              </a:pPr>
-              <a:endParaRPr kumimoji="0" sz="1800" b="0" i="0" u="none" strike="noStrike" kern="1200" cap="none" spc="0" normalizeH="0" baseline="0" noProof="0">
-                <a:ln>
-                  <a:noFill/>
-                </a:ln>
-                <a:solidFill>
-                  <a:prstClr val="black"/>
-                </a:solidFill>
-                <a:effectLst/>
-                <a:uLnTx/>
-                <a:uFillTx/>
-                <a:latin typeface="Calibri"/>
-                <a:ea typeface="+mn-ea"/>
-                <a:cs typeface="+mn-cs"/>
-              </a:endParaRPr>
-            </a:p>
-          </p:txBody>
-        </p:sp>
-        <p:sp>
-          <p:nvSpPr>
-            <p:cNvPr id="9" name="object 9"/>
-            <p:cNvSpPr/>
-            <p:nvPr/>
-          </p:nvSpPr>
-          <p:spPr>
-            <a:xfrm>
-              <a:off x="2976372" y="2680716"/>
-              <a:ext cx="6449695" cy="3537585"/>
-            </a:xfrm>
-            <a:custGeom>
-              <a:avLst/>
-              <a:gdLst/>
-              <a:ahLst/>
-              <a:cxnLst/>
-              <a:rect l="l" t="t" r="r" b="b"/>
-              <a:pathLst>
-                <a:path w="6449695" h="3537585">
-                  <a:moveTo>
-                    <a:pt x="0" y="589534"/>
-                  </a:moveTo>
-                  <a:lnTo>
-                    <a:pt x="1954" y="541177"/>
-                  </a:lnTo>
-                  <a:lnTo>
-                    <a:pt x="7714" y="493899"/>
-                  </a:lnTo>
-                  <a:lnTo>
-                    <a:pt x="17131" y="447850"/>
-                  </a:lnTo>
-                  <a:lnTo>
-                    <a:pt x="30051" y="403181"/>
-                  </a:lnTo>
-                  <a:lnTo>
-                    <a:pt x="46323" y="360044"/>
-                  </a:lnTo>
-                  <a:lnTo>
-                    <a:pt x="65795" y="318592"/>
-                  </a:lnTo>
-                  <a:lnTo>
-                    <a:pt x="88316" y="278976"/>
-                  </a:lnTo>
-                  <a:lnTo>
-                    <a:pt x="113735" y="241346"/>
-                  </a:lnTo>
-                  <a:lnTo>
-                    <a:pt x="141898" y="205856"/>
-                  </a:lnTo>
-                  <a:lnTo>
-                    <a:pt x="172656" y="172656"/>
-                  </a:lnTo>
-                  <a:lnTo>
-                    <a:pt x="205856" y="141898"/>
-                  </a:lnTo>
-                  <a:lnTo>
-                    <a:pt x="241346" y="113735"/>
-                  </a:lnTo>
-                  <a:lnTo>
-                    <a:pt x="278976" y="88316"/>
-                  </a:lnTo>
-                  <a:lnTo>
-                    <a:pt x="318592" y="65795"/>
-                  </a:lnTo>
-                  <a:lnTo>
-                    <a:pt x="360045" y="46323"/>
-                  </a:lnTo>
-                  <a:lnTo>
-                    <a:pt x="403181" y="30051"/>
-                  </a:lnTo>
-                  <a:lnTo>
-                    <a:pt x="447850" y="17131"/>
-                  </a:lnTo>
-                  <a:lnTo>
-                    <a:pt x="493899" y="7714"/>
-                  </a:lnTo>
-                  <a:lnTo>
-                    <a:pt x="541177" y="1954"/>
-                  </a:lnTo>
-                  <a:lnTo>
-                    <a:pt x="589533" y="0"/>
-                  </a:lnTo>
-                  <a:lnTo>
-                    <a:pt x="5860033" y="0"/>
-                  </a:lnTo>
-                  <a:lnTo>
-                    <a:pt x="5908390" y="1954"/>
-                  </a:lnTo>
-                  <a:lnTo>
-                    <a:pt x="5955668" y="7714"/>
-                  </a:lnTo>
-                  <a:lnTo>
-                    <a:pt x="6001717" y="17131"/>
-                  </a:lnTo>
-                  <a:lnTo>
-                    <a:pt x="6046386" y="30051"/>
-                  </a:lnTo>
-                  <a:lnTo>
-                    <a:pt x="6089522" y="46323"/>
-                  </a:lnTo>
-                  <a:lnTo>
-                    <a:pt x="6130975" y="65795"/>
-                  </a:lnTo>
-                  <a:lnTo>
-                    <a:pt x="6170591" y="88316"/>
-                  </a:lnTo>
-                  <a:lnTo>
-                    <a:pt x="6208221" y="113735"/>
-                  </a:lnTo>
-                  <a:lnTo>
-                    <a:pt x="6243711" y="141898"/>
-                  </a:lnTo>
-                  <a:lnTo>
-                    <a:pt x="6276911" y="172656"/>
-                  </a:lnTo>
-                  <a:lnTo>
-                    <a:pt x="6307669" y="205856"/>
-                  </a:lnTo>
-                  <a:lnTo>
-                    <a:pt x="6335832" y="241346"/>
-                  </a:lnTo>
-                  <a:lnTo>
-                    <a:pt x="6361251" y="278976"/>
-                  </a:lnTo>
-                  <a:lnTo>
-                    <a:pt x="6383772" y="318592"/>
-                  </a:lnTo>
-                  <a:lnTo>
-                    <a:pt x="6403244" y="360044"/>
-                  </a:lnTo>
-                  <a:lnTo>
-                    <a:pt x="6419516" y="403181"/>
-                  </a:lnTo>
-                  <a:lnTo>
-                    <a:pt x="6432436" y="447850"/>
-                  </a:lnTo>
-                  <a:lnTo>
-                    <a:pt x="6441853" y="493899"/>
-                  </a:lnTo>
-                  <a:lnTo>
-                    <a:pt x="6447613" y="541177"/>
-                  </a:lnTo>
-                  <a:lnTo>
-                    <a:pt x="6449568" y="589534"/>
-                  </a:lnTo>
-                  <a:lnTo>
-                    <a:pt x="6449568" y="2947657"/>
-                  </a:lnTo>
-                  <a:lnTo>
-                    <a:pt x="6447613" y="2996009"/>
-                  </a:lnTo>
-                  <a:lnTo>
-                    <a:pt x="6441853" y="3043286"/>
-                  </a:lnTo>
-                  <a:lnTo>
-                    <a:pt x="6432436" y="3089333"/>
-                  </a:lnTo>
-                  <a:lnTo>
-                    <a:pt x="6419516" y="3134001"/>
-                  </a:lnTo>
-                  <a:lnTo>
-                    <a:pt x="6403244" y="3177137"/>
-                  </a:lnTo>
-                  <a:lnTo>
-                    <a:pt x="6383772" y="3218590"/>
-                  </a:lnTo>
-                  <a:lnTo>
-                    <a:pt x="6361251" y="3258207"/>
-                  </a:lnTo>
-                  <a:lnTo>
-                    <a:pt x="6335832" y="3295838"/>
-                  </a:lnTo>
-                  <a:lnTo>
-                    <a:pt x="6307669" y="3331329"/>
-                  </a:lnTo>
-                  <a:lnTo>
-                    <a:pt x="6276911" y="3364531"/>
-                  </a:lnTo>
-                  <a:lnTo>
-                    <a:pt x="6243711" y="3395291"/>
-                  </a:lnTo>
-                  <a:lnTo>
-                    <a:pt x="6208221" y="3423457"/>
-                  </a:lnTo>
-                  <a:lnTo>
-                    <a:pt x="6170591" y="3448877"/>
-                  </a:lnTo>
-                  <a:lnTo>
-                    <a:pt x="6130975" y="3471400"/>
-                  </a:lnTo>
-                  <a:lnTo>
-                    <a:pt x="6089522" y="3490875"/>
-                  </a:lnTo>
-                  <a:lnTo>
-                    <a:pt x="6046386" y="3507148"/>
-                  </a:lnTo>
-                  <a:lnTo>
-                    <a:pt x="6001717" y="3520070"/>
-                  </a:lnTo>
-                  <a:lnTo>
-                    <a:pt x="5955668" y="3529487"/>
-                  </a:lnTo>
-                  <a:lnTo>
-                    <a:pt x="5908390" y="3535249"/>
-                  </a:lnTo>
-                  <a:lnTo>
-                    <a:pt x="5860033" y="3537204"/>
-                  </a:lnTo>
-                  <a:lnTo>
-                    <a:pt x="589533" y="3537204"/>
-                  </a:lnTo>
-                  <a:lnTo>
-                    <a:pt x="541177" y="3535249"/>
-                  </a:lnTo>
-                  <a:lnTo>
-                    <a:pt x="493899" y="3529487"/>
-                  </a:lnTo>
-                  <a:lnTo>
-                    <a:pt x="447850" y="3520070"/>
-                  </a:lnTo>
-                  <a:lnTo>
-                    <a:pt x="403181" y="3507148"/>
-                  </a:lnTo>
-                  <a:lnTo>
-                    <a:pt x="360044" y="3490875"/>
-                  </a:lnTo>
-                  <a:lnTo>
-                    <a:pt x="318592" y="3471400"/>
-                  </a:lnTo>
-                  <a:lnTo>
-                    <a:pt x="278976" y="3448877"/>
-                  </a:lnTo>
-                  <a:lnTo>
-                    <a:pt x="241346" y="3423457"/>
-                  </a:lnTo>
-                  <a:lnTo>
-                    <a:pt x="205856" y="3395291"/>
-                  </a:lnTo>
-                  <a:lnTo>
-                    <a:pt x="172656" y="3364531"/>
-                  </a:lnTo>
-                  <a:lnTo>
-                    <a:pt x="141898" y="3331329"/>
-                  </a:lnTo>
-                  <a:lnTo>
-                    <a:pt x="113735" y="3295838"/>
-                  </a:lnTo>
-                  <a:lnTo>
-                    <a:pt x="88316" y="3258207"/>
-                  </a:lnTo>
-                  <a:lnTo>
-                    <a:pt x="65795" y="3218590"/>
-                  </a:lnTo>
-                  <a:lnTo>
-                    <a:pt x="46323" y="3177137"/>
-                  </a:lnTo>
-                  <a:lnTo>
-                    <a:pt x="30051" y="3134001"/>
-                  </a:lnTo>
-                  <a:lnTo>
-                    <a:pt x="17131" y="3089333"/>
-                  </a:lnTo>
-                  <a:lnTo>
-                    <a:pt x="7714" y="3043286"/>
-                  </a:lnTo>
-                  <a:lnTo>
-                    <a:pt x="1954" y="2996009"/>
-                  </a:lnTo>
-                  <a:lnTo>
-                    <a:pt x="0" y="2947657"/>
-                  </a:lnTo>
-                  <a:lnTo>
-                    <a:pt x="0" y="589534"/>
-                  </a:lnTo>
-                  <a:close/>
-                </a:path>
-              </a:pathLst>
-            </a:custGeom>
-            <a:ln w="63500">
-              <a:solidFill>
-                <a:srgbClr val="A4A4A4"/>
-              </a:solidFill>
-            </a:ln>
-          </p:spPr>
-          <p:txBody>
-            <a:bodyPr wrap="square" lIns="0" tIns="0" rIns="0" bIns="0" rtlCol="0"/>
-            <a:lstStyle/>
-            <a:p>
-              <a:pPr marL="0" marR="0" lvl="0" indent="0" algn="l" defTabSz="914400" rtl="0" eaLnBrk="1" fontAlgn="auto" latinLnBrk="0" hangingPunct="1">
-                <a:lnSpc>
-                  <a:spcPct val="100000"/>
-                </a:lnSpc>
-                <a:spcBef>
-                  <a:spcPts val="0"/>
-                </a:spcBef>
-                <a:spcAft>
-                  <a:spcPts val="0"/>
-                </a:spcAft>
-                <a:buClrTx/>
-                <a:buSzTx/>
-                <a:buFontTx/>
-                <a:buNone/>
-                <a:tabLst/>
-                <a:defRPr/>
-              </a:pPr>
-              <a:endParaRPr kumimoji="0" sz="1800" b="0" i="0" u="none" strike="noStrike" kern="1200" cap="none" spc="0" normalizeH="0" baseline="0" noProof="0">
-                <a:ln>
-                  <a:noFill/>
-                </a:ln>
-                <a:solidFill>
-                  <a:prstClr val="black"/>
-                </a:solidFill>
-                <a:effectLst/>
-                <a:uLnTx/>
-                <a:uFillTx/>
-                <a:latin typeface="Calibri"/>
-                <a:ea typeface="+mn-ea"/>
-                <a:cs typeface="+mn-cs"/>
-              </a:endParaRPr>
-            </a:p>
-          </p:txBody>
-        </p:sp>
-        <p:pic>
-          <p:nvPicPr>
-            <p:cNvPr id="10" name="object 10"/>
-            <p:cNvPicPr/>
-            <p:nvPr/>
-          </p:nvPicPr>
-          <p:blipFill>
-            <a:blip r:embed="rId2" cstate="print"/>
-            <a:stretch>
-              <a:fillRect/>
-            </a:stretch>
-          </p:blipFill>
-          <p:spPr>
-            <a:xfrm>
-              <a:off x="4059936" y="3026664"/>
-              <a:ext cx="4370832" cy="2924556"/>
-            </a:xfrm>
-            <a:prstGeom prst="rect">
-              <a:avLst/>
-            </a:prstGeom>
-          </p:spPr>
-        </p:pic>
-      </p:grpSp>
       <p:sp>
         <p:nvSpPr>
           <p:cNvPr id="11" name="object 11"/>
@@ -5782,7 +6626,7 @@
         <p:spPr>
           <a:xfrm>
             <a:off x="399999" y="1505458"/>
-            <a:ext cx="10213340" cy="940435"/>
+            <a:ext cx="9693275" cy="948978"/>
           </a:xfrm>
           <a:prstGeom prst="rect">
             <a:avLst/>
@@ -5794,7 +6638,7 @@
           </a:bodyPr>
           <a:lstStyle/>
           <a:p>
-            <a:pPr marL="469265" marR="5080" lvl="0" indent="-457200" algn="l" defTabSz="914400" rtl="0" eaLnBrk="1" fontAlgn="auto" latinLnBrk="0" hangingPunct="1">
+            <a:pPr marL="469900" marR="0" lvl="0" indent="-457200" algn="l" defTabSz="914400" rtl="0" eaLnBrk="1" fontAlgn="auto" latinLnBrk="0" hangingPunct="1">
               <a:lnSpc>
                 <a:spcPct val="100000"/>
               </a:lnSpc>
@@ -5815,7 +6659,39 @@
               <a:defRPr/>
             </a:pPr>
             <a:r>
-              <a:rPr kumimoji="0" sz="3000" b="0" i="0" u="none" strike="noStrike" kern="1200" cap="none" spc="-45" normalizeH="0" baseline="0" noProof="0" dirty="0">
+              <a:rPr lang="en-US" sz="3000" spc="-175" dirty="0">
+                <a:solidFill>
+                  <a:prstClr val="black"/>
+                </a:solidFill>
+                <a:latin typeface="Microsoft Sans Serif"/>
+                <a:cs typeface="Microsoft Sans Serif"/>
+              </a:rPr>
+              <a:t>The most useful and versatile display</a:t>
+            </a:r>
+          </a:p>
+          <a:p>
+            <a:pPr marL="469900" marR="0" lvl="0" indent="-457200" algn="l" defTabSz="914400" rtl="0" eaLnBrk="1" fontAlgn="auto" latinLnBrk="0" hangingPunct="1">
+              <a:lnSpc>
+                <a:spcPct val="100000"/>
+              </a:lnSpc>
+              <a:spcBef>
+                <a:spcPts val="100"/>
+              </a:spcBef>
+              <a:spcAft>
+                <a:spcPts val="0"/>
+              </a:spcAft>
+              <a:buClrTx/>
+              <a:buSzTx/>
+              <a:buFont typeface="Arial MT"/>
+              <a:buChar char="•"/>
+              <a:tabLst>
+                <a:tab pos="469265" algn="l"/>
+                <a:tab pos="469900" algn="l"/>
+              </a:tabLst>
+              <a:defRPr/>
+            </a:pPr>
+            <a:r>
+              <a:rPr kumimoji="0" lang="en-US" sz="3000" b="0" i="0" u="none" strike="noStrike" kern="1200" cap="none" spc="-175" normalizeH="0" baseline="0" noProof="0" dirty="0">
                 <a:ln>
                   <a:noFill/>
                 </a:ln>
@@ -5832,346 +6708,16 @@
               <a:t>Control</a:t>
             </a:r>
             <a:r>
-              <a:rPr kumimoji="0" sz="3000" b="0" i="0" u="none" strike="noStrike" kern="1200" cap="none" spc="95" normalizeH="0" baseline="0" noProof="0" dirty="0">
-                <a:ln>
-                  <a:noFill/>
-                </a:ln>
+              <a:rPr lang="en-US" sz="3000" spc="-175" dirty="0">
                 <a:solidFill>
                   <a:prstClr val="black"/>
                 </a:solidFill>
-                <a:effectLst/>
-                <a:uLnTx/>
-                <a:uFillTx/>
                 <a:latin typeface="Microsoft Sans Serif"/>
-                <a:ea typeface="+mn-ea"/>
                 <a:cs typeface="Microsoft Sans Serif"/>
               </a:rPr>
-              <a:t> </a:t>
-            </a:r>
-            <a:r>
-              <a:rPr kumimoji="0" sz="3000" b="0" i="0" u="none" strike="noStrike" kern="1200" cap="none" spc="-85" normalizeH="0" baseline="0" noProof="0" dirty="0">
-                <a:ln>
-                  <a:noFill/>
-                </a:ln>
-                <a:solidFill>
-                  <a:prstClr val="black"/>
-                </a:solidFill>
-                <a:effectLst/>
-                <a:uLnTx/>
-                <a:uFillTx/>
-                <a:latin typeface="Microsoft Sans Serif"/>
-                <a:ea typeface="+mn-ea"/>
-                <a:cs typeface="Microsoft Sans Serif"/>
-              </a:rPr>
-              <a:t>spacing</a:t>
-            </a:r>
-            <a:r>
-              <a:rPr kumimoji="0" sz="3000" b="0" i="0" u="none" strike="noStrike" kern="1200" cap="none" spc="80" normalizeH="0" baseline="0" noProof="0" dirty="0">
-                <a:ln>
-                  <a:noFill/>
-                </a:ln>
-                <a:solidFill>
-                  <a:prstClr val="black"/>
-                </a:solidFill>
-                <a:effectLst/>
-                <a:uLnTx/>
-                <a:uFillTx/>
-                <a:latin typeface="Microsoft Sans Serif"/>
-                <a:ea typeface="+mn-ea"/>
-                <a:cs typeface="Microsoft Sans Serif"/>
-              </a:rPr>
-              <a:t> </a:t>
-            </a:r>
-            <a:r>
-              <a:rPr kumimoji="0" sz="3000" b="0" i="0" u="none" strike="noStrike" kern="1200" cap="none" spc="-75" normalizeH="0" baseline="0" noProof="0" dirty="0">
-                <a:ln>
-                  <a:noFill/>
-                </a:ln>
-                <a:solidFill>
-                  <a:prstClr val="black"/>
-                </a:solidFill>
-                <a:effectLst/>
-                <a:uLnTx/>
-                <a:uFillTx/>
-                <a:latin typeface="Microsoft Sans Serif"/>
-                <a:ea typeface="+mn-ea"/>
-                <a:cs typeface="Microsoft Sans Serif"/>
-              </a:rPr>
-              <a:t>between</a:t>
-            </a:r>
-            <a:r>
-              <a:rPr kumimoji="0" sz="3000" b="0" i="0" u="none" strike="noStrike" kern="1200" cap="none" spc="90" normalizeH="0" baseline="0" noProof="0" dirty="0">
-                <a:ln>
-                  <a:noFill/>
-                </a:ln>
-                <a:solidFill>
-                  <a:prstClr val="black"/>
-                </a:solidFill>
-                <a:effectLst/>
-                <a:uLnTx/>
-                <a:uFillTx/>
-                <a:latin typeface="Microsoft Sans Serif"/>
-                <a:ea typeface="+mn-ea"/>
-                <a:cs typeface="Microsoft Sans Serif"/>
-              </a:rPr>
-              <a:t> </a:t>
-            </a:r>
-            <a:r>
-              <a:rPr kumimoji="0" sz="3000" b="0" i="0" u="none" strike="noStrike" kern="1200" cap="none" spc="-85" normalizeH="0" baseline="0" noProof="0" dirty="0">
-                <a:ln>
-                  <a:noFill/>
-                </a:ln>
-                <a:solidFill>
-                  <a:prstClr val="black"/>
-                </a:solidFill>
-                <a:effectLst/>
-                <a:uLnTx/>
-                <a:uFillTx/>
-                <a:latin typeface="Microsoft Sans Serif"/>
-                <a:ea typeface="+mn-ea"/>
-                <a:cs typeface="Microsoft Sans Serif"/>
-              </a:rPr>
-              <a:t>and</a:t>
-            </a:r>
-            <a:r>
-              <a:rPr kumimoji="0" sz="3000" b="0" i="0" u="none" strike="noStrike" kern="1200" cap="none" spc="85" normalizeH="0" baseline="0" noProof="0" dirty="0">
-                <a:ln>
-                  <a:noFill/>
-                </a:ln>
-                <a:solidFill>
-                  <a:prstClr val="black"/>
-                </a:solidFill>
-                <a:effectLst/>
-                <a:uLnTx/>
-                <a:uFillTx/>
-                <a:latin typeface="Microsoft Sans Serif"/>
-                <a:ea typeface="+mn-ea"/>
-                <a:cs typeface="Microsoft Sans Serif"/>
-              </a:rPr>
-              <a:t> </a:t>
-            </a:r>
-            <a:r>
-              <a:rPr kumimoji="0" sz="3000" b="0" i="0" u="none" strike="noStrike" kern="1200" cap="none" spc="-5" normalizeH="0" baseline="0" noProof="0" dirty="0">
-                <a:ln>
-                  <a:noFill/>
-                </a:ln>
-                <a:solidFill>
-                  <a:prstClr val="black"/>
-                </a:solidFill>
-                <a:effectLst/>
-                <a:uLnTx/>
-                <a:uFillTx/>
-                <a:latin typeface="Microsoft Sans Serif"/>
-                <a:ea typeface="+mn-ea"/>
-                <a:cs typeface="Microsoft Sans Serif"/>
-              </a:rPr>
-              <a:t>within</a:t>
-            </a:r>
-            <a:r>
-              <a:rPr kumimoji="0" sz="3000" b="0" i="0" u="none" strike="noStrike" kern="1200" cap="none" spc="105" normalizeH="0" baseline="0" noProof="0" dirty="0">
-                <a:ln>
-                  <a:noFill/>
-                </a:ln>
-                <a:solidFill>
-                  <a:prstClr val="black"/>
-                </a:solidFill>
-                <a:effectLst/>
-                <a:uLnTx/>
-                <a:uFillTx/>
-                <a:latin typeface="Microsoft Sans Serif"/>
-                <a:ea typeface="+mn-ea"/>
-                <a:cs typeface="Microsoft Sans Serif"/>
-              </a:rPr>
-              <a:t> </a:t>
-            </a:r>
-            <a:r>
-              <a:rPr kumimoji="0" sz="3000" b="0" i="0" u="none" strike="noStrike" kern="1200" cap="none" spc="-95" normalizeH="0" baseline="0" noProof="0" dirty="0">
-                <a:ln>
-                  <a:noFill/>
-                </a:ln>
-                <a:solidFill>
-                  <a:prstClr val="black"/>
-                </a:solidFill>
-                <a:effectLst/>
-                <a:uLnTx/>
-                <a:uFillTx/>
-                <a:latin typeface="Microsoft Sans Serif"/>
-                <a:ea typeface="+mn-ea"/>
-                <a:cs typeface="Microsoft Sans Serif"/>
-              </a:rPr>
-              <a:t>elements</a:t>
-            </a:r>
-            <a:r>
-              <a:rPr kumimoji="0" sz="3000" b="0" i="0" u="none" strike="noStrike" kern="1200" cap="none" spc="95" normalizeH="0" baseline="0" noProof="0" dirty="0">
-                <a:ln>
-                  <a:noFill/>
-                </a:ln>
-                <a:solidFill>
-                  <a:prstClr val="black"/>
-                </a:solidFill>
-                <a:effectLst/>
-                <a:uLnTx/>
-                <a:uFillTx/>
-                <a:latin typeface="Microsoft Sans Serif"/>
-                <a:ea typeface="+mn-ea"/>
-                <a:cs typeface="Microsoft Sans Serif"/>
-              </a:rPr>
-              <a:t> </a:t>
-            </a:r>
-            <a:r>
-              <a:rPr kumimoji="0" sz="3000" b="0" i="0" u="none" strike="noStrike" kern="1200" cap="none" spc="-60" normalizeH="0" baseline="0" noProof="0" dirty="0">
-                <a:ln>
-                  <a:noFill/>
-                </a:ln>
-                <a:solidFill>
-                  <a:prstClr val="black"/>
-                </a:solidFill>
-                <a:effectLst/>
-                <a:uLnTx/>
-                <a:uFillTx/>
-                <a:latin typeface="Microsoft Sans Serif"/>
-                <a:ea typeface="+mn-ea"/>
-                <a:cs typeface="Microsoft Sans Serif"/>
-              </a:rPr>
-              <a:t>using</a:t>
-            </a:r>
-            <a:r>
-              <a:rPr kumimoji="0" sz="3000" b="0" i="0" u="none" strike="noStrike" kern="1200" cap="none" spc="75" normalizeH="0" baseline="0" noProof="0" dirty="0">
-                <a:ln>
-                  <a:noFill/>
-                </a:ln>
-                <a:solidFill>
-                  <a:prstClr val="black"/>
-                </a:solidFill>
-                <a:effectLst/>
-                <a:uLnTx/>
-                <a:uFillTx/>
-                <a:latin typeface="Microsoft Sans Serif"/>
-                <a:ea typeface="+mn-ea"/>
-                <a:cs typeface="Microsoft Sans Serif"/>
-              </a:rPr>
-              <a:t> </a:t>
-            </a:r>
-            <a:r>
-              <a:rPr kumimoji="0" sz="3000" b="0" i="0" u="none" strike="noStrike" kern="1200" cap="none" spc="-70" normalizeH="0" baseline="0" noProof="0" dirty="0">
-                <a:ln>
-                  <a:noFill/>
-                </a:ln>
-                <a:solidFill>
-                  <a:prstClr val="black"/>
-                </a:solidFill>
-                <a:effectLst/>
-                <a:uLnTx/>
-                <a:uFillTx/>
-                <a:latin typeface="Microsoft Sans Serif"/>
-                <a:ea typeface="+mn-ea"/>
-                <a:cs typeface="Microsoft Sans Serif"/>
-              </a:rPr>
-              <a:t>margin, </a:t>
-            </a:r>
-            <a:r>
-              <a:rPr kumimoji="0" sz="3000" b="0" i="0" u="none" strike="noStrike" kern="1200" cap="none" spc="-780" normalizeH="0" baseline="0" noProof="0" dirty="0">
-                <a:ln>
-                  <a:noFill/>
-                </a:ln>
-                <a:solidFill>
-                  <a:prstClr val="black"/>
-                </a:solidFill>
-                <a:effectLst/>
-                <a:uLnTx/>
-                <a:uFillTx/>
-                <a:latin typeface="Microsoft Sans Serif"/>
-                <a:ea typeface="+mn-ea"/>
-                <a:cs typeface="Microsoft Sans Serif"/>
-              </a:rPr>
-              <a:t> </a:t>
-            </a:r>
-            <a:r>
-              <a:rPr kumimoji="0" sz="3000" b="0" i="0" u="none" strike="noStrike" kern="1200" cap="none" spc="-15" normalizeH="0" baseline="0" noProof="0" dirty="0">
-                <a:ln>
-                  <a:noFill/>
-                </a:ln>
-                <a:solidFill>
-                  <a:prstClr val="black"/>
-                </a:solidFill>
-                <a:effectLst/>
-                <a:uLnTx/>
-                <a:uFillTx/>
-                <a:latin typeface="Microsoft Sans Serif"/>
-                <a:ea typeface="+mn-ea"/>
-                <a:cs typeface="Microsoft Sans Serif"/>
-              </a:rPr>
-              <a:t>border</a:t>
-            </a:r>
-            <a:r>
-              <a:rPr kumimoji="0" sz="3000" b="0" i="0" u="none" strike="noStrike" kern="1200" cap="none" spc="100" normalizeH="0" baseline="0" noProof="0" dirty="0">
-                <a:ln>
-                  <a:noFill/>
-                </a:ln>
-                <a:solidFill>
-                  <a:prstClr val="black"/>
-                </a:solidFill>
-                <a:effectLst/>
-                <a:uLnTx/>
-                <a:uFillTx/>
-                <a:latin typeface="Microsoft Sans Serif"/>
-                <a:ea typeface="+mn-ea"/>
-                <a:cs typeface="Microsoft Sans Serif"/>
-              </a:rPr>
-              <a:t> </a:t>
-            </a:r>
-            <a:r>
-              <a:rPr kumimoji="0" sz="3000" b="0" i="0" u="none" strike="noStrike" kern="1200" cap="none" spc="-90" normalizeH="0" baseline="0" noProof="0" dirty="0">
-                <a:ln>
-                  <a:noFill/>
-                </a:ln>
-                <a:solidFill>
-                  <a:prstClr val="black"/>
-                </a:solidFill>
-                <a:effectLst/>
-                <a:uLnTx/>
-                <a:uFillTx/>
-                <a:latin typeface="Microsoft Sans Serif"/>
-                <a:ea typeface="+mn-ea"/>
-                <a:cs typeface="Microsoft Sans Serif"/>
-              </a:rPr>
-              <a:t>and</a:t>
-            </a:r>
-            <a:r>
-              <a:rPr kumimoji="0" sz="3000" b="0" i="0" u="none" strike="noStrike" kern="1200" cap="none" spc="90" normalizeH="0" baseline="0" noProof="0" dirty="0">
-                <a:ln>
-                  <a:noFill/>
-                </a:ln>
-                <a:solidFill>
-                  <a:prstClr val="black"/>
-                </a:solidFill>
-                <a:effectLst/>
-                <a:uLnTx/>
-                <a:uFillTx/>
-                <a:latin typeface="Microsoft Sans Serif"/>
-                <a:ea typeface="+mn-ea"/>
-                <a:cs typeface="Microsoft Sans Serif"/>
-              </a:rPr>
-              <a:t> </a:t>
-            </a:r>
-            <a:r>
-              <a:rPr kumimoji="0" sz="3000" b="0" i="0" u="none" strike="noStrike" kern="1200" cap="none" spc="-25" normalizeH="0" baseline="0" noProof="0" dirty="0">
-                <a:ln>
-                  <a:noFill/>
-                </a:ln>
-                <a:solidFill>
-                  <a:prstClr val="black"/>
-                </a:solidFill>
-                <a:effectLst/>
-                <a:uLnTx/>
-                <a:uFillTx/>
-                <a:latin typeface="Microsoft Sans Serif"/>
-                <a:ea typeface="+mn-ea"/>
-                <a:cs typeface="Microsoft Sans Serif"/>
-              </a:rPr>
-              <a:t>padding</a:t>
-            </a:r>
-            <a:endParaRPr kumimoji="0" sz="3000" b="0" i="0" u="none" strike="noStrike" kern="1200" cap="none" spc="0" normalizeH="0" baseline="0" noProof="0">
+              <a:t> directional flow, and size distribution of content</a:t>
+            </a:r>
+            <a:endParaRPr kumimoji="0" sz="3000" b="0" i="0" u="none" strike="noStrike" kern="1200" cap="none" spc="0" normalizeH="0" baseline="0" noProof="0" dirty="0">
               <a:ln>
                 <a:noFill/>
               </a:ln>
@@ -6188,6 +6734,53 @@
           </a:p>
         </p:txBody>
       </p:sp>
+      <p:pic>
+        <p:nvPicPr>
+          <p:cNvPr id="1026" name="Picture 2" descr="A Complete Guide to Flexbox | CSS-Tricks - CSS-Tricks">
+            <a:extLst>
+              <a:ext uri="{FF2B5EF4-FFF2-40B4-BE49-F238E27FC236}">
+                <a16:creationId xmlns:a16="http://schemas.microsoft.com/office/drawing/2014/main" id="{9E98EC28-0DD1-A628-4261-2B8B6F9C36E8}"/>
+              </a:ext>
+            </a:extLst>
+          </p:cNvPr>
+          <p:cNvPicPr>
+            <a:picLocks noChangeAspect="1" noChangeArrowheads="1"/>
+          </p:cNvPicPr>
+          <p:nvPr/>
+        </p:nvPicPr>
+        <p:blipFill>
+          <a:blip r:embed="rId2">
+            <a:extLst>
+              <a:ext uri="{28A0092B-C50C-407E-A947-70E740481C1C}">
+                <a14:useLocalDpi xmlns:a14="http://schemas.microsoft.com/office/drawing/2010/main" val="0"/>
+              </a:ext>
+            </a:extLst>
+          </a:blip>
+          <a:srcRect/>
+          <a:stretch>
+            <a:fillRect/>
+          </a:stretch>
+        </p:blipFill>
+        <p:spPr bwMode="auto">
+          <a:xfrm>
+            <a:off x="2729945" y="2804631"/>
+            <a:ext cx="6480119" cy="3042495"/>
+          </a:xfrm>
+          <a:prstGeom prst="rect">
+            <a:avLst/>
+          </a:prstGeom>
+          <a:noFill/>
+          <a:extLst>
+            <a:ext uri="{909E8E84-426E-40DD-AFC4-6F175D3DCCD1}">
+              <a14:hiddenFill xmlns:a14="http://schemas.microsoft.com/office/drawing/2010/main">
+                <a:solidFill>
+                  <a:srgbClr val="FFFFFF"/>
+                </a:solidFill>
+              </a14:hiddenFill>
+            </a:ext>
+          </a:extLst>
+        </p:spPr>
+      </p:pic>
     </p:spTree>
   </p:cSld>
   <p:clrMapOvr>
@@ -6196,8 +6789,8 @@
 </p:sld>
 </file>
 
-<file path=ppt/slides/slide11.xml><?xml version="1.0" encoding="utf-8"?>
-<p:sld xmlns:a="http://schemas.openxmlformats.org/drawingml/2006/main" xmlns:r="http://schemas.openxmlformats.org/officeDocument/2006/relationships" xmlns:p="http://schemas.openxmlformats.org/presentationml/2006/main">
+<file path=ppt/slides/slide12.xml><?xml version="1.0" encoding="utf-8"?>
+<p:sld xmlns:a="http://schemas.openxmlformats.org/drawingml/2006/main" xmlns:r="http://schemas.openxmlformats.org/officeDocument/2006/relationships" xmlns:p="http://schemas.openxmlformats.org/presentationml/2006/main" showMasterSp="0">
   <p:cSld>
     <p:spTree>
       <p:nvGrpSpPr>
@@ -6548,13 +7141,691 @@
               <a:t> </a:t>
             </a:r>
             <a:r>
-              <a:rPr lang="en-US" spc="-165" dirty="0"/>
-              <a:t>Position</a:t>
-            </a:r>
-            <a:endParaRPr spc="-165" dirty="0"/>
+              <a:rPr spc="-165" dirty="0"/>
+              <a:t>Spacing</a:t>
+            </a:r>
           </a:p>
         </p:txBody>
       </p:sp>
+      <p:grpSp>
+        <p:nvGrpSpPr>
+          <p:cNvPr id="7" name="object 7"/>
+          <p:cNvGrpSpPr/>
+          <p:nvPr/>
+        </p:nvGrpSpPr>
+        <p:grpSpPr>
+          <a:xfrm>
+            <a:off x="2944622" y="2648966"/>
+            <a:ext cx="6513195" cy="3601085"/>
+            <a:chOff x="2944622" y="2648966"/>
+            <a:chExt cx="6513195" cy="3601085"/>
+          </a:xfrm>
+        </p:grpSpPr>
+        <p:sp>
+          <p:nvSpPr>
+            <p:cNvPr id="8" name="object 8"/>
+            <p:cNvSpPr/>
+            <p:nvPr/>
+          </p:nvSpPr>
+          <p:spPr>
+            <a:xfrm>
+              <a:off x="2976372" y="2680716"/>
+              <a:ext cx="6449695" cy="3537585"/>
+            </a:xfrm>
+            <a:custGeom>
+              <a:avLst/>
+              <a:gdLst/>
+              <a:ahLst/>
+              <a:cxnLst/>
+              <a:rect l="l" t="t" r="r" b="b"/>
+              <a:pathLst>
+                <a:path w="6449695" h="3537585">
+                  <a:moveTo>
+                    <a:pt x="5860033" y="0"/>
+                  </a:moveTo>
+                  <a:lnTo>
+                    <a:pt x="589533" y="0"/>
+                  </a:lnTo>
+                  <a:lnTo>
+                    <a:pt x="541177" y="1954"/>
+                  </a:lnTo>
+                  <a:lnTo>
+                    <a:pt x="493899" y="7714"/>
+                  </a:lnTo>
+                  <a:lnTo>
+                    <a:pt x="447850" y="17131"/>
+                  </a:lnTo>
+                  <a:lnTo>
+                    <a:pt x="403181" y="30051"/>
+                  </a:lnTo>
+                  <a:lnTo>
+                    <a:pt x="360045" y="46323"/>
+                  </a:lnTo>
+                  <a:lnTo>
+                    <a:pt x="318592" y="65795"/>
+                  </a:lnTo>
+                  <a:lnTo>
+                    <a:pt x="278976" y="88316"/>
+                  </a:lnTo>
+                  <a:lnTo>
+                    <a:pt x="241346" y="113735"/>
+                  </a:lnTo>
+                  <a:lnTo>
+                    <a:pt x="205856" y="141898"/>
+                  </a:lnTo>
+                  <a:lnTo>
+                    <a:pt x="172656" y="172656"/>
+                  </a:lnTo>
+                  <a:lnTo>
+                    <a:pt x="141898" y="205856"/>
+                  </a:lnTo>
+                  <a:lnTo>
+                    <a:pt x="113735" y="241346"/>
+                  </a:lnTo>
+                  <a:lnTo>
+                    <a:pt x="88316" y="278976"/>
+                  </a:lnTo>
+                  <a:lnTo>
+                    <a:pt x="65795" y="318592"/>
+                  </a:lnTo>
+                  <a:lnTo>
+                    <a:pt x="46323" y="360044"/>
+                  </a:lnTo>
+                  <a:lnTo>
+                    <a:pt x="30051" y="403181"/>
+                  </a:lnTo>
+                  <a:lnTo>
+                    <a:pt x="17131" y="447850"/>
+                  </a:lnTo>
+                  <a:lnTo>
+                    <a:pt x="7714" y="493899"/>
+                  </a:lnTo>
+                  <a:lnTo>
+                    <a:pt x="1954" y="541177"/>
+                  </a:lnTo>
+                  <a:lnTo>
+                    <a:pt x="0" y="589534"/>
+                  </a:lnTo>
+                  <a:lnTo>
+                    <a:pt x="0" y="2947657"/>
+                  </a:lnTo>
+                  <a:lnTo>
+                    <a:pt x="1954" y="2996009"/>
+                  </a:lnTo>
+                  <a:lnTo>
+                    <a:pt x="7714" y="3043286"/>
+                  </a:lnTo>
+                  <a:lnTo>
+                    <a:pt x="17131" y="3089333"/>
+                  </a:lnTo>
+                  <a:lnTo>
+                    <a:pt x="30051" y="3134001"/>
+                  </a:lnTo>
+                  <a:lnTo>
+                    <a:pt x="46323" y="3177137"/>
+                  </a:lnTo>
+                  <a:lnTo>
+                    <a:pt x="65795" y="3218590"/>
+                  </a:lnTo>
+                  <a:lnTo>
+                    <a:pt x="88316" y="3258207"/>
+                  </a:lnTo>
+                  <a:lnTo>
+                    <a:pt x="113735" y="3295838"/>
+                  </a:lnTo>
+                  <a:lnTo>
+                    <a:pt x="141898" y="3331329"/>
+                  </a:lnTo>
+                  <a:lnTo>
+                    <a:pt x="172656" y="3364531"/>
+                  </a:lnTo>
+                  <a:lnTo>
+                    <a:pt x="205856" y="3395291"/>
+                  </a:lnTo>
+                  <a:lnTo>
+                    <a:pt x="241346" y="3423457"/>
+                  </a:lnTo>
+                  <a:lnTo>
+                    <a:pt x="278976" y="3448877"/>
+                  </a:lnTo>
+                  <a:lnTo>
+                    <a:pt x="318592" y="3471400"/>
+                  </a:lnTo>
+                  <a:lnTo>
+                    <a:pt x="360044" y="3490875"/>
+                  </a:lnTo>
+                  <a:lnTo>
+                    <a:pt x="403181" y="3507148"/>
+                  </a:lnTo>
+                  <a:lnTo>
+                    <a:pt x="447850" y="3520070"/>
+                  </a:lnTo>
+                  <a:lnTo>
+                    <a:pt x="493899" y="3529487"/>
+                  </a:lnTo>
+                  <a:lnTo>
+                    <a:pt x="541177" y="3535249"/>
+                  </a:lnTo>
+                  <a:lnTo>
+                    <a:pt x="589533" y="3537204"/>
+                  </a:lnTo>
+                  <a:lnTo>
+                    <a:pt x="5860033" y="3537204"/>
+                  </a:lnTo>
+                  <a:lnTo>
+                    <a:pt x="5908390" y="3535249"/>
+                  </a:lnTo>
+                  <a:lnTo>
+                    <a:pt x="5955668" y="3529487"/>
+                  </a:lnTo>
+                  <a:lnTo>
+                    <a:pt x="6001717" y="3520070"/>
+                  </a:lnTo>
+                  <a:lnTo>
+                    <a:pt x="6046386" y="3507148"/>
+                  </a:lnTo>
+                  <a:lnTo>
+                    <a:pt x="6089522" y="3490875"/>
+                  </a:lnTo>
+                  <a:lnTo>
+                    <a:pt x="6130975" y="3471400"/>
+                  </a:lnTo>
+                  <a:lnTo>
+                    <a:pt x="6170591" y="3448877"/>
+                  </a:lnTo>
+                  <a:lnTo>
+                    <a:pt x="6208221" y="3423457"/>
+                  </a:lnTo>
+                  <a:lnTo>
+                    <a:pt x="6243711" y="3395291"/>
+                  </a:lnTo>
+                  <a:lnTo>
+                    <a:pt x="6276911" y="3364531"/>
+                  </a:lnTo>
+                  <a:lnTo>
+                    <a:pt x="6307669" y="3331329"/>
+                  </a:lnTo>
+                  <a:lnTo>
+                    <a:pt x="6335832" y="3295838"/>
+                  </a:lnTo>
+                  <a:lnTo>
+                    <a:pt x="6361251" y="3258207"/>
+                  </a:lnTo>
+                  <a:lnTo>
+                    <a:pt x="6383772" y="3218590"/>
+                  </a:lnTo>
+                  <a:lnTo>
+                    <a:pt x="6403244" y="3177137"/>
+                  </a:lnTo>
+                  <a:lnTo>
+                    <a:pt x="6419516" y="3134001"/>
+                  </a:lnTo>
+                  <a:lnTo>
+                    <a:pt x="6432436" y="3089333"/>
+                  </a:lnTo>
+                  <a:lnTo>
+                    <a:pt x="6441853" y="3043286"/>
+                  </a:lnTo>
+                  <a:lnTo>
+                    <a:pt x="6447613" y="2996009"/>
+                  </a:lnTo>
+                  <a:lnTo>
+                    <a:pt x="6449568" y="2947657"/>
+                  </a:lnTo>
+                  <a:lnTo>
+                    <a:pt x="6449568" y="589534"/>
+                  </a:lnTo>
+                  <a:lnTo>
+                    <a:pt x="6447613" y="541177"/>
+                  </a:lnTo>
+                  <a:lnTo>
+                    <a:pt x="6441853" y="493899"/>
+                  </a:lnTo>
+                  <a:lnTo>
+                    <a:pt x="6432436" y="447850"/>
+                  </a:lnTo>
+                  <a:lnTo>
+                    <a:pt x="6419516" y="403181"/>
+                  </a:lnTo>
+                  <a:lnTo>
+                    <a:pt x="6403244" y="360044"/>
+                  </a:lnTo>
+                  <a:lnTo>
+                    <a:pt x="6383772" y="318592"/>
+                  </a:lnTo>
+                  <a:lnTo>
+                    <a:pt x="6361251" y="278976"/>
+                  </a:lnTo>
+                  <a:lnTo>
+                    <a:pt x="6335832" y="241346"/>
+                  </a:lnTo>
+                  <a:lnTo>
+                    <a:pt x="6307669" y="205856"/>
+                  </a:lnTo>
+                  <a:lnTo>
+                    <a:pt x="6276911" y="172656"/>
+                  </a:lnTo>
+                  <a:lnTo>
+                    <a:pt x="6243711" y="141898"/>
+                  </a:lnTo>
+                  <a:lnTo>
+                    <a:pt x="6208221" y="113735"/>
+                  </a:lnTo>
+                  <a:lnTo>
+                    <a:pt x="6170591" y="88316"/>
+                  </a:lnTo>
+                  <a:lnTo>
+                    <a:pt x="6130975" y="65795"/>
+                  </a:lnTo>
+                  <a:lnTo>
+                    <a:pt x="6089522" y="46323"/>
+                  </a:lnTo>
+                  <a:lnTo>
+                    <a:pt x="6046386" y="30051"/>
+                  </a:lnTo>
+                  <a:lnTo>
+                    <a:pt x="6001717" y="17131"/>
+                  </a:lnTo>
+                  <a:lnTo>
+                    <a:pt x="5955668" y="7714"/>
+                  </a:lnTo>
+                  <a:lnTo>
+                    <a:pt x="5908390" y="1954"/>
+                  </a:lnTo>
+                  <a:lnTo>
+                    <a:pt x="5860033" y="0"/>
+                  </a:lnTo>
+                  <a:close/>
+                </a:path>
+              </a:pathLst>
+            </a:custGeom>
+            <a:solidFill>
+              <a:srgbClr val="FFFFFF"/>
+            </a:solidFill>
+          </p:spPr>
+          <p:txBody>
+            <a:bodyPr wrap="square" lIns="0" tIns="0" rIns="0" bIns="0" rtlCol="0"/>
+            <a:lstStyle/>
+            <a:p>
+              <a:pPr marL="0" marR="0" lvl="0" indent="0" algn="l" defTabSz="914400" rtl="0" eaLnBrk="1" fontAlgn="auto" latinLnBrk="0" hangingPunct="1">
+                <a:lnSpc>
+                  <a:spcPct val="100000"/>
+                </a:lnSpc>
+                <a:spcBef>
+                  <a:spcPts val="0"/>
+                </a:spcBef>
+                <a:spcAft>
+                  <a:spcPts val="0"/>
+                </a:spcAft>
+                <a:buClrTx/>
+                <a:buSzTx/>
+                <a:buFontTx/>
+                <a:buNone/>
+                <a:tabLst/>
+                <a:defRPr/>
+              </a:pPr>
+              <a:endParaRPr kumimoji="0" sz="1800" b="0" i="0" u="none" strike="noStrike" kern="1200" cap="none" spc="0" normalizeH="0" baseline="0" noProof="0">
+                <a:ln>
+                  <a:noFill/>
+                </a:ln>
+                <a:solidFill>
+                  <a:prstClr val="black"/>
+                </a:solidFill>
+                <a:effectLst/>
+                <a:uLnTx/>
+                <a:uFillTx/>
+                <a:latin typeface="Calibri"/>
+                <a:ea typeface="+mn-ea"/>
+                <a:cs typeface="+mn-cs"/>
+              </a:endParaRPr>
+            </a:p>
+          </p:txBody>
+        </p:sp>
+        <p:sp>
+          <p:nvSpPr>
+            <p:cNvPr id="9" name="object 9"/>
+            <p:cNvSpPr/>
+            <p:nvPr/>
+          </p:nvSpPr>
+          <p:spPr>
+            <a:xfrm>
+              <a:off x="2976372" y="2680716"/>
+              <a:ext cx="6449695" cy="3537585"/>
+            </a:xfrm>
+            <a:custGeom>
+              <a:avLst/>
+              <a:gdLst/>
+              <a:ahLst/>
+              <a:cxnLst/>
+              <a:rect l="l" t="t" r="r" b="b"/>
+              <a:pathLst>
+                <a:path w="6449695" h="3537585">
+                  <a:moveTo>
+                    <a:pt x="0" y="589534"/>
+                  </a:moveTo>
+                  <a:lnTo>
+                    <a:pt x="1954" y="541177"/>
+                  </a:lnTo>
+                  <a:lnTo>
+                    <a:pt x="7714" y="493899"/>
+                  </a:lnTo>
+                  <a:lnTo>
+                    <a:pt x="17131" y="447850"/>
+                  </a:lnTo>
+                  <a:lnTo>
+                    <a:pt x="30051" y="403181"/>
+                  </a:lnTo>
+                  <a:lnTo>
+                    <a:pt x="46323" y="360044"/>
+                  </a:lnTo>
+                  <a:lnTo>
+                    <a:pt x="65795" y="318592"/>
+                  </a:lnTo>
+                  <a:lnTo>
+                    <a:pt x="88316" y="278976"/>
+                  </a:lnTo>
+                  <a:lnTo>
+                    <a:pt x="113735" y="241346"/>
+                  </a:lnTo>
+                  <a:lnTo>
+                    <a:pt x="141898" y="205856"/>
+                  </a:lnTo>
+                  <a:lnTo>
+                    <a:pt x="172656" y="172656"/>
+                  </a:lnTo>
+                  <a:lnTo>
+                    <a:pt x="205856" y="141898"/>
+                  </a:lnTo>
+                  <a:lnTo>
+                    <a:pt x="241346" y="113735"/>
+                  </a:lnTo>
+                  <a:lnTo>
+                    <a:pt x="278976" y="88316"/>
+                  </a:lnTo>
+                  <a:lnTo>
+                    <a:pt x="318592" y="65795"/>
+                  </a:lnTo>
+                  <a:lnTo>
+                    <a:pt x="360045" y="46323"/>
+                  </a:lnTo>
+                  <a:lnTo>
+                    <a:pt x="403181" y="30051"/>
+                  </a:lnTo>
+                  <a:lnTo>
+                    <a:pt x="447850" y="17131"/>
+                  </a:lnTo>
+                  <a:lnTo>
+                    <a:pt x="493899" y="7714"/>
+                  </a:lnTo>
+                  <a:lnTo>
+                    <a:pt x="541177" y="1954"/>
+                  </a:lnTo>
+                  <a:lnTo>
+                    <a:pt x="589533" y="0"/>
+                  </a:lnTo>
+                  <a:lnTo>
+                    <a:pt x="5860033" y="0"/>
+                  </a:lnTo>
+                  <a:lnTo>
+                    <a:pt x="5908390" y="1954"/>
+                  </a:lnTo>
+                  <a:lnTo>
+                    <a:pt x="5955668" y="7714"/>
+                  </a:lnTo>
+                  <a:lnTo>
+                    <a:pt x="6001717" y="17131"/>
+                  </a:lnTo>
+                  <a:lnTo>
+                    <a:pt x="6046386" y="30051"/>
+                  </a:lnTo>
+                  <a:lnTo>
+                    <a:pt x="6089522" y="46323"/>
+                  </a:lnTo>
+                  <a:lnTo>
+                    <a:pt x="6130975" y="65795"/>
+                  </a:lnTo>
+                  <a:lnTo>
+                    <a:pt x="6170591" y="88316"/>
+                  </a:lnTo>
+                  <a:lnTo>
+                    <a:pt x="6208221" y="113735"/>
+                  </a:lnTo>
+                  <a:lnTo>
+                    <a:pt x="6243711" y="141898"/>
+                  </a:lnTo>
+                  <a:lnTo>
+                    <a:pt x="6276911" y="172656"/>
+                  </a:lnTo>
+                  <a:lnTo>
+                    <a:pt x="6307669" y="205856"/>
+                  </a:lnTo>
+                  <a:lnTo>
+                    <a:pt x="6335832" y="241346"/>
+                  </a:lnTo>
+                  <a:lnTo>
+                    <a:pt x="6361251" y="278976"/>
+                  </a:lnTo>
+                  <a:lnTo>
+                    <a:pt x="6383772" y="318592"/>
+                  </a:lnTo>
+                  <a:lnTo>
+                    <a:pt x="6403244" y="360044"/>
+                  </a:lnTo>
+                  <a:lnTo>
+                    <a:pt x="6419516" y="403181"/>
+                  </a:lnTo>
+                  <a:lnTo>
+                    <a:pt x="6432436" y="447850"/>
+                  </a:lnTo>
+                  <a:lnTo>
+                    <a:pt x="6441853" y="493899"/>
+                  </a:lnTo>
+                  <a:lnTo>
+                    <a:pt x="6447613" y="541177"/>
+                  </a:lnTo>
+                  <a:lnTo>
+                    <a:pt x="6449568" y="589534"/>
+                  </a:lnTo>
+                  <a:lnTo>
+                    <a:pt x="6449568" y="2947657"/>
+                  </a:lnTo>
+                  <a:lnTo>
+                    <a:pt x="6447613" y="2996009"/>
+                  </a:lnTo>
+                  <a:lnTo>
+                    <a:pt x="6441853" y="3043286"/>
+                  </a:lnTo>
+                  <a:lnTo>
+                    <a:pt x="6432436" y="3089333"/>
+                  </a:lnTo>
+                  <a:lnTo>
+                    <a:pt x="6419516" y="3134001"/>
+                  </a:lnTo>
+                  <a:lnTo>
+                    <a:pt x="6403244" y="3177137"/>
+                  </a:lnTo>
+                  <a:lnTo>
+                    <a:pt x="6383772" y="3218590"/>
+                  </a:lnTo>
+                  <a:lnTo>
+                    <a:pt x="6361251" y="3258207"/>
+                  </a:lnTo>
+                  <a:lnTo>
+                    <a:pt x="6335832" y="3295838"/>
+                  </a:lnTo>
+                  <a:lnTo>
+                    <a:pt x="6307669" y="3331329"/>
+                  </a:lnTo>
+                  <a:lnTo>
+                    <a:pt x="6276911" y="3364531"/>
+                  </a:lnTo>
+                  <a:lnTo>
+                    <a:pt x="6243711" y="3395291"/>
+                  </a:lnTo>
+                  <a:lnTo>
+                    <a:pt x="6208221" y="3423457"/>
+                  </a:lnTo>
+                  <a:lnTo>
+                    <a:pt x="6170591" y="3448877"/>
+                  </a:lnTo>
+                  <a:lnTo>
+                    <a:pt x="6130975" y="3471400"/>
+                  </a:lnTo>
+                  <a:lnTo>
+                    <a:pt x="6089522" y="3490875"/>
+                  </a:lnTo>
+                  <a:lnTo>
+                    <a:pt x="6046386" y="3507148"/>
+                  </a:lnTo>
+                  <a:lnTo>
+                    <a:pt x="6001717" y="3520070"/>
+                  </a:lnTo>
+                  <a:lnTo>
+                    <a:pt x="5955668" y="3529487"/>
+                  </a:lnTo>
+                  <a:lnTo>
+                    <a:pt x="5908390" y="3535249"/>
+                  </a:lnTo>
+                  <a:lnTo>
+                    <a:pt x="5860033" y="3537204"/>
+                  </a:lnTo>
+                  <a:lnTo>
+                    <a:pt x="589533" y="3537204"/>
+                  </a:lnTo>
+                  <a:lnTo>
+                    <a:pt x="541177" y="3535249"/>
+                  </a:lnTo>
+                  <a:lnTo>
+                    <a:pt x="493899" y="3529487"/>
+                  </a:lnTo>
+                  <a:lnTo>
+                    <a:pt x="447850" y="3520070"/>
+                  </a:lnTo>
+                  <a:lnTo>
+                    <a:pt x="403181" y="3507148"/>
+                  </a:lnTo>
+                  <a:lnTo>
+                    <a:pt x="360044" y="3490875"/>
+                  </a:lnTo>
+                  <a:lnTo>
+                    <a:pt x="318592" y="3471400"/>
+                  </a:lnTo>
+                  <a:lnTo>
+                    <a:pt x="278976" y="3448877"/>
+                  </a:lnTo>
+                  <a:lnTo>
+                    <a:pt x="241346" y="3423457"/>
+                  </a:lnTo>
+                  <a:lnTo>
+                    <a:pt x="205856" y="3395291"/>
+                  </a:lnTo>
+                  <a:lnTo>
+                    <a:pt x="172656" y="3364531"/>
+                  </a:lnTo>
+                  <a:lnTo>
+                    <a:pt x="141898" y="3331329"/>
+                  </a:lnTo>
+                  <a:lnTo>
+                    <a:pt x="113735" y="3295838"/>
+                  </a:lnTo>
+                  <a:lnTo>
+                    <a:pt x="88316" y="3258207"/>
+                  </a:lnTo>
+                  <a:lnTo>
+                    <a:pt x="65795" y="3218590"/>
+                  </a:lnTo>
+                  <a:lnTo>
+                    <a:pt x="46323" y="3177137"/>
+                  </a:lnTo>
+                  <a:lnTo>
+                    <a:pt x="30051" y="3134001"/>
+                  </a:lnTo>
+                  <a:lnTo>
+                    <a:pt x="17131" y="3089333"/>
+                  </a:lnTo>
+                  <a:lnTo>
+                    <a:pt x="7714" y="3043286"/>
+                  </a:lnTo>
+                  <a:lnTo>
+                    <a:pt x="1954" y="2996009"/>
+                  </a:lnTo>
+                  <a:lnTo>
+                    <a:pt x="0" y="2947657"/>
+                  </a:lnTo>
+                  <a:lnTo>
+                    <a:pt x="0" y="589534"/>
+                  </a:lnTo>
+                  <a:close/>
+                </a:path>
+              </a:pathLst>
+            </a:custGeom>
+            <a:ln w="63500">
+              <a:solidFill>
+                <a:srgbClr val="A4A4A4"/>
+              </a:solidFill>
+            </a:ln>
+          </p:spPr>
+          <p:txBody>
+            <a:bodyPr wrap="square" lIns="0" tIns="0" rIns="0" bIns="0" rtlCol="0"/>
+            <a:lstStyle/>
+            <a:p>
+              <a:pPr marL="0" marR="0" lvl="0" indent="0" algn="l" defTabSz="914400" rtl="0" eaLnBrk="1" fontAlgn="auto" latinLnBrk="0" hangingPunct="1">
+                <a:lnSpc>
+                  <a:spcPct val="100000"/>
+                </a:lnSpc>
+                <a:spcBef>
+                  <a:spcPts val="0"/>
+                </a:spcBef>
+                <a:spcAft>
+                  <a:spcPts val="0"/>
+                </a:spcAft>
+                <a:buClrTx/>
+                <a:buSzTx/>
+                <a:buFontTx/>
+                <a:buNone/>
+                <a:tabLst/>
+                <a:defRPr/>
+              </a:pPr>
+              <a:endParaRPr kumimoji="0" sz="1800" b="0" i="0" u="none" strike="noStrike" kern="1200" cap="none" spc="0" normalizeH="0" baseline="0" noProof="0">
+                <a:ln>
+                  <a:noFill/>
+                </a:ln>
+                <a:solidFill>
+                  <a:prstClr val="black"/>
+                </a:solidFill>
+                <a:effectLst/>
+                <a:uLnTx/>
+                <a:uFillTx/>
+                <a:latin typeface="Calibri"/>
+                <a:ea typeface="+mn-ea"/>
+                <a:cs typeface="+mn-cs"/>
+              </a:endParaRPr>
+            </a:p>
+          </p:txBody>
+        </p:sp>
+        <p:pic>
+          <p:nvPicPr>
+            <p:cNvPr id="10" name="object 10"/>
+            <p:cNvPicPr/>
+            <p:nvPr/>
+          </p:nvPicPr>
+          <p:blipFill>
+            <a:blip r:embed="rId2" cstate="print"/>
+            <a:stretch>
+              <a:fillRect/>
+            </a:stretch>
+          </p:blipFill>
+          <p:spPr>
+            <a:xfrm>
+              <a:off x="4059936" y="3026664"/>
+              <a:ext cx="4370832" cy="2924556"/>
+            </a:xfrm>
+            <a:prstGeom prst="rect">
+              <a:avLst/>
+            </a:prstGeom>
+          </p:spPr>
+        </p:pic>
+      </p:grpSp>
       <p:sp>
         <p:nvSpPr>
           <p:cNvPr id="11" name="object 11"/>
@@ -6564,7 +7835,7 @@
         <p:spPr>
           <a:xfrm>
             <a:off x="399999" y="1505458"/>
-            <a:ext cx="10213340" cy="474489"/>
+            <a:ext cx="10213340" cy="940435"/>
           </a:xfrm>
           <a:prstGeom prst="rect">
             <a:avLst/>
@@ -6597,7 +7868,7 @@
               <a:defRPr/>
             </a:pPr>
             <a:r>
-              <a:rPr kumimoji="0" lang="en-US" sz="3000" b="0" i="0" u="none" strike="noStrike" kern="1200" cap="none" spc="-45" normalizeH="0" baseline="0" noProof="0" dirty="0">
+              <a:rPr kumimoji="0" sz="3000" b="0" i="0" u="none" strike="noStrike" kern="1200" cap="none" spc="-45" normalizeH="0" baseline="0" noProof="0" dirty="0">
                 <a:ln>
                   <a:noFill/>
                 </a:ln>
@@ -6611,9 +7882,349 @@
                 <a:ea typeface="+mn-ea"/>
                 <a:cs typeface="Microsoft Sans Serif"/>
               </a:rPr>
-              <a:t>Control the placement of an element</a:t>
-            </a:r>
-            <a:endParaRPr kumimoji="0" sz="3000" b="0" i="0" u="none" strike="noStrike" kern="1200" cap="none" spc="0" normalizeH="0" baseline="0" noProof="0" dirty="0">
+              <a:t>Control</a:t>
+            </a:r>
+            <a:r>
+              <a:rPr kumimoji="0" sz="3000" b="0" i="0" u="none" strike="noStrike" kern="1200" cap="none" spc="95" normalizeH="0" baseline="0" noProof="0" dirty="0">
+                <a:ln>
+                  <a:noFill/>
+                </a:ln>
+                <a:solidFill>
+                  <a:prstClr val="black"/>
+                </a:solidFill>
+                <a:effectLst/>
+                <a:uLnTx/>
+                <a:uFillTx/>
+                <a:latin typeface="Microsoft Sans Serif"/>
+                <a:ea typeface="+mn-ea"/>
+                <a:cs typeface="Microsoft Sans Serif"/>
+              </a:rPr>
+              <a:t> </a:t>
+            </a:r>
+            <a:r>
+              <a:rPr kumimoji="0" sz="3000" b="0" i="0" u="none" strike="noStrike" kern="1200" cap="none" spc="-85" normalizeH="0" baseline="0" noProof="0" dirty="0">
+                <a:ln>
+                  <a:noFill/>
+                </a:ln>
+                <a:solidFill>
+                  <a:prstClr val="black"/>
+                </a:solidFill>
+                <a:effectLst/>
+                <a:uLnTx/>
+                <a:uFillTx/>
+                <a:latin typeface="Microsoft Sans Serif"/>
+                <a:ea typeface="+mn-ea"/>
+                <a:cs typeface="Microsoft Sans Serif"/>
+              </a:rPr>
+              <a:t>spacing</a:t>
+            </a:r>
+            <a:r>
+              <a:rPr kumimoji="0" sz="3000" b="0" i="0" u="none" strike="noStrike" kern="1200" cap="none" spc="80" normalizeH="0" baseline="0" noProof="0" dirty="0">
+                <a:ln>
+                  <a:noFill/>
+                </a:ln>
+                <a:solidFill>
+                  <a:prstClr val="black"/>
+                </a:solidFill>
+                <a:effectLst/>
+                <a:uLnTx/>
+                <a:uFillTx/>
+                <a:latin typeface="Microsoft Sans Serif"/>
+                <a:ea typeface="+mn-ea"/>
+                <a:cs typeface="Microsoft Sans Serif"/>
+              </a:rPr>
+              <a:t> </a:t>
+            </a:r>
+            <a:r>
+              <a:rPr kumimoji="0" sz="3000" b="0" i="0" u="none" strike="noStrike" kern="1200" cap="none" spc="-75" normalizeH="0" baseline="0" noProof="0" dirty="0">
+                <a:ln>
+                  <a:noFill/>
+                </a:ln>
+                <a:solidFill>
+                  <a:prstClr val="black"/>
+                </a:solidFill>
+                <a:effectLst/>
+                <a:uLnTx/>
+                <a:uFillTx/>
+                <a:latin typeface="Microsoft Sans Serif"/>
+                <a:ea typeface="+mn-ea"/>
+                <a:cs typeface="Microsoft Sans Serif"/>
+              </a:rPr>
+              <a:t>between</a:t>
+            </a:r>
+            <a:r>
+              <a:rPr kumimoji="0" sz="3000" b="0" i="0" u="none" strike="noStrike" kern="1200" cap="none" spc="90" normalizeH="0" baseline="0" noProof="0" dirty="0">
+                <a:ln>
+                  <a:noFill/>
+                </a:ln>
+                <a:solidFill>
+                  <a:prstClr val="black"/>
+                </a:solidFill>
+                <a:effectLst/>
+                <a:uLnTx/>
+                <a:uFillTx/>
+                <a:latin typeface="Microsoft Sans Serif"/>
+                <a:ea typeface="+mn-ea"/>
+                <a:cs typeface="Microsoft Sans Serif"/>
+              </a:rPr>
+              <a:t> </a:t>
+            </a:r>
+            <a:r>
+              <a:rPr kumimoji="0" sz="3000" b="0" i="0" u="none" strike="noStrike" kern="1200" cap="none" spc="-85" normalizeH="0" baseline="0" noProof="0" dirty="0">
+                <a:ln>
+                  <a:noFill/>
+                </a:ln>
+                <a:solidFill>
+                  <a:prstClr val="black"/>
+                </a:solidFill>
+                <a:effectLst/>
+                <a:uLnTx/>
+                <a:uFillTx/>
+                <a:latin typeface="Microsoft Sans Serif"/>
+                <a:ea typeface="+mn-ea"/>
+                <a:cs typeface="Microsoft Sans Serif"/>
+              </a:rPr>
+              <a:t>and</a:t>
+            </a:r>
+            <a:r>
+              <a:rPr kumimoji="0" sz="3000" b="0" i="0" u="none" strike="noStrike" kern="1200" cap="none" spc="85" normalizeH="0" baseline="0" noProof="0" dirty="0">
+                <a:ln>
+                  <a:noFill/>
+                </a:ln>
+                <a:solidFill>
+                  <a:prstClr val="black"/>
+                </a:solidFill>
+                <a:effectLst/>
+                <a:uLnTx/>
+                <a:uFillTx/>
+                <a:latin typeface="Microsoft Sans Serif"/>
+                <a:ea typeface="+mn-ea"/>
+                <a:cs typeface="Microsoft Sans Serif"/>
+              </a:rPr>
+              <a:t> </a:t>
+            </a:r>
+            <a:r>
+              <a:rPr kumimoji="0" sz="3000" b="0" i="0" u="none" strike="noStrike" kern="1200" cap="none" spc="-5" normalizeH="0" baseline="0" noProof="0" dirty="0">
+                <a:ln>
+                  <a:noFill/>
+                </a:ln>
+                <a:solidFill>
+                  <a:prstClr val="black"/>
+                </a:solidFill>
+                <a:effectLst/>
+                <a:uLnTx/>
+                <a:uFillTx/>
+                <a:latin typeface="Microsoft Sans Serif"/>
+                <a:ea typeface="+mn-ea"/>
+                <a:cs typeface="Microsoft Sans Serif"/>
+              </a:rPr>
+              <a:t>within</a:t>
+            </a:r>
+            <a:r>
+              <a:rPr kumimoji="0" sz="3000" b="0" i="0" u="none" strike="noStrike" kern="1200" cap="none" spc="105" normalizeH="0" baseline="0" noProof="0" dirty="0">
+                <a:ln>
+                  <a:noFill/>
+                </a:ln>
+                <a:solidFill>
+                  <a:prstClr val="black"/>
+                </a:solidFill>
+                <a:effectLst/>
+                <a:uLnTx/>
+                <a:uFillTx/>
+                <a:latin typeface="Microsoft Sans Serif"/>
+                <a:ea typeface="+mn-ea"/>
+                <a:cs typeface="Microsoft Sans Serif"/>
+              </a:rPr>
+              <a:t> </a:t>
+            </a:r>
+            <a:r>
+              <a:rPr kumimoji="0" sz="3000" b="0" i="0" u="none" strike="noStrike" kern="1200" cap="none" spc="-95" normalizeH="0" baseline="0" noProof="0" dirty="0">
+                <a:ln>
+                  <a:noFill/>
+                </a:ln>
+                <a:solidFill>
+                  <a:prstClr val="black"/>
+                </a:solidFill>
+                <a:effectLst/>
+                <a:uLnTx/>
+                <a:uFillTx/>
+                <a:latin typeface="Microsoft Sans Serif"/>
+                <a:ea typeface="+mn-ea"/>
+                <a:cs typeface="Microsoft Sans Serif"/>
+              </a:rPr>
+              <a:t>elements</a:t>
+            </a:r>
+            <a:r>
+              <a:rPr kumimoji="0" sz="3000" b="0" i="0" u="none" strike="noStrike" kern="1200" cap="none" spc="95" normalizeH="0" baseline="0" noProof="0" dirty="0">
+                <a:ln>
+                  <a:noFill/>
+                </a:ln>
+                <a:solidFill>
+                  <a:prstClr val="black"/>
+                </a:solidFill>
+                <a:effectLst/>
+                <a:uLnTx/>
+                <a:uFillTx/>
+                <a:latin typeface="Microsoft Sans Serif"/>
+                <a:ea typeface="+mn-ea"/>
+                <a:cs typeface="Microsoft Sans Serif"/>
+              </a:rPr>
+              <a:t> </a:t>
+            </a:r>
+            <a:r>
+              <a:rPr kumimoji="0" sz="3000" b="0" i="0" u="none" strike="noStrike" kern="1200" cap="none" spc="-60" normalizeH="0" baseline="0" noProof="0" dirty="0">
+                <a:ln>
+                  <a:noFill/>
+                </a:ln>
+                <a:solidFill>
+                  <a:prstClr val="black"/>
+                </a:solidFill>
+                <a:effectLst/>
+                <a:uLnTx/>
+                <a:uFillTx/>
+                <a:latin typeface="Microsoft Sans Serif"/>
+                <a:ea typeface="+mn-ea"/>
+                <a:cs typeface="Microsoft Sans Serif"/>
+              </a:rPr>
+              <a:t>using</a:t>
+            </a:r>
+            <a:r>
+              <a:rPr kumimoji="0" sz="3000" b="0" i="0" u="none" strike="noStrike" kern="1200" cap="none" spc="75" normalizeH="0" baseline="0" noProof="0" dirty="0">
+                <a:ln>
+                  <a:noFill/>
+                </a:ln>
+                <a:solidFill>
+                  <a:prstClr val="black"/>
+                </a:solidFill>
+                <a:effectLst/>
+                <a:uLnTx/>
+                <a:uFillTx/>
+                <a:latin typeface="Microsoft Sans Serif"/>
+                <a:ea typeface="+mn-ea"/>
+                <a:cs typeface="Microsoft Sans Serif"/>
+              </a:rPr>
+              <a:t> </a:t>
+            </a:r>
+            <a:r>
+              <a:rPr kumimoji="0" sz="3000" b="0" i="0" u="none" strike="noStrike" kern="1200" cap="none" spc="-70" normalizeH="0" baseline="0" noProof="0" dirty="0">
+                <a:ln>
+                  <a:noFill/>
+                </a:ln>
+                <a:solidFill>
+                  <a:prstClr val="black"/>
+                </a:solidFill>
+                <a:effectLst/>
+                <a:uLnTx/>
+                <a:uFillTx/>
+                <a:latin typeface="Microsoft Sans Serif"/>
+                <a:ea typeface="+mn-ea"/>
+                <a:cs typeface="Microsoft Sans Serif"/>
+              </a:rPr>
+              <a:t>margin, </a:t>
+            </a:r>
+            <a:r>
+              <a:rPr kumimoji="0" sz="3000" b="0" i="0" u="none" strike="noStrike" kern="1200" cap="none" spc="-780" normalizeH="0" baseline="0" noProof="0" dirty="0">
+                <a:ln>
+                  <a:noFill/>
+                </a:ln>
+                <a:solidFill>
+                  <a:prstClr val="black"/>
+                </a:solidFill>
+                <a:effectLst/>
+                <a:uLnTx/>
+                <a:uFillTx/>
+                <a:latin typeface="Microsoft Sans Serif"/>
+                <a:ea typeface="+mn-ea"/>
+                <a:cs typeface="Microsoft Sans Serif"/>
+              </a:rPr>
+              <a:t> </a:t>
+            </a:r>
+            <a:r>
+              <a:rPr kumimoji="0" sz="3000" b="0" i="0" u="none" strike="noStrike" kern="1200" cap="none" spc="-15" normalizeH="0" baseline="0" noProof="0" dirty="0">
+                <a:ln>
+                  <a:noFill/>
+                </a:ln>
+                <a:solidFill>
+                  <a:prstClr val="black"/>
+                </a:solidFill>
+                <a:effectLst/>
+                <a:uLnTx/>
+                <a:uFillTx/>
+                <a:latin typeface="Microsoft Sans Serif"/>
+                <a:ea typeface="+mn-ea"/>
+                <a:cs typeface="Microsoft Sans Serif"/>
+              </a:rPr>
+              <a:t>border</a:t>
+            </a:r>
+            <a:r>
+              <a:rPr kumimoji="0" sz="3000" b="0" i="0" u="none" strike="noStrike" kern="1200" cap="none" spc="100" normalizeH="0" baseline="0" noProof="0" dirty="0">
+                <a:ln>
+                  <a:noFill/>
+                </a:ln>
+                <a:solidFill>
+                  <a:prstClr val="black"/>
+                </a:solidFill>
+                <a:effectLst/>
+                <a:uLnTx/>
+                <a:uFillTx/>
+                <a:latin typeface="Microsoft Sans Serif"/>
+                <a:ea typeface="+mn-ea"/>
+                <a:cs typeface="Microsoft Sans Serif"/>
+              </a:rPr>
+              <a:t> </a:t>
+            </a:r>
+            <a:r>
+              <a:rPr kumimoji="0" sz="3000" b="0" i="0" u="none" strike="noStrike" kern="1200" cap="none" spc="-90" normalizeH="0" baseline="0" noProof="0" dirty="0">
+                <a:ln>
+                  <a:noFill/>
+                </a:ln>
+                <a:solidFill>
+                  <a:prstClr val="black"/>
+                </a:solidFill>
+                <a:effectLst/>
+                <a:uLnTx/>
+                <a:uFillTx/>
+                <a:latin typeface="Microsoft Sans Serif"/>
+                <a:ea typeface="+mn-ea"/>
+                <a:cs typeface="Microsoft Sans Serif"/>
+              </a:rPr>
+              <a:t>and</a:t>
+            </a:r>
+            <a:r>
+              <a:rPr kumimoji="0" sz="3000" b="0" i="0" u="none" strike="noStrike" kern="1200" cap="none" spc="90" normalizeH="0" baseline="0" noProof="0" dirty="0">
+                <a:ln>
+                  <a:noFill/>
+                </a:ln>
+                <a:solidFill>
+                  <a:prstClr val="black"/>
+                </a:solidFill>
+                <a:effectLst/>
+                <a:uLnTx/>
+                <a:uFillTx/>
+                <a:latin typeface="Microsoft Sans Serif"/>
+                <a:ea typeface="+mn-ea"/>
+                <a:cs typeface="Microsoft Sans Serif"/>
+              </a:rPr>
+              <a:t> </a:t>
+            </a:r>
+            <a:r>
+              <a:rPr kumimoji="0" sz="3000" b="0" i="0" u="none" strike="noStrike" kern="1200" cap="none" spc="-25" normalizeH="0" baseline="0" noProof="0" dirty="0">
+                <a:ln>
+                  <a:noFill/>
+                </a:ln>
+                <a:solidFill>
+                  <a:prstClr val="black"/>
+                </a:solidFill>
+                <a:effectLst/>
+                <a:uLnTx/>
+                <a:uFillTx/>
+                <a:latin typeface="Microsoft Sans Serif"/>
+                <a:ea typeface="+mn-ea"/>
+                <a:cs typeface="Microsoft Sans Serif"/>
+              </a:rPr>
+              <a:t>padding</a:t>
+            </a:r>
+            <a:endParaRPr kumimoji="0" sz="3000" b="0" i="0" u="none" strike="noStrike" kern="1200" cap="none" spc="0" normalizeH="0" baseline="0" noProof="0">
               <a:ln>
                 <a:noFill/>
               </a:ln>
@@ -6630,57 +8241,1621 @@
           </a:p>
         </p:txBody>
       </p:sp>
-      <p:pic>
-        <p:nvPicPr>
-          <p:cNvPr id="1026" name="Picture 2" descr="CSS POSITION PROPERTY. In this article we are going to talk… | by Doganaker  | baakademi | Medium">
+    </p:spTree>
+  </p:cSld>
+  <p:clrMapOvr>
+    <a:masterClrMapping/>
+  </p:clrMapOvr>
+</p:sld>
+</file>
+
+<file path=ppt/slides/slide13.xml><?xml version="1.0" encoding="utf-8"?>
+<p:sld xmlns:a="http://schemas.openxmlformats.org/drawingml/2006/main" xmlns:r="http://schemas.openxmlformats.org/officeDocument/2006/relationships" xmlns:p="http://schemas.openxmlformats.org/presentationml/2006/main">
+  <p:cSld>
+    <p:spTree>
+      <p:nvGrpSpPr>
+        <p:cNvPr id="1" name=""/>
+        <p:cNvGrpSpPr/>
+        <p:nvPr/>
+      </p:nvGrpSpPr>
+      <p:grpSpPr>
+        <a:xfrm>
+          <a:off x="0" y="0"/>
+          <a:ext cx="0" cy="0"/>
+          <a:chOff x="0" y="0"/>
+          <a:chExt cx="0" cy="0"/>
+        </a:xfrm>
+      </p:grpSpPr>
+      <p:sp>
+        <p:nvSpPr>
+          <p:cNvPr id="2" name="object 2"/>
+          <p:cNvSpPr/>
+          <p:nvPr/>
+        </p:nvSpPr>
+        <p:spPr>
+          <a:xfrm>
+            <a:off x="0" y="0"/>
+            <a:ext cx="12192000" cy="6858000"/>
+          </a:xfrm>
+          <a:custGeom>
+            <a:avLst/>
+            <a:gdLst/>
+            <a:ahLst/>
+            <a:cxnLst/>
+            <a:rect l="l" t="t" r="r" b="b"/>
+            <a:pathLst>
+              <a:path w="12192000" h="6858000">
+                <a:moveTo>
+                  <a:pt x="12192000" y="0"/>
+                </a:moveTo>
+                <a:lnTo>
+                  <a:pt x="0" y="0"/>
+                </a:lnTo>
+                <a:lnTo>
+                  <a:pt x="0" y="6858000"/>
+                </a:lnTo>
+                <a:lnTo>
+                  <a:pt x="12192000" y="6858000"/>
+                </a:lnTo>
+                <a:lnTo>
+                  <a:pt x="12192000" y="0"/>
+                </a:lnTo>
+                <a:close/>
+              </a:path>
+            </a:pathLst>
+          </a:custGeom>
+          <a:solidFill>
+            <a:schemeClr val="accent6">
+              <a:lumMod val="40000"/>
+              <a:lumOff val="60000"/>
+            </a:schemeClr>
+          </a:solidFill>
+        </p:spPr>
+        <p:txBody>
+          <a:bodyPr wrap="square" lIns="0" tIns="0" rIns="0" bIns="0" rtlCol="0"/>
+          <a:lstStyle/>
+          <a:p>
+            <a:pPr marL="0" marR="0" lvl="0" indent="0" algn="l" defTabSz="914400" rtl="0" eaLnBrk="1" fontAlgn="auto" latinLnBrk="0" hangingPunct="1">
+              <a:lnSpc>
+                <a:spcPct val="100000"/>
+              </a:lnSpc>
+              <a:spcBef>
+                <a:spcPts val="0"/>
+              </a:spcBef>
+              <a:spcAft>
+                <a:spcPts val="0"/>
+              </a:spcAft>
+              <a:buClrTx/>
+              <a:buSzTx/>
+              <a:buFontTx/>
+              <a:buNone/>
+              <a:tabLst/>
+              <a:defRPr/>
+            </a:pPr>
+            <a:r>
+              <a:rPr lang="en-AU" b="0" i="0">
+                <a:solidFill>
+                  <a:srgbClr val="333333"/>
+                </a:solidFill>
+                <a:effectLst/>
+                <a:latin typeface="Segoe UI Emoji" panose="020B0502040204020203" pitchFamily="34" charset="0"/>
+              </a:rPr>
+              <a:t>🙂</a:t>
+            </a:r>
+            <a:endParaRPr kumimoji="0" sz="1800" b="0" i="0" u="none" strike="noStrike" kern="1200" cap="none" spc="0" normalizeH="0" baseline="0" noProof="0" dirty="0">
+              <a:ln>
+                <a:noFill/>
+              </a:ln>
+              <a:solidFill>
+                <a:prstClr val="black"/>
+              </a:solidFill>
+              <a:effectLst/>
+              <a:uLnTx/>
+              <a:uFillTx/>
+              <a:latin typeface="Calibri"/>
+              <a:ea typeface="+mn-ea"/>
+              <a:cs typeface="+mn-cs"/>
+            </a:endParaRPr>
+          </a:p>
+        </p:txBody>
+      </p:sp>
+      <p:grpSp>
+        <p:nvGrpSpPr>
+          <p:cNvPr id="3" name="object 3"/>
+          <p:cNvGrpSpPr/>
+          <p:nvPr/>
+        </p:nvGrpSpPr>
+        <p:grpSpPr>
+          <a:xfrm>
+            <a:off x="-6350" y="0"/>
+            <a:ext cx="12204700" cy="1338580"/>
+            <a:chOff x="-6350" y="0"/>
+            <a:chExt cx="12204700" cy="1338580"/>
+          </a:xfrm>
+        </p:grpSpPr>
+        <p:sp>
+          <p:nvSpPr>
+            <p:cNvPr id="4" name="object 4"/>
+            <p:cNvSpPr/>
+            <p:nvPr/>
+          </p:nvSpPr>
+          <p:spPr>
+            <a:xfrm>
+              <a:off x="0" y="0"/>
+              <a:ext cx="12192000" cy="1325880"/>
+            </a:xfrm>
+            <a:custGeom>
+              <a:avLst/>
+              <a:gdLst/>
+              <a:ahLst/>
+              <a:cxnLst/>
+              <a:rect l="l" t="t" r="r" b="b"/>
+              <a:pathLst>
+                <a:path w="12192000" h="1325880">
+                  <a:moveTo>
+                    <a:pt x="12192000" y="0"/>
+                  </a:moveTo>
+                  <a:lnTo>
+                    <a:pt x="0" y="0"/>
+                  </a:lnTo>
+                  <a:lnTo>
+                    <a:pt x="0" y="1325879"/>
+                  </a:lnTo>
+                  <a:lnTo>
+                    <a:pt x="12192000" y="1325879"/>
+                  </a:lnTo>
+                  <a:lnTo>
+                    <a:pt x="12192000" y="0"/>
+                  </a:lnTo>
+                  <a:close/>
+                </a:path>
+              </a:pathLst>
+            </a:custGeom>
+            <a:solidFill>
+              <a:srgbClr val="FFFFFF"/>
+            </a:solidFill>
+          </p:spPr>
+          <p:txBody>
+            <a:bodyPr wrap="square" lIns="0" tIns="0" rIns="0" bIns="0" rtlCol="0"/>
+            <a:lstStyle/>
+            <a:p>
+              <a:pPr marL="0" marR="0" lvl="0" indent="0" algn="l" defTabSz="914400" rtl="0" eaLnBrk="1" fontAlgn="auto" latinLnBrk="0" hangingPunct="1">
+                <a:lnSpc>
+                  <a:spcPct val="100000"/>
+                </a:lnSpc>
+                <a:spcBef>
+                  <a:spcPts val="0"/>
+                </a:spcBef>
+                <a:spcAft>
+                  <a:spcPts val="0"/>
+                </a:spcAft>
+                <a:buClrTx/>
+                <a:buSzTx/>
+                <a:buFontTx/>
+                <a:buNone/>
+                <a:tabLst/>
+                <a:defRPr/>
+              </a:pPr>
+              <a:endParaRPr kumimoji="0" sz="1800" b="0" i="0" u="none" strike="noStrike" kern="1200" cap="none" spc="0" normalizeH="0" baseline="0" noProof="0">
+                <a:ln>
+                  <a:noFill/>
+                </a:ln>
+                <a:solidFill>
+                  <a:prstClr val="black"/>
+                </a:solidFill>
+                <a:effectLst/>
+                <a:uLnTx/>
+                <a:uFillTx/>
+                <a:latin typeface="Calibri"/>
+                <a:ea typeface="+mn-ea"/>
+                <a:cs typeface="+mn-cs"/>
+              </a:endParaRPr>
+            </a:p>
+          </p:txBody>
+        </p:sp>
+        <p:sp>
+          <p:nvSpPr>
+            <p:cNvPr id="5" name="object 5"/>
+            <p:cNvSpPr/>
+            <p:nvPr/>
+          </p:nvSpPr>
+          <p:spPr>
+            <a:xfrm>
+              <a:off x="0" y="0"/>
+              <a:ext cx="12192000" cy="1325880"/>
+            </a:xfrm>
+            <a:custGeom>
+              <a:avLst/>
+              <a:gdLst/>
+              <a:ahLst/>
+              <a:cxnLst/>
+              <a:rect l="l" t="t" r="r" b="b"/>
+              <a:pathLst>
+                <a:path w="12192000" h="1325880">
+                  <a:moveTo>
+                    <a:pt x="0" y="1325879"/>
+                  </a:moveTo>
+                  <a:lnTo>
+                    <a:pt x="12192000" y="1325879"/>
+                  </a:lnTo>
+                  <a:lnTo>
+                    <a:pt x="12192000" y="0"/>
+                  </a:lnTo>
+                  <a:lnTo>
+                    <a:pt x="0" y="0"/>
+                  </a:lnTo>
+                  <a:lnTo>
+                    <a:pt x="0" y="1325879"/>
+                  </a:lnTo>
+                  <a:close/>
+                </a:path>
+              </a:pathLst>
+            </a:custGeom>
+            <a:ln w="12700">
+              <a:solidFill>
+                <a:srgbClr val="FFFFFF"/>
+              </a:solidFill>
+            </a:ln>
+          </p:spPr>
+          <p:txBody>
+            <a:bodyPr wrap="square" lIns="0" tIns="0" rIns="0" bIns="0" rtlCol="0"/>
+            <a:lstStyle/>
+            <a:p>
+              <a:pPr marL="0" marR="0" lvl="0" indent="0" algn="l" defTabSz="914400" rtl="0" eaLnBrk="1" fontAlgn="auto" latinLnBrk="0" hangingPunct="1">
+                <a:lnSpc>
+                  <a:spcPct val="100000"/>
+                </a:lnSpc>
+                <a:spcBef>
+                  <a:spcPts val="0"/>
+                </a:spcBef>
+                <a:spcAft>
+                  <a:spcPts val="0"/>
+                </a:spcAft>
+                <a:buClrTx/>
+                <a:buSzTx/>
+                <a:buFontTx/>
+                <a:buNone/>
+                <a:tabLst/>
+                <a:defRPr/>
+              </a:pPr>
+              <a:endParaRPr kumimoji="0" sz="1800" b="0" i="0" u="none" strike="noStrike" kern="1200" cap="none" spc="0" normalizeH="0" baseline="0" noProof="0">
+                <a:ln>
+                  <a:noFill/>
+                </a:ln>
+                <a:solidFill>
+                  <a:prstClr val="black"/>
+                </a:solidFill>
+                <a:effectLst/>
+                <a:uLnTx/>
+                <a:uFillTx/>
+                <a:latin typeface="Calibri"/>
+                <a:ea typeface="+mn-ea"/>
+                <a:cs typeface="+mn-cs"/>
+              </a:endParaRPr>
+            </a:p>
+          </p:txBody>
+        </p:sp>
+      </p:grpSp>
+      <p:sp>
+        <p:nvSpPr>
+          <p:cNvPr id="6" name="object 6"/>
+          <p:cNvSpPr txBox="1">
+            <a:spLocks noGrp="1"/>
+          </p:cNvSpPr>
+          <p:nvPr>
+            <p:ph type="title"/>
+          </p:nvPr>
+        </p:nvSpPr>
+        <p:spPr>
+          <a:xfrm>
+            <a:off x="916939" y="246380"/>
+            <a:ext cx="9696400" cy="689932"/>
+          </a:xfrm>
+          <a:prstGeom prst="rect">
+            <a:avLst/>
+          </a:prstGeom>
+        </p:spPr>
+        <p:txBody>
+          <a:bodyPr vert="horz" wrap="square" lIns="0" tIns="12700" rIns="0" bIns="0" rtlCol="0">
+            <a:spAutoFit/>
+          </a:bodyPr>
+          <a:lstStyle/>
+          <a:p>
+            <a:pPr marL="12700">
+              <a:lnSpc>
+                <a:spcPct val="100000"/>
+              </a:lnSpc>
+              <a:spcBef>
+                <a:spcPts val="100"/>
+              </a:spcBef>
+            </a:pPr>
+            <a:r>
+              <a:rPr lang="en-US" spc="-20" dirty="0"/>
+              <a:t>Connecting HTML &amp; CSS</a:t>
+            </a:r>
+            <a:endParaRPr spc="-165" dirty="0"/>
+          </a:p>
+        </p:txBody>
+      </p:sp>
+      <p:grpSp>
+        <p:nvGrpSpPr>
+          <p:cNvPr id="15" name="Group 14">
             <a:extLst>
               <a:ext uri="{FF2B5EF4-FFF2-40B4-BE49-F238E27FC236}">
-                <a16:creationId xmlns:a16="http://schemas.microsoft.com/office/drawing/2014/main" id="{679D60CF-FEBB-56C0-B580-1DAE1CA2DD36}"/>
+                <a16:creationId xmlns:a16="http://schemas.microsoft.com/office/drawing/2014/main" id="{D1334C3D-3905-CEE7-04AB-742807ED3C50}"/>
               </a:ext>
             </a:extLst>
           </p:cNvPr>
-          <p:cNvPicPr>
-            <a:picLocks noChangeAspect="1" noChangeArrowheads="1"/>
-          </p:cNvPicPr>
+          <p:cNvGrpSpPr/>
           <p:nvPr/>
-        </p:nvPicPr>
-        <p:blipFill>
-          <a:blip r:embed="rId2">
+        </p:nvGrpSpPr>
+        <p:grpSpPr>
+          <a:xfrm>
+            <a:off x="4687139" y="1806012"/>
+            <a:ext cx="6659880" cy="615277"/>
+            <a:chOff x="2229665" y="4181805"/>
+            <a:chExt cx="6659880" cy="3384818"/>
+          </a:xfrm>
+        </p:grpSpPr>
+        <p:grpSp>
+          <p:nvGrpSpPr>
+            <p:cNvPr id="10" name="object 7">
+              <a:extLst>
+                <a:ext uri="{FF2B5EF4-FFF2-40B4-BE49-F238E27FC236}">
+                  <a16:creationId xmlns:a16="http://schemas.microsoft.com/office/drawing/2014/main" id="{109A4C9F-3943-1D1D-75C0-10AAD06ABCD8}"/>
+                </a:ext>
+              </a:extLst>
+            </p:cNvPr>
+            <p:cNvGrpSpPr/>
+            <p:nvPr/>
+          </p:nvGrpSpPr>
+          <p:grpSpPr>
+            <a:xfrm>
+              <a:off x="2229665" y="4181805"/>
+              <a:ext cx="6659880" cy="3384818"/>
+              <a:chOff x="2766060" y="3038853"/>
+              <a:chExt cx="6659880" cy="3179447"/>
+            </a:xfrm>
+          </p:grpSpPr>
+          <p:sp>
+            <p:nvSpPr>
+              <p:cNvPr id="13" name="object 8">
+                <a:extLst>
+                  <a:ext uri="{FF2B5EF4-FFF2-40B4-BE49-F238E27FC236}">
+                    <a16:creationId xmlns:a16="http://schemas.microsoft.com/office/drawing/2014/main" id="{BC5B75EC-FCF7-7320-454F-248BFF670DF6}"/>
+                  </a:ext>
+                </a:extLst>
+              </p:cNvPr>
+              <p:cNvSpPr/>
+              <p:nvPr/>
+            </p:nvSpPr>
+            <p:spPr>
+              <a:xfrm>
+                <a:off x="2766060" y="3038853"/>
+                <a:ext cx="6659880" cy="3179445"/>
+              </a:xfrm>
+              <a:prstGeom prst="snip1Rect">
+                <a:avLst/>
+              </a:prstGeom>
+              <a:solidFill>
+                <a:srgbClr val="1E1E1E"/>
+              </a:solidFill>
+            </p:spPr>
+            <p:txBody>
+              <a:bodyPr wrap="square" lIns="0" tIns="0" rIns="0" bIns="0" rtlCol="0"/>
+              <a:lstStyle/>
+              <a:p>
+                <a:pPr marL="0" marR="0" lvl="0" indent="0" algn="l" defTabSz="914400" rtl="0" eaLnBrk="1" fontAlgn="auto" latinLnBrk="0" hangingPunct="1">
+                  <a:lnSpc>
+                    <a:spcPct val="100000"/>
+                  </a:lnSpc>
+                  <a:spcBef>
+                    <a:spcPts val="0"/>
+                  </a:spcBef>
+                  <a:spcAft>
+                    <a:spcPts val="0"/>
+                  </a:spcAft>
+                  <a:buClrTx/>
+                  <a:buSzTx/>
+                  <a:buFontTx/>
+                  <a:buNone/>
+                  <a:tabLst/>
+                  <a:defRPr/>
+                </a:pPr>
+                <a:endParaRPr kumimoji="0" sz="1800" b="0" i="0" u="none" strike="noStrike" kern="1200" cap="none" spc="0" normalizeH="0" baseline="0" noProof="0" dirty="0">
+                  <a:ln>
+                    <a:noFill/>
+                  </a:ln>
+                  <a:solidFill>
+                    <a:prstClr val="black"/>
+                  </a:solidFill>
+                  <a:effectLst/>
+                  <a:uLnTx/>
+                  <a:uFillTx/>
+                  <a:latin typeface="Calibri"/>
+                  <a:ea typeface="+mn-ea"/>
+                  <a:cs typeface="+mn-cs"/>
+                </a:endParaRPr>
+              </a:p>
+            </p:txBody>
+          </p:sp>
+          <p:sp>
+            <p:nvSpPr>
+              <p:cNvPr id="14" name="object 9">
+                <a:extLst>
+                  <a:ext uri="{FF2B5EF4-FFF2-40B4-BE49-F238E27FC236}">
+                    <a16:creationId xmlns:a16="http://schemas.microsoft.com/office/drawing/2014/main" id="{813A8C6F-7F8B-F0B5-7E4B-418B173481E5}"/>
+                  </a:ext>
+                </a:extLst>
+              </p:cNvPr>
+              <p:cNvSpPr/>
+              <p:nvPr/>
+            </p:nvSpPr>
+            <p:spPr>
+              <a:xfrm>
+                <a:off x="2766060" y="3038855"/>
+                <a:ext cx="6659880" cy="3179445"/>
+              </a:xfrm>
+              <a:prstGeom prst="roundRect">
+                <a:avLst/>
+              </a:prstGeom>
+              <a:ln w="63500">
+                <a:solidFill>
+                  <a:srgbClr val="A4A4A4"/>
+                </a:solidFill>
+              </a:ln>
+            </p:spPr>
+            <p:txBody>
+              <a:bodyPr wrap="square" lIns="0" tIns="0" rIns="0" bIns="0" rtlCol="0"/>
+              <a:lstStyle/>
+              <a:p>
+                <a:pPr marL="0" marR="0" lvl="0" indent="0" algn="l" defTabSz="914400" rtl="0" eaLnBrk="1" fontAlgn="auto" latinLnBrk="0" hangingPunct="1">
+                  <a:lnSpc>
+                    <a:spcPct val="100000"/>
+                  </a:lnSpc>
+                  <a:spcBef>
+                    <a:spcPts val="0"/>
+                  </a:spcBef>
+                  <a:spcAft>
+                    <a:spcPts val="0"/>
+                  </a:spcAft>
+                  <a:buClrTx/>
+                  <a:buSzTx/>
+                  <a:buFontTx/>
+                  <a:buNone/>
+                  <a:tabLst/>
+                  <a:defRPr/>
+                </a:pPr>
+                <a:endParaRPr kumimoji="0" sz="1800" b="0" i="0" u="none" strike="noStrike" kern="1200" cap="none" spc="0" normalizeH="0" baseline="0" noProof="0" dirty="0">
+                  <a:ln>
+                    <a:noFill/>
+                  </a:ln>
+                  <a:solidFill>
+                    <a:prstClr val="black"/>
+                  </a:solidFill>
+                  <a:effectLst/>
+                  <a:uLnTx/>
+                  <a:uFillTx/>
+                  <a:latin typeface="Calibri"/>
+                  <a:ea typeface="+mn-ea"/>
+                  <a:cs typeface="+mn-cs"/>
+                </a:endParaRPr>
+              </a:p>
+            </p:txBody>
+          </p:sp>
+        </p:grpSp>
+        <p:sp>
+          <p:nvSpPr>
+            <p:cNvPr id="8" name="TextBox 7">
+              <a:extLst>
+                <a:ext uri="{FF2B5EF4-FFF2-40B4-BE49-F238E27FC236}">
+                  <a16:creationId xmlns:a16="http://schemas.microsoft.com/office/drawing/2014/main" id="{80AC0849-C701-747C-B7FC-5E8417623E07}"/>
+                </a:ext>
+              </a:extLst>
+            </p:cNvPr>
+            <p:cNvSpPr txBox="1"/>
+            <p:nvPr/>
+          </p:nvSpPr>
+          <p:spPr>
+            <a:xfrm>
+              <a:off x="2786555" y="4821528"/>
+              <a:ext cx="6102990" cy="369335"/>
+            </a:xfrm>
+            <a:prstGeom prst="rect">
+              <a:avLst/>
+            </a:prstGeom>
+            <a:noFill/>
+          </p:spPr>
+          <p:txBody>
+            <a:bodyPr wrap="square">
+              <a:spAutoFit/>
+            </a:bodyPr>
+            <a:lstStyle/>
+            <a:p>
+              <a:r>
+                <a:rPr lang="en-AU" b="0" dirty="0">
+                  <a:solidFill>
+                    <a:srgbClr val="808080"/>
+                  </a:solidFill>
+                  <a:effectLst/>
+                  <a:latin typeface="Consolas" panose="020B0609020204030204" pitchFamily="49" charset="0"/>
+                </a:rPr>
+                <a:t>&lt;</a:t>
+              </a:r>
+              <a:r>
+                <a:rPr lang="en-AU" b="0" dirty="0">
+                  <a:solidFill>
+                    <a:srgbClr val="569CD6"/>
+                  </a:solidFill>
+                  <a:effectLst/>
+                  <a:latin typeface="Consolas" panose="020B0609020204030204" pitchFamily="49" charset="0"/>
+                </a:rPr>
+                <a:t>link</a:t>
+              </a:r>
+              <a:r>
+                <a:rPr lang="en-AU" b="0" dirty="0">
+                  <a:solidFill>
+                    <a:srgbClr val="D4D4D4"/>
+                  </a:solidFill>
+                  <a:effectLst/>
+                  <a:latin typeface="Consolas" panose="020B0609020204030204" pitchFamily="49" charset="0"/>
+                </a:rPr>
+                <a:t> </a:t>
+              </a:r>
+              <a:r>
+                <a:rPr lang="en-AU" b="0" dirty="0" err="1">
+                  <a:solidFill>
+                    <a:srgbClr val="9CDCFE"/>
+                  </a:solidFill>
+                  <a:effectLst/>
+                  <a:latin typeface="Consolas" panose="020B0609020204030204" pitchFamily="49" charset="0"/>
+                </a:rPr>
+                <a:t>rel</a:t>
+              </a:r>
+              <a:r>
+                <a:rPr lang="en-AU" b="0" dirty="0">
+                  <a:solidFill>
+                    <a:srgbClr val="D4D4D4"/>
+                  </a:solidFill>
+                  <a:effectLst/>
+                  <a:latin typeface="Consolas" panose="020B0609020204030204" pitchFamily="49" charset="0"/>
+                </a:rPr>
+                <a:t>=</a:t>
+              </a:r>
+              <a:r>
+                <a:rPr lang="en-AU" b="0" dirty="0">
+                  <a:solidFill>
+                    <a:srgbClr val="CE9178"/>
+                  </a:solidFill>
+                  <a:effectLst/>
+                  <a:latin typeface="Consolas" panose="020B0609020204030204" pitchFamily="49" charset="0"/>
+                </a:rPr>
+                <a:t>"stylesheet"</a:t>
+              </a:r>
+              <a:r>
+                <a:rPr lang="en-AU" b="0" dirty="0">
+                  <a:solidFill>
+                    <a:srgbClr val="D4D4D4"/>
+                  </a:solidFill>
+                  <a:effectLst/>
+                  <a:latin typeface="Consolas" panose="020B0609020204030204" pitchFamily="49" charset="0"/>
+                </a:rPr>
+                <a:t> </a:t>
+              </a:r>
+              <a:r>
+                <a:rPr lang="en-AU" b="0" dirty="0" err="1">
+                  <a:solidFill>
+                    <a:srgbClr val="9CDCFE"/>
+                  </a:solidFill>
+                  <a:effectLst/>
+                  <a:latin typeface="Consolas" panose="020B0609020204030204" pitchFamily="49" charset="0"/>
+                </a:rPr>
+                <a:t>href</a:t>
+              </a:r>
+              <a:r>
+                <a:rPr lang="en-AU" b="0" dirty="0">
+                  <a:solidFill>
+                    <a:srgbClr val="D4D4D4"/>
+                  </a:solidFill>
+                  <a:effectLst/>
+                  <a:latin typeface="Consolas" panose="020B0609020204030204" pitchFamily="49" charset="0"/>
+                </a:rPr>
+                <a:t>=</a:t>
+              </a:r>
+              <a:r>
+                <a:rPr lang="en-AU" b="0" dirty="0">
+                  <a:solidFill>
+                    <a:srgbClr val="CE9178"/>
+                  </a:solidFill>
+                  <a:effectLst/>
+                  <a:latin typeface="Consolas" panose="020B0609020204030204" pitchFamily="49" charset="0"/>
+                </a:rPr>
+                <a:t>"styles.css"</a:t>
+              </a:r>
+              <a:r>
+                <a:rPr lang="en-AU" b="0" dirty="0">
+                  <a:solidFill>
+                    <a:srgbClr val="808080"/>
+                  </a:solidFill>
+                  <a:effectLst/>
+                  <a:latin typeface="Consolas" panose="020B0609020204030204" pitchFamily="49" charset="0"/>
+                </a:rPr>
+                <a:t>&gt;</a:t>
+              </a:r>
+              <a:endParaRPr lang="en-AU" b="0" dirty="0">
+                <a:solidFill>
+                  <a:srgbClr val="D4D4D4"/>
+                </a:solidFill>
+                <a:effectLst/>
+                <a:latin typeface="Consolas" panose="020B0609020204030204" pitchFamily="49" charset="0"/>
+              </a:endParaRPr>
+            </a:p>
+          </p:txBody>
+        </p:sp>
+      </p:grpSp>
+      <p:sp>
+        <p:nvSpPr>
+          <p:cNvPr id="16" name="TextBox 15">
             <a:extLst>
-              <a:ext uri="{28A0092B-C50C-407E-A947-70E740481C1C}">
-                <a14:useLocalDpi xmlns:a14="http://schemas.microsoft.com/office/drawing/2010/main" val="0"/>
+              <a:ext uri="{FF2B5EF4-FFF2-40B4-BE49-F238E27FC236}">
+                <a16:creationId xmlns:a16="http://schemas.microsoft.com/office/drawing/2014/main" id="{FDAE7B7C-6FBE-D17B-39B2-11D4141D5864}"/>
               </a:ext>
             </a:extLst>
-          </a:blip>
-          <a:srcRect/>
-          <a:stretch>
-            <a:fillRect/>
-          </a:stretch>
-        </p:blipFill>
-        <p:spPr bwMode="auto">
+          </p:cNvPr>
+          <p:cNvSpPr txBox="1"/>
+          <p:nvPr/>
+        </p:nvSpPr>
+        <p:spPr>
           <a:xfrm>
-            <a:off x="1719743" y="2654244"/>
-            <a:ext cx="8204433" cy="3515728"/>
+            <a:off x="1734214" y="1852040"/>
+            <a:ext cx="2340528" cy="954107"/>
           </a:xfrm>
           <a:prstGeom prst="rect">
             <a:avLst/>
           </a:prstGeom>
           <a:noFill/>
-          <a:extLst>
-            <a:ext uri="{909E8E84-426E-40DD-AFC4-6F175D3DCCD1}">
-              <a14:hiddenFill xmlns:a14="http://schemas.microsoft.com/office/drawing/2010/main">
-                <a:solidFill>
-                  <a:srgbClr val="FFFFFF"/>
-                </a:solidFill>
-              </a14:hiddenFill>
-            </a:ext>
-          </a:extLst>
         </p:spPr>
-      </p:pic>
+        <p:txBody>
+          <a:bodyPr wrap="square" rtlCol="0">
+            <a:spAutoFit/>
+          </a:bodyPr>
+          <a:lstStyle/>
+          <a:p>
+            <a:r>
+              <a:rPr lang="en-US" sz="2800" b="1" dirty="0"/>
+              <a:t>Method #1:</a:t>
+            </a:r>
+          </a:p>
+          <a:p>
+            <a:r>
+              <a:rPr lang="en-US" sz="2800" dirty="0"/>
+              <a:t>External file</a:t>
+            </a:r>
+            <a:endParaRPr lang="en-AU" sz="2800" dirty="0"/>
+          </a:p>
+        </p:txBody>
+      </p:sp>
+      <p:sp>
+        <p:nvSpPr>
+          <p:cNvPr id="18" name="TextBox 17">
+            <a:extLst>
+              <a:ext uri="{FF2B5EF4-FFF2-40B4-BE49-F238E27FC236}">
+                <a16:creationId xmlns:a16="http://schemas.microsoft.com/office/drawing/2014/main" id="{A3AAF602-D800-190B-8349-D10BF2CBBEF3}"/>
+              </a:ext>
+            </a:extLst>
+          </p:cNvPr>
+          <p:cNvSpPr txBox="1"/>
+          <p:nvPr/>
+        </p:nvSpPr>
+        <p:spPr>
+          <a:xfrm>
+            <a:off x="1734213" y="3768705"/>
+            <a:ext cx="2837785" cy="954107"/>
+          </a:xfrm>
+          <a:prstGeom prst="rect">
+            <a:avLst/>
+          </a:prstGeom>
+          <a:noFill/>
+        </p:spPr>
+        <p:txBody>
+          <a:bodyPr wrap="square" rtlCol="0">
+            <a:spAutoFit/>
+          </a:bodyPr>
+          <a:lstStyle/>
+          <a:p>
+            <a:r>
+              <a:rPr lang="en-US" sz="2800" b="1" dirty="0"/>
+              <a:t>Method #2:</a:t>
+            </a:r>
+          </a:p>
+          <a:p>
+            <a:r>
+              <a:rPr lang="en-US" sz="2800" dirty="0"/>
+              <a:t>Style HTML tag</a:t>
+            </a:r>
+            <a:endParaRPr lang="en-AU" sz="2800" dirty="0"/>
+          </a:p>
+        </p:txBody>
+      </p:sp>
+      <p:sp>
+        <p:nvSpPr>
+          <p:cNvPr id="20" name="TextBox 19">
+            <a:extLst>
+              <a:ext uri="{FF2B5EF4-FFF2-40B4-BE49-F238E27FC236}">
+                <a16:creationId xmlns:a16="http://schemas.microsoft.com/office/drawing/2014/main" id="{205B5A84-5246-7C38-E5E5-45DD1BF61EB1}"/>
+              </a:ext>
+            </a:extLst>
+          </p:cNvPr>
+          <p:cNvSpPr txBox="1"/>
+          <p:nvPr/>
+        </p:nvSpPr>
+        <p:spPr>
+          <a:xfrm>
+            <a:off x="1794335" y="5423760"/>
+            <a:ext cx="2340528" cy="954107"/>
+          </a:xfrm>
+          <a:prstGeom prst="rect">
+            <a:avLst/>
+          </a:prstGeom>
+          <a:noFill/>
+        </p:spPr>
+        <p:txBody>
+          <a:bodyPr wrap="square" rtlCol="0">
+            <a:spAutoFit/>
+          </a:bodyPr>
+          <a:lstStyle/>
+          <a:p>
+            <a:r>
+              <a:rPr lang="en-US" sz="2800" b="1" dirty="0"/>
+              <a:t>Method #3:</a:t>
+            </a:r>
+          </a:p>
+          <a:p>
+            <a:r>
+              <a:rPr lang="en-US" sz="2800" dirty="0"/>
+              <a:t>Inline</a:t>
+            </a:r>
+            <a:endParaRPr lang="en-AU" sz="2800" dirty="0"/>
+          </a:p>
+        </p:txBody>
+      </p:sp>
+      <p:grpSp>
+        <p:nvGrpSpPr>
+          <p:cNvPr id="21" name="Group 20">
+            <a:extLst>
+              <a:ext uri="{FF2B5EF4-FFF2-40B4-BE49-F238E27FC236}">
+                <a16:creationId xmlns:a16="http://schemas.microsoft.com/office/drawing/2014/main" id="{2558C662-2BAD-A44B-2D65-28B64F72D871}"/>
+              </a:ext>
+            </a:extLst>
+          </p:cNvPr>
+          <p:cNvGrpSpPr/>
+          <p:nvPr/>
+        </p:nvGrpSpPr>
+        <p:grpSpPr>
+          <a:xfrm>
+            <a:off x="4687139" y="3098681"/>
+            <a:ext cx="6659880" cy="1795702"/>
+            <a:chOff x="2229665" y="4181805"/>
+            <a:chExt cx="6659880" cy="9878680"/>
+          </a:xfrm>
+        </p:grpSpPr>
+        <p:grpSp>
+          <p:nvGrpSpPr>
+            <p:cNvPr id="22" name="object 7">
+              <a:extLst>
+                <a:ext uri="{FF2B5EF4-FFF2-40B4-BE49-F238E27FC236}">
+                  <a16:creationId xmlns:a16="http://schemas.microsoft.com/office/drawing/2014/main" id="{10072AA0-1028-0F45-1800-06093B4C2284}"/>
+                </a:ext>
+              </a:extLst>
+            </p:cNvPr>
+            <p:cNvGrpSpPr/>
+            <p:nvPr/>
+          </p:nvGrpSpPr>
+          <p:grpSpPr>
+            <a:xfrm>
+              <a:off x="2229665" y="4181805"/>
+              <a:ext cx="6659880" cy="9878680"/>
+              <a:chOff x="2766060" y="3038853"/>
+              <a:chExt cx="6659880" cy="9279299"/>
+            </a:xfrm>
+          </p:grpSpPr>
+          <p:sp>
+            <p:nvSpPr>
+              <p:cNvPr id="24" name="object 8">
+                <a:extLst>
+                  <a:ext uri="{FF2B5EF4-FFF2-40B4-BE49-F238E27FC236}">
+                    <a16:creationId xmlns:a16="http://schemas.microsoft.com/office/drawing/2014/main" id="{E555D409-4190-3E94-58CD-5C980899202B}"/>
+                  </a:ext>
+                </a:extLst>
+              </p:cNvPr>
+              <p:cNvSpPr/>
+              <p:nvPr/>
+            </p:nvSpPr>
+            <p:spPr>
+              <a:xfrm>
+                <a:off x="2766060" y="3038853"/>
+                <a:ext cx="6659880" cy="9279299"/>
+              </a:xfrm>
+              <a:prstGeom prst="roundRect">
+                <a:avLst/>
+              </a:prstGeom>
+              <a:solidFill>
+                <a:srgbClr val="1E1E1E"/>
+              </a:solidFill>
+            </p:spPr>
+            <p:txBody>
+              <a:bodyPr wrap="square" lIns="0" tIns="0" rIns="0" bIns="0" rtlCol="0"/>
+              <a:lstStyle/>
+              <a:p>
+                <a:pPr marL="0" marR="0" lvl="0" indent="0" algn="l" defTabSz="914400" rtl="0" eaLnBrk="1" fontAlgn="auto" latinLnBrk="0" hangingPunct="1">
+                  <a:lnSpc>
+                    <a:spcPct val="100000"/>
+                  </a:lnSpc>
+                  <a:spcBef>
+                    <a:spcPts val="0"/>
+                  </a:spcBef>
+                  <a:spcAft>
+                    <a:spcPts val="0"/>
+                  </a:spcAft>
+                  <a:buClrTx/>
+                  <a:buSzTx/>
+                  <a:buFontTx/>
+                  <a:buNone/>
+                  <a:tabLst/>
+                  <a:defRPr/>
+                </a:pPr>
+                <a:endParaRPr kumimoji="0" sz="1800" b="0" i="0" u="none" strike="noStrike" kern="1200" cap="none" spc="0" normalizeH="0" baseline="0" noProof="0" dirty="0">
+                  <a:ln>
+                    <a:noFill/>
+                  </a:ln>
+                  <a:solidFill>
+                    <a:prstClr val="black"/>
+                  </a:solidFill>
+                  <a:effectLst/>
+                  <a:uLnTx/>
+                  <a:uFillTx/>
+                  <a:latin typeface="Calibri"/>
+                  <a:ea typeface="+mn-ea"/>
+                  <a:cs typeface="+mn-cs"/>
+                </a:endParaRPr>
+              </a:p>
+            </p:txBody>
+          </p:sp>
+          <p:sp>
+            <p:nvSpPr>
+              <p:cNvPr id="25" name="object 9">
+                <a:extLst>
+                  <a:ext uri="{FF2B5EF4-FFF2-40B4-BE49-F238E27FC236}">
+                    <a16:creationId xmlns:a16="http://schemas.microsoft.com/office/drawing/2014/main" id="{71CE38DD-25A4-6F15-25E7-BFF6F835D190}"/>
+                  </a:ext>
+                </a:extLst>
+              </p:cNvPr>
+              <p:cNvSpPr/>
+              <p:nvPr/>
+            </p:nvSpPr>
+            <p:spPr>
+              <a:xfrm>
+                <a:off x="2766060" y="3038853"/>
+                <a:ext cx="6659880" cy="9279299"/>
+              </a:xfrm>
+              <a:prstGeom prst="roundRect">
+                <a:avLst/>
+              </a:prstGeom>
+              <a:ln w="63500">
+                <a:solidFill>
+                  <a:srgbClr val="A4A4A4"/>
+                </a:solidFill>
+              </a:ln>
+            </p:spPr>
+            <p:txBody>
+              <a:bodyPr wrap="square" lIns="0" tIns="0" rIns="0" bIns="0" rtlCol="0"/>
+              <a:lstStyle/>
+              <a:p>
+                <a:pPr marL="0" marR="0" lvl="0" indent="0" algn="l" defTabSz="914400" rtl="0" eaLnBrk="1" fontAlgn="auto" latinLnBrk="0" hangingPunct="1">
+                  <a:lnSpc>
+                    <a:spcPct val="100000"/>
+                  </a:lnSpc>
+                  <a:spcBef>
+                    <a:spcPts val="0"/>
+                  </a:spcBef>
+                  <a:spcAft>
+                    <a:spcPts val="0"/>
+                  </a:spcAft>
+                  <a:buClrTx/>
+                  <a:buSzTx/>
+                  <a:buFontTx/>
+                  <a:buNone/>
+                  <a:tabLst/>
+                  <a:defRPr/>
+                </a:pPr>
+                <a:endParaRPr kumimoji="0" sz="1800" b="0" i="0" u="none" strike="noStrike" kern="1200" cap="none" spc="0" normalizeH="0" baseline="0" noProof="0" dirty="0">
+                  <a:ln>
+                    <a:noFill/>
+                  </a:ln>
+                  <a:solidFill>
+                    <a:prstClr val="black"/>
+                  </a:solidFill>
+                  <a:effectLst/>
+                  <a:uLnTx/>
+                  <a:uFillTx/>
+                  <a:latin typeface="Calibri"/>
+                  <a:ea typeface="+mn-ea"/>
+                  <a:cs typeface="+mn-cs"/>
+                </a:endParaRPr>
+              </a:p>
+            </p:txBody>
+          </p:sp>
+        </p:grpSp>
+        <p:sp>
+          <p:nvSpPr>
+            <p:cNvPr id="23" name="TextBox 22">
+              <a:extLst>
+                <a:ext uri="{FF2B5EF4-FFF2-40B4-BE49-F238E27FC236}">
+                  <a16:creationId xmlns:a16="http://schemas.microsoft.com/office/drawing/2014/main" id="{925BC8EC-80E9-EEAE-61DE-69E5013EA529}"/>
+                </a:ext>
+              </a:extLst>
+            </p:cNvPr>
+            <p:cNvSpPr txBox="1"/>
+            <p:nvPr/>
+          </p:nvSpPr>
+          <p:spPr>
+            <a:xfrm>
+              <a:off x="2786555" y="4821528"/>
+              <a:ext cx="6102990" cy="8127212"/>
+            </a:xfrm>
+            <a:prstGeom prst="rect">
+              <a:avLst/>
+            </a:prstGeom>
+            <a:noFill/>
+          </p:spPr>
+          <p:txBody>
+            <a:bodyPr wrap="square">
+              <a:spAutoFit/>
+            </a:bodyPr>
+            <a:lstStyle/>
+            <a:p>
+              <a:r>
+                <a:rPr lang="en-US" b="0" dirty="0">
+                  <a:solidFill>
+                    <a:srgbClr val="808080"/>
+                  </a:solidFill>
+                  <a:effectLst/>
+                  <a:latin typeface="Consolas" panose="020B0609020204030204" pitchFamily="49" charset="0"/>
+                </a:rPr>
+                <a:t>&lt;</a:t>
+              </a:r>
+              <a:r>
+                <a:rPr lang="en-US" b="0" dirty="0">
+                  <a:solidFill>
+                    <a:srgbClr val="569CD6"/>
+                  </a:solidFill>
+                  <a:effectLst/>
+                  <a:latin typeface="Consolas" panose="020B0609020204030204" pitchFamily="49" charset="0"/>
+                </a:rPr>
+                <a:t>style</a:t>
+              </a:r>
+              <a:r>
+                <a:rPr lang="en-US" b="0" dirty="0">
+                  <a:solidFill>
+                    <a:srgbClr val="808080"/>
+                  </a:solidFill>
+                  <a:effectLst/>
+                  <a:latin typeface="Consolas" panose="020B0609020204030204" pitchFamily="49" charset="0"/>
+                </a:rPr>
+                <a:t>&gt;</a:t>
+              </a:r>
+              <a:endParaRPr lang="en-US" b="0" dirty="0">
+                <a:solidFill>
+                  <a:srgbClr val="D4D4D4"/>
+                </a:solidFill>
+                <a:effectLst/>
+                <a:latin typeface="Consolas" panose="020B0609020204030204" pitchFamily="49" charset="0"/>
+              </a:endParaRPr>
+            </a:p>
+            <a:p>
+              <a:r>
+                <a:rPr lang="en-US" b="0" dirty="0">
+                  <a:solidFill>
+                    <a:srgbClr val="D4D4D4"/>
+                  </a:solidFill>
+                  <a:effectLst/>
+                  <a:latin typeface="Consolas" panose="020B0609020204030204" pitchFamily="49" charset="0"/>
+                </a:rPr>
+                <a:t>    </a:t>
+              </a:r>
+              <a:r>
+                <a:rPr lang="en-US" b="0" dirty="0">
+                  <a:solidFill>
+                    <a:srgbClr val="D7BA7D"/>
+                  </a:solidFill>
+                  <a:effectLst/>
+                  <a:latin typeface="Consolas" panose="020B0609020204030204" pitchFamily="49" charset="0"/>
+                </a:rPr>
+                <a:t>.my-element-class</a:t>
+              </a:r>
+              <a:r>
+                <a:rPr lang="en-US" b="0" dirty="0">
+                  <a:solidFill>
+                    <a:srgbClr val="D4D4D4"/>
+                  </a:solidFill>
+                  <a:effectLst/>
+                  <a:latin typeface="Consolas" panose="020B0609020204030204" pitchFamily="49" charset="0"/>
+                </a:rPr>
+                <a:t> {</a:t>
+              </a:r>
+            </a:p>
+            <a:p>
+              <a:r>
+                <a:rPr lang="en-US" b="0" dirty="0">
+                  <a:solidFill>
+                    <a:srgbClr val="D4D4D4"/>
+                  </a:solidFill>
+                  <a:effectLst/>
+                  <a:latin typeface="Consolas" panose="020B0609020204030204" pitchFamily="49" charset="0"/>
+                </a:rPr>
+                <a:t>        </a:t>
+              </a:r>
+              <a:r>
+                <a:rPr lang="en-US" b="0" dirty="0">
+                  <a:solidFill>
+                    <a:srgbClr val="9CDCFE"/>
+                  </a:solidFill>
+                  <a:effectLst/>
+                  <a:latin typeface="Consolas" panose="020B0609020204030204" pitchFamily="49" charset="0"/>
+                </a:rPr>
+                <a:t>color</a:t>
+              </a:r>
+              <a:r>
+                <a:rPr lang="en-US" b="0" dirty="0">
+                  <a:solidFill>
+                    <a:srgbClr val="D4D4D4"/>
+                  </a:solidFill>
+                  <a:effectLst/>
+                  <a:latin typeface="Consolas" panose="020B0609020204030204" pitchFamily="49" charset="0"/>
+                </a:rPr>
+                <a:t>: </a:t>
+              </a:r>
+              <a:r>
+                <a:rPr lang="en-US" b="0" dirty="0">
+                  <a:solidFill>
+                    <a:srgbClr val="CE9178"/>
+                  </a:solidFill>
+                  <a:effectLst/>
+                  <a:latin typeface="Consolas" panose="020B0609020204030204" pitchFamily="49" charset="0"/>
+                </a:rPr>
+                <a:t>white</a:t>
+              </a:r>
+              <a:r>
+                <a:rPr lang="en-US" b="0" dirty="0">
+                  <a:solidFill>
+                    <a:srgbClr val="D4D4D4"/>
+                  </a:solidFill>
+                  <a:effectLst/>
+                  <a:latin typeface="Consolas" panose="020B0609020204030204" pitchFamily="49" charset="0"/>
+                </a:rPr>
+                <a:t>;</a:t>
+              </a:r>
+            </a:p>
+            <a:p>
+              <a:r>
+                <a:rPr lang="en-US" b="0" dirty="0">
+                  <a:solidFill>
+                    <a:srgbClr val="D4D4D4"/>
+                  </a:solidFill>
+                  <a:effectLst/>
+                  <a:latin typeface="Consolas" panose="020B0609020204030204" pitchFamily="49" charset="0"/>
+                </a:rPr>
+                <a:t>    }</a:t>
+              </a:r>
+            </a:p>
+            <a:p>
+              <a:r>
+                <a:rPr lang="en-US" b="0" dirty="0">
+                  <a:solidFill>
+                    <a:srgbClr val="808080"/>
+                  </a:solidFill>
+                  <a:effectLst/>
+                  <a:latin typeface="Consolas" panose="020B0609020204030204" pitchFamily="49" charset="0"/>
+                </a:rPr>
+                <a:t>&lt;/</a:t>
+              </a:r>
+              <a:r>
+                <a:rPr lang="en-US" b="0" dirty="0">
+                  <a:solidFill>
+                    <a:srgbClr val="569CD6"/>
+                  </a:solidFill>
+                  <a:effectLst/>
+                  <a:latin typeface="Consolas" panose="020B0609020204030204" pitchFamily="49" charset="0"/>
+                </a:rPr>
+                <a:t>style</a:t>
+              </a:r>
+              <a:r>
+                <a:rPr lang="en-US" b="0" dirty="0">
+                  <a:solidFill>
+                    <a:srgbClr val="808080"/>
+                  </a:solidFill>
+                  <a:effectLst/>
+                  <a:latin typeface="Consolas" panose="020B0609020204030204" pitchFamily="49" charset="0"/>
+                </a:rPr>
+                <a:t>&gt;</a:t>
+              </a:r>
+              <a:endParaRPr lang="en-US" b="0" dirty="0">
+                <a:solidFill>
+                  <a:srgbClr val="D4D4D4"/>
+                </a:solidFill>
+                <a:effectLst/>
+                <a:latin typeface="Consolas" panose="020B0609020204030204" pitchFamily="49" charset="0"/>
+              </a:endParaRPr>
+            </a:p>
+          </p:txBody>
+        </p:sp>
+      </p:grpSp>
+      <p:grpSp>
+        <p:nvGrpSpPr>
+          <p:cNvPr id="26" name="Group 25">
+            <a:extLst>
+              <a:ext uri="{FF2B5EF4-FFF2-40B4-BE49-F238E27FC236}">
+                <a16:creationId xmlns:a16="http://schemas.microsoft.com/office/drawing/2014/main" id="{18CAD958-E99F-FF9B-235A-725271E1D7B2}"/>
+              </a:ext>
+            </a:extLst>
+          </p:cNvPr>
+          <p:cNvGrpSpPr/>
+          <p:nvPr/>
+        </p:nvGrpSpPr>
+        <p:grpSpPr>
+          <a:xfrm>
+            <a:off x="4687139" y="5377731"/>
+            <a:ext cx="6659880" cy="615277"/>
+            <a:chOff x="2229665" y="4181805"/>
+            <a:chExt cx="6659880" cy="3384818"/>
+          </a:xfrm>
+        </p:grpSpPr>
+        <p:grpSp>
+          <p:nvGrpSpPr>
+            <p:cNvPr id="27" name="object 7">
+              <a:extLst>
+                <a:ext uri="{FF2B5EF4-FFF2-40B4-BE49-F238E27FC236}">
+                  <a16:creationId xmlns:a16="http://schemas.microsoft.com/office/drawing/2014/main" id="{2D9050A0-3853-D43A-6E65-CB7A1DB78F97}"/>
+                </a:ext>
+              </a:extLst>
+            </p:cNvPr>
+            <p:cNvGrpSpPr/>
+            <p:nvPr/>
+          </p:nvGrpSpPr>
+          <p:grpSpPr>
+            <a:xfrm>
+              <a:off x="2229665" y="4181805"/>
+              <a:ext cx="6659880" cy="3384818"/>
+              <a:chOff x="2766060" y="3038853"/>
+              <a:chExt cx="6659880" cy="3179447"/>
+            </a:xfrm>
+          </p:grpSpPr>
+          <p:sp>
+            <p:nvSpPr>
+              <p:cNvPr id="29" name="object 8">
+                <a:extLst>
+                  <a:ext uri="{FF2B5EF4-FFF2-40B4-BE49-F238E27FC236}">
+                    <a16:creationId xmlns:a16="http://schemas.microsoft.com/office/drawing/2014/main" id="{3F1DF27C-794A-4B59-627D-61A97F71ECA1}"/>
+                  </a:ext>
+                </a:extLst>
+              </p:cNvPr>
+              <p:cNvSpPr/>
+              <p:nvPr/>
+            </p:nvSpPr>
+            <p:spPr>
+              <a:xfrm>
+                <a:off x="2766060" y="3038853"/>
+                <a:ext cx="6659880" cy="3179445"/>
+              </a:xfrm>
+              <a:prstGeom prst="snip1Rect">
+                <a:avLst/>
+              </a:prstGeom>
+              <a:solidFill>
+                <a:srgbClr val="1E1E1E"/>
+              </a:solidFill>
+            </p:spPr>
+            <p:txBody>
+              <a:bodyPr wrap="square" lIns="0" tIns="0" rIns="0" bIns="0" rtlCol="0"/>
+              <a:lstStyle/>
+              <a:p>
+                <a:pPr marL="0" marR="0" lvl="0" indent="0" algn="l" defTabSz="914400" rtl="0" eaLnBrk="1" fontAlgn="auto" latinLnBrk="0" hangingPunct="1">
+                  <a:lnSpc>
+                    <a:spcPct val="100000"/>
+                  </a:lnSpc>
+                  <a:spcBef>
+                    <a:spcPts val="0"/>
+                  </a:spcBef>
+                  <a:spcAft>
+                    <a:spcPts val="0"/>
+                  </a:spcAft>
+                  <a:buClrTx/>
+                  <a:buSzTx/>
+                  <a:buFontTx/>
+                  <a:buNone/>
+                  <a:tabLst/>
+                  <a:defRPr/>
+                </a:pPr>
+                <a:endParaRPr kumimoji="0" sz="1800" b="0" i="0" u="none" strike="noStrike" kern="1200" cap="none" spc="0" normalizeH="0" baseline="0" noProof="0" dirty="0">
+                  <a:ln>
+                    <a:noFill/>
+                  </a:ln>
+                  <a:solidFill>
+                    <a:prstClr val="black"/>
+                  </a:solidFill>
+                  <a:effectLst/>
+                  <a:uLnTx/>
+                  <a:uFillTx/>
+                  <a:latin typeface="Calibri"/>
+                  <a:ea typeface="+mn-ea"/>
+                  <a:cs typeface="+mn-cs"/>
+                </a:endParaRPr>
+              </a:p>
+            </p:txBody>
+          </p:sp>
+          <p:sp>
+            <p:nvSpPr>
+              <p:cNvPr id="30" name="object 9">
+                <a:extLst>
+                  <a:ext uri="{FF2B5EF4-FFF2-40B4-BE49-F238E27FC236}">
+                    <a16:creationId xmlns:a16="http://schemas.microsoft.com/office/drawing/2014/main" id="{44F07F0A-E06D-B8BB-CA4C-0F1E720EBFCF}"/>
+                  </a:ext>
+                </a:extLst>
+              </p:cNvPr>
+              <p:cNvSpPr/>
+              <p:nvPr/>
+            </p:nvSpPr>
+            <p:spPr>
+              <a:xfrm>
+                <a:off x="2766060" y="3038855"/>
+                <a:ext cx="6659880" cy="3179445"/>
+              </a:xfrm>
+              <a:prstGeom prst="roundRect">
+                <a:avLst/>
+              </a:prstGeom>
+              <a:ln w="63500">
+                <a:solidFill>
+                  <a:srgbClr val="A4A4A4"/>
+                </a:solidFill>
+              </a:ln>
+            </p:spPr>
+            <p:txBody>
+              <a:bodyPr wrap="square" lIns="0" tIns="0" rIns="0" bIns="0" rtlCol="0"/>
+              <a:lstStyle/>
+              <a:p>
+                <a:pPr marL="0" marR="0" lvl="0" indent="0" algn="l" defTabSz="914400" rtl="0" eaLnBrk="1" fontAlgn="auto" latinLnBrk="0" hangingPunct="1">
+                  <a:lnSpc>
+                    <a:spcPct val="100000"/>
+                  </a:lnSpc>
+                  <a:spcBef>
+                    <a:spcPts val="0"/>
+                  </a:spcBef>
+                  <a:spcAft>
+                    <a:spcPts val="0"/>
+                  </a:spcAft>
+                  <a:buClrTx/>
+                  <a:buSzTx/>
+                  <a:buFontTx/>
+                  <a:buNone/>
+                  <a:tabLst/>
+                  <a:defRPr/>
+                </a:pPr>
+                <a:endParaRPr kumimoji="0" sz="1800" b="0" i="0" u="none" strike="noStrike" kern="1200" cap="none" spc="0" normalizeH="0" baseline="0" noProof="0" dirty="0">
+                  <a:ln>
+                    <a:noFill/>
+                  </a:ln>
+                  <a:solidFill>
+                    <a:prstClr val="black"/>
+                  </a:solidFill>
+                  <a:effectLst/>
+                  <a:uLnTx/>
+                  <a:uFillTx/>
+                  <a:latin typeface="Calibri"/>
+                  <a:ea typeface="+mn-ea"/>
+                  <a:cs typeface="+mn-cs"/>
+                </a:endParaRPr>
+              </a:p>
+            </p:txBody>
+          </p:sp>
+        </p:grpSp>
+        <p:sp>
+          <p:nvSpPr>
+            <p:cNvPr id="28" name="TextBox 27">
+              <a:extLst>
+                <a:ext uri="{FF2B5EF4-FFF2-40B4-BE49-F238E27FC236}">
+                  <a16:creationId xmlns:a16="http://schemas.microsoft.com/office/drawing/2014/main" id="{0C6DB37B-3339-1068-AEC7-4EED0157F62B}"/>
+                </a:ext>
+              </a:extLst>
+            </p:cNvPr>
+            <p:cNvSpPr txBox="1"/>
+            <p:nvPr/>
+          </p:nvSpPr>
+          <p:spPr>
+            <a:xfrm>
+              <a:off x="2585219" y="4858310"/>
+              <a:ext cx="6102990" cy="2031803"/>
+            </a:xfrm>
+            <a:prstGeom prst="rect">
+              <a:avLst/>
+            </a:prstGeom>
+            <a:noFill/>
+          </p:spPr>
+          <p:txBody>
+            <a:bodyPr wrap="square">
+              <a:spAutoFit/>
+            </a:bodyPr>
+            <a:lstStyle/>
+            <a:p>
+              <a:r>
+                <a:rPr lang="en-US" b="0" dirty="0">
+                  <a:solidFill>
+                    <a:srgbClr val="808080"/>
+                  </a:solidFill>
+                  <a:effectLst/>
+                  <a:latin typeface="Consolas" panose="020B0609020204030204" pitchFamily="49" charset="0"/>
+                </a:rPr>
+                <a:t>&lt;</a:t>
+              </a:r>
+              <a:r>
+                <a:rPr lang="en-US" b="0" dirty="0">
+                  <a:solidFill>
+                    <a:srgbClr val="569CD6"/>
+                  </a:solidFill>
+                  <a:effectLst/>
+                  <a:latin typeface="Consolas" panose="020B0609020204030204" pitchFamily="49" charset="0"/>
+                </a:rPr>
+                <a:t>button</a:t>
+              </a:r>
+              <a:r>
+                <a:rPr lang="en-US" b="0" dirty="0">
+                  <a:solidFill>
+                    <a:srgbClr val="D4D4D4"/>
+                  </a:solidFill>
+                  <a:effectLst/>
+                  <a:latin typeface="Consolas" panose="020B0609020204030204" pitchFamily="49" charset="0"/>
+                </a:rPr>
+                <a:t> </a:t>
+              </a:r>
+              <a:r>
+                <a:rPr lang="en-US" b="0" dirty="0">
+                  <a:solidFill>
+                    <a:srgbClr val="9CDCFE"/>
+                  </a:solidFill>
+                  <a:effectLst/>
+                  <a:latin typeface="Consolas" panose="020B0609020204030204" pitchFamily="49" charset="0"/>
+                </a:rPr>
+                <a:t>style</a:t>
+              </a:r>
+              <a:r>
+                <a:rPr lang="en-US" b="0" dirty="0">
+                  <a:solidFill>
+                    <a:srgbClr val="D4D4D4"/>
+                  </a:solidFill>
+                  <a:effectLst/>
+                  <a:latin typeface="Consolas" panose="020B0609020204030204" pitchFamily="49" charset="0"/>
+                </a:rPr>
+                <a:t>=</a:t>
+              </a:r>
+              <a:r>
+                <a:rPr lang="en-US" b="0" dirty="0">
+                  <a:solidFill>
+                    <a:srgbClr val="CE9178"/>
+                  </a:solidFill>
+                  <a:effectLst/>
+                  <a:latin typeface="Consolas" panose="020B0609020204030204" pitchFamily="49" charset="0"/>
+                </a:rPr>
+                <a:t>"</a:t>
+              </a:r>
+              <a:r>
+                <a:rPr lang="en-US" b="0" dirty="0" err="1">
+                  <a:solidFill>
+                    <a:srgbClr val="CE9178"/>
+                  </a:solidFill>
+                  <a:effectLst/>
+                  <a:latin typeface="Consolas" panose="020B0609020204030204" pitchFamily="49" charset="0"/>
+                </a:rPr>
+                <a:t>color:black</a:t>
+              </a:r>
+              <a:r>
+                <a:rPr lang="en-US" b="0" dirty="0">
+                  <a:solidFill>
+                    <a:srgbClr val="CE9178"/>
+                  </a:solidFill>
+                  <a:effectLst/>
+                  <a:latin typeface="Consolas" panose="020B0609020204030204" pitchFamily="49" charset="0"/>
+                </a:rPr>
+                <a:t>"</a:t>
+              </a:r>
+              <a:r>
+                <a:rPr lang="en-US" b="0" dirty="0">
+                  <a:solidFill>
+                    <a:srgbClr val="808080"/>
+                  </a:solidFill>
+                  <a:effectLst/>
+                  <a:latin typeface="Consolas" panose="020B0609020204030204" pitchFamily="49" charset="0"/>
+                </a:rPr>
+                <a:t>&gt;</a:t>
+              </a:r>
+              <a:r>
+                <a:rPr lang="en-US" b="0" dirty="0">
+                  <a:solidFill>
+                    <a:srgbClr val="D4D4D4"/>
+                  </a:solidFill>
+                  <a:effectLst/>
+                  <a:latin typeface="Consolas" panose="020B0609020204030204" pitchFamily="49" charset="0"/>
+                </a:rPr>
+                <a:t>Add To Bag</a:t>
+              </a:r>
+              <a:r>
+                <a:rPr lang="en-US" b="0" dirty="0">
+                  <a:solidFill>
+                    <a:srgbClr val="808080"/>
+                  </a:solidFill>
+                  <a:effectLst/>
+                  <a:latin typeface="Consolas" panose="020B0609020204030204" pitchFamily="49" charset="0"/>
+                </a:rPr>
+                <a:t>&lt;/</a:t>
+              </a:r>
+              <a:r>
+                <a:rPr lang="en-US" b="0" dirty="0">
+                  <a:solidFill>
+                    <a:srgbClr val="569CD6"/>
+                  </a:solidFill>
+                  <a:effectLst/>
+                  <a:latin typeface="Consolas" panose="020B0609020204030204" pitchFamily="49" charset="0"/>
+                </a:rPr>
+                <a:t>button</a:t>
+              </a:r>
+              <a:r>
+                <a:rPr lang="en-US" b="0" dirty="0">
+                  <a:solidFill>
+                    <a:srgbClr val="808080"/>
+                  </a:solidFill>
+                  <a:effectLst/>
+                  <a:latin typeface="Consolas" panose="020B0609020204030204" pitchFamily="49" charset="0"/>
+                </a:rPr>
+                <a:t>&gt;</a:t>
+              </a:r>
+              <a:endParaRPr lang="en-US" b="0" dirty="0">
+                <a:solidFill>
+                  <a:srgbClr val="D4D4D4"/>
+                </a:solidFill>
+                <a:effectLst/>
+                <a:latin typeface="Consolas" panose="020B0609020204030204" pitchFamily="49" charset="0"/>
+              </a:endParaRPr>
+            </a:p>
+          </p:txBody>
+        </p:sp>
+      </p:grpSp>
+      <p:sp>
+        <p:nvSpPr>
+          <p:cNvPr id="32" name="TextBox 31">
+            <a:extLst>
+              <a:ext uri="{FF2B5EF4-FFF2-40B4-BE49-F238E27FC236}">
+                <a16:creationId xmlns:a16="http://schemas.microsoft.com/office/drawing/2014/main" id="{DB6B2CCC-9436-7286-5702-5737A0AE1306}"/>
+              </a:ext>
+            </a:extLst>
+          </p:cNvPr>
+          <p:cNvSpPr txBox="1"/>
+          <p:nvPr/>
+        </p:nvSpPr>
+        <p:spPr>
+          <a:xfrm>
+            <a:off x="562972" y="1914004"/>
+            <a:ext cx="449931" cy="923330"/>
+          </a:xfrm>
+          <a:prstGeom prst="rect">
+            <a:avLst/>
+          </a:prstGeom>
+          <a:noFill/>
+        </p:spPr>
+        <p:txBody>
+          <a:bodyPr wrap="square">
+            <a:spAutoFit/>
+          </a:bodyPr>
+          <a:lstStyle/>
+          <a:p>
+            <a:r>
+              <a:rPr lang="en-AU" sz="5400" b="0" i="0" dirty="0">
+                <a:solidFill>
+                  <a:srgbClr val="333333"/>
+                </a:solidFill>
+                <a:effectLst/>
+                <a:latin typeface="Segoe UI Emoji" panose="020B0502040204020203" pitchFamily="34" charset="0"/>
+              </a:rPr>
+              <a:t>😇</a:t>
+            </a:r>
+            <a:endParaRPr lang="en-AU" sz="5400" dirty="0"/>
+          </a:p>
+        </p:txBody>
+      </p:sp>
+      <p:sp>
+        <p:nvSpPr>
+          <p:cNvPr id="34" name="TextBox 33">
+            <a:extLst>
+              <a:ext uri="{FF2B5EF4-FFF2-40B4-BE49-F238E27FC236}">
+                <a16:creationId xmlns:a16="http://schemas.microsoft.com/office/drawing/2014/main" id="{CEE8C42D-2FFE-E606-453F-3BDCAFF52701}"/>
+              </a:ext>
+            </a:extLst>
+          </p:cNvPr>
+          <p:cNvSpPr txBox="1"/>
+          <p:nvPr/>
+        </p:nvSpPr>
+        <p:spPr>
+          <a:xfrm>
+            <a:off x="567199" y="3746468"/>
+            <a:ext cx="1109444" cy="923330"/>
+          </a:xfrm>
+          <a:prstGeom prst="rect">
+            <a:avLst/>
+          </a:prstGeom>
+          <a:noFill/>
+        </p:spPr>
+        <p:txBody>
+          <a:bodyPr wrap="square">
+            <a:spAutoFit/>
+          </a:bodyPr>
+          <a:lstStyle/>
+          <a:p>
+            <a:r>
+              <a:rPr lang="en-AU" sz="5400" b="0" i="0" dirty="0">
+                <a:solidFill>
+                  <a:srgbClr val="333333"/>
+                </a:solidFill>
+                <a:effectLst/>
+                <a:latin typeface="Segoe UI Emoji" panose="020B0502040204020203" pitchFamily="34" charset="0"/>
+              </a:rPr>
+              <a:t>🙂</a:t>
+            </a:r>
+            <a:endParaRPr lang="en-AU" sz="5400" dirty="0"/>
+          </a:p>
+        </p:txBody>
+      </p:sp>
+      <p:sp>
+        <p:nvSpPr>
+          <p:cNvPr id="36" name="TextBox 35">
+            <a:extLst>
+              <a:ext uri="{FF2B5EF4-FFF2-40B4-BE49-F238E27FC236}">
+                <a16:creationId xmlns:a16="http://schemas.microsoft.com/office/drawing/2014/main" id="{5A02AC3B-686A-7196-9928-7C77D2395157}"/>
+              </a:ext>
+            </a:extLst>
+          </p:cNvPr>
+          <p:cNvSpPr txBox="1"/>
+          <p:nvPr/>
+        </p:nvSpPr>
+        <p:spPr>
+          <a:xfrm>
+            <a:off x="567199" y="5408370"/>
+            <a:ext cx="1109444" cy="923330"/>
+          </a:xfrm>
+          <a:prstGeom prst="rect">
+            <a:avLst/>
+          </a:prstGeom>
+          <a:noFill/>
+        </p:spPr>
+        <p:txBody>
+          <a:bodyPr wrap="square">
+            <a:spAutoFit/>
+          </a:bodyPr>
+          <a:lstStyle/>
+          <a:p>
+            <a:r>
+              <a:rPr lang="en-AU" sz="5400" b="0" i="0" dirty="0">
+                <a:solidFill>
+                  <a:srgbClr val="333333"/>
+                </a:solidFill>
+                <a:effectLst/>
+                <a:latin typeface="Segoe UI Emoji" panose="020B0502040204020203" pitchFamily="34" charset="0"/>
+              </a:rPr>
+              <a:t>😤</a:t>
+            </a:r>
+            <a:endParaRPr lang="en-AU" sz="5400" dirty="0"/>
+          </a:p>
+        </p:txBody>
+      </p:sp>
     </p:spTree>
     <p:extLst>
       <p:ext uri="{BB962C8B-B14F-4D97-AF65-F5344CB8AC3E}">
-        <p14:creationId xmlns:p14="http://schemas.microsoft.com/office/powerpoint/2010/main" val="3142619420"/>
+        <p14:creationId xmlns:p14="http://schemas.microsoft.com/office/powerpoint/2010/main" val="251798034"/>
       </p:ext>
     </p:extLst>
   </p:cSld>
@@ -6690,7 +9865,7 @@
 </p:sld>
 </file>
 
-<file path=ppt/slides/slide12.xml><?xml version="1.0" encoding="utf-8"?>
+<file path=ppt/slides/slide14.xml><?xml version="1.0" encoding="utf-8"?>
 <p:sld xmlns:a="http://schemas.openxmlformats.org/drawingml/2006/main" xmlns:r="http://schemas.openxmlformats.org/officeDocument/2006/relationships" xmlns:p="http://schemas.openxmlformats.org/presentationml/2006/main" showMasterSp="0">
   <p:cSld>
     <p:spTree>
@@ -7492,7 +10667,7 @@
         <p:spPr>
           <a:xfrm>
             <a:off x="916939" y="2965367"/>
-            <a:ext cx="9613900" cy="1497205"/>
+            <a:ext cx="9613900" cy="1317668"/>
           </a:xfrm>
           <a:prstGeom prst="rect">
             <a:avLst/>
@@ -7503,6 +10678,35 @@
             <a:spAutoFit/>
           </a:bodyPr>
           <a:lstStyle/>
+          <a:p>
+            <a:pPr marL="527685" indent="-515620">
+              <a:spcBef>
+                <a:spcPts val="95"/>
+              </a:spcBef>
+              <a:buFontTx/>
+              <a:buAutoNum type="arabicPeriod"/>
+              <a:tabLst>
+                <a:tab pos="527685" algn="l"/>
+                <a:tab pos="528320" algn="l"/>
+              </a:tabLst>
+            </a:pPr>
+            <a:r>
+              <a:rPr lang="en-US" sz="2800" u="heavy" dirty="0">
+                <a:solidFill>
+                  <a:srgbClr val="FFFFFF"/>
+                </a:solidFill>
+                <a:uFill>
+                  <a:solidFill>
+                    <a:srgbClr val="FFFFFF"/>
+                  </a:solidFill>
+                </a:uFill>
+                <a:latin typeface="Microsoft Sans Serif" panose="020B0604020202020204" pitchFamily="34" charset="0"/>
+                <a:ea typeface="Microsoft Sans Serif" panose="020B0604020202020204" pitchFamily="34" charset="0"/>
+                <a:cs typeface="Microsoft Sans Serif" panose="020B0604020202020204" pitchFamily="34" charset="0"/>
+              </a:rPr>
+              <a:t>More on advanced selectors!</a:t>
+            </a:r>
+          </a:p>
           <a:p>
             <a:pPr marL="527685" indent="-515620">
               <a:lnSpc>
@@ -7518,7 +10722,7 @@
               </a:tabLst>
             </a:pPr>
             <a:r>
-              <a:rPr lang="en-US" sz="2800" u="heavy" spc="-200" dirty="0">
+              <a:rPr lang="en-US" sz="2800" u="heavy" dirty="0">
                 <a:solidFill>
                   <a:srgbClr val="FFFFFF"/>
                 </a:solidFill>
@@ -7533,31 +10737,6 @@
               </a:rPr>
               <a:t>Learn commonly used and useful CSS properties</a:t>
             </a:r>
-            <a:endParaRPr sz="2800" dirty="0">
-              <a:latin typeface="Microsoft Sans Serif" panose="020B0604020202020204" pitchFamily="34" charset="0"/>
-              <a:ea typeface="Microsoft Sans Serif" panose="020B0604020202020204" pitchFamily="34" charset="0"/>
-              <a:cs typeface="Microsoft Sans Serif" panose="020B0604020202020204" pitchFamily="34" charset="0"/>
-            </a:endParaRPr>
-          </a:p>
-          <a:p>
-            <a:pPr>
-              <a:lnSpc>
-                <a:spcPct val="100000"/>
-              </a:lnSpc>
-              <a:spcBef>
-                <a:spcPts val="20"/>
-              </a:spcBef>
-              <a:buClr>
-                <a:srgbClr val="FFFFFF"/>
-              </a:buClr>
-              <a:buFont typeface="Arial MT"/>
-              <a:buAutoNum type="arabicPeriod"/>
-            </a:pPr>
-            <a:endParaRPr sz="4050" dirty="0">
-              <a:latin typeface="Microsoft Sans Serif" panose="020B0604020202020204" pitchFamily="34" charset="0"/>
-              <a:ea typeface="Microsoft Sans Serif" panose="020B0604020202020204" pitchFamily="34" charset="0"/>
-              <a:cs typeface="Microsoft Sans Serif" panose="020B0604020202020204" pitchFamily="34" charset="0"/>
-            </a:endParaRPr>
           </a:p>
           <a:p>
             <a:pPr marL="527685" indent="-515620">
@@ -7571,7 +10750,7 @@
               </a:tabLst>
             </a:pPr>
             <a:r>
-              <a:rPr lang="en-US" sz="2800" u="heavy" spc="-235" dirty="0">
+              <a:rPr lang="en-US" sz="2800" u="heavy" dirty="0">
                 <a:solidFill>
                   <a:srgbClr val="FFFFFF"/>
                 </a:solidFill>
@@ -7584,7 +10763,7 @@
                 <a:ea typeface="Microsoft Sans Serif" panose="020B0604020202020204" pitchFamily="34" charset="0"/>
                 <a:cs typeface="Microsoft Sans Serif" panose="020B0604020202020204" pitchFamily="34" charset="0"/>
               </a:rPr>
-              <a:t>More advanced selectors!</a:t>
+              <a:t>Connecting HTML and CSS</a:t>
             </a:r>
             <a:endParaRPr sz="2800" dirty="0">
               <a:latin typeface="Microsoft Sans Serif" panose="020B0604020202020204" pitchFamily="34" charset="0"/>
@@ -14361,7 +17540,7 @@
         </p:nvSpPr>
         <p:spPr>
           <a:xfrm>
-            <a:off x="0" y="0"/>
+            <a:off x="0" y="23070"/>
             <a:ext cx="12192000" cy="6858000"/>
           </a:xfrm>
           <a:custGeom>
@@ -15759,8 +18938,8 @@
         </p:nvSpPr>
         <p:spPr>
           <a:xfrm>
-            <a:off x="595618" y="2117487"/>
-            <a:ext cx="1635853" cy="646331"/>
+            <a:off x="399930" y="2117487"/>
+            <a:ext cx="1831542" cy="646331"/>
           </a:xfrm>
           <a:prstGeom prst="rect">
             <a:avLst/>
@@ -15774,10 +18953,18 @@
           <a:lstStyle/>
           <a:p>
             <a:r>
-              <a:rPr lang="en-US" dirty="0"/>
+              <a:rPr lang="en-US" dirty="0">
+                <a:latin typeface="Microsoft Sans Serif" panose="020B0604020202020204" pitchFamily="34" charset="0"/>
+                <a:ea typeface="Microsoft Sans Serif" panose="020B0604020202020204" pitchFamily="34" charset="0"/>
+                <a:cs typeface="Microsoft Sans Serif" panose="020B0604020202020204" pitchFamily="34" charset="0"/>
+              </a:rPr>
               <a:t>Selector. ‘.’ for HTML class</a:t>
             </a:r>
-            <a:endParaRPr lang="en-AU" dirty="0"/>
+            <a:endParaRPr lang="en-AU" dirty="0">
+              <a:latin typeface="Microsoft Sans Serif" panose="020B0604020202020204" pitchFamily="34" charset="0"/>
+              <a:ea typeface="Microsoft Sans Serif" panose="020B0604020202020204" pitchFamily="34" charset="0"/>
+              <a:cs typeface="Microsoft Sans Serif" panose="020B0604020202020204" pitchFamily="34" charset="0"/>
+            </a:endParaRPr>
           </a:p>
         </p:txBody>
       </p:sp>
@@ -15810,10 +18997,18 @@
           <a:lstStyle/>
           <a:p>
             <a:r>
-              <a:rPr lang="en-US" dirty="0"/>
+              <a:rPr lang="en-US" dirty="0">
+                <a:latin typeface="Microsoft Sans Serif" panose="020B0604020202020204" pitchFamily="34" charset="0"/>
+                <a:ea typeface="Microsoft Sans Serif" panose="020B0604020202020204" pitchFamily="34" charset="0"/>
+                <a:cs typeface="Microsoft Sans Serif" panose="020B0604020202020204" pitchFamily="34" charset="0"/>
+              </a:rPr>
               <a:t>Properties to change</a:t>
             </a:r>
-            <a:endParaRPr lang="en-AU" dirty="0"/>
+            <a:endParaRPr lang="en-AU" dirty="0">
+              <a:latin typeface="Microsoft Sans Serif" panose="020B0604020202020204" pitchFamily="34" charset="0"/>
+              <a:ea typeface="Microsoft Sans Serif" panose="020B0604020202020204" pitchFamily="34" charset="0"/>
+              <a:cs typeface="Microsoft Sans Serif" panose="020B0604020202020204" pitchFamily="34" charset="0"/>
+            </a:endParaRPr>
           </a:p>
         </p:txBody>
       </p:sp>
@@ -21642,7 +24837,7 @@
 </file>
 
 <file path=ppt/slides/slide9.xml><?xml version="1.0" encoding="utf-8"?>
-<p:sld xmlns:a="http://schemas.openxmlformats.org/drawingml/2006/main" xmlns:r="http://schemas.openxmlformats.org/officeDocument/2006/relationships" xmlns:p="http://schemas.openxmlformats.org/presentationml/2006/main" showMasterSp="0">
+<p:sld xmlns:a="http://schemas.openxmlformats.org/drawingml/2006/main" xmlns:r="http://schemas.openxmlformats.org/officeDocument/2006/relationships" xmlns:p="http://schemas.openxmlformats.org/presentationml/2006/main">
   <p:cSld>
     <p:spTree>
       <p:nvGrpSpPr>
@@ -21928,7 +25123,7 @@
         <p:spPr>
           <a:xfrm>
             <a:off x="916939" y="246380"/>
-            <a:ext cx="9477363" cy="689932"/>
+            <a:ext cx="7658734" cy="696595"/>
           </a:xfrm>
           <a:prstGeom prst="rect">
             <a:avLst/>
@@ -21949,835 +25144,57 @@
               </a:spcBef>
             </a:pPr>
             <a:r>
-              <a:rPr dirty="0"/>
-              <a:t>Basic CSS properties: Display</a:t>
-            </a:r>
+              <a:rPr spc="-20" dirty="0"/>
+              <a:t>Intro</a:t>
+            </a:r>
+            <a:r>
+              <a:rPr spc="145" dirty="0"/>
+              <a:t> </a:t>
+            </a:r>
+            <a:r>
+              <a:rPr spc="90" dirty="0"/>
+              <a:t>to</a:t>
+            </a:r>
+            <a:r>
+              <a:rPr spc="155" dirty="0"/>
+              <a:t> </a:t>
+            </a:r>
+            <a:r>
+              <a:rPr spc="-605" dirty="0"/>
+              <a:t>CSS</a:t>
+            </a:r>
+            <a:r>
+              <a:rPr spc="145" dirty="0"/>
+              <a:t> </a:t>
+            </a:r>
+            <a:r>
+              <a:rPr spc="-30" dirty="0"/>
+              <a:t>prop</a:t>
+            </a:r>
+            <a:r>
+              <a:rPr spc="-25" dirty="0"/>
+              <a:t>e</a:t>
+            </a:r>
+            <a:r>
+              <a:rPr spc="-80" dirty="0"/>
+              <a:t>rties</a:t>
+            </a:r>
+            <a:r>
+              <a:rPr spc="-55" dirty="0"/>
+              <a:t>:</a:t>
+            </a:r>
+            <a:r>
+              <a:rPr spc="120" dirty="0"/>
+              <a:t> </a:t>
+            </a:r>
+            <a:r>
+              <a:rPr lang="en-US" spc="-165" dirty="0"/>
+              <a:t>Position</a:t>
+            </a:r>
+            <a:endParaRPr spc="-165" dirty="0"/>
           </a:p>
         </p:txBody>
       </p:sp>
-      <p:grpSp>
-        <p:nvGrpSpPr>
-          <p:cNvPr id="7" name="object 7"/>
-          <p:cNvGrpSpPr/>
-          <p:nvPr/>
-        </p:nvGrpSpPr>
-        <p:grpSpPr>
-          <a:xfrm>
-            <a:off x="3159505" y="2142998"/>
-            <a:ext cx="5873115" cy="4549140"/>
-            <a:chOff x="3159505" y="2142998"/>
-            <a:chExt cx="5873115" cy="4549140"/>
-          </a:xfrm>
-        </p:grpSpPr>
-        <p:sp>
-          <p:nvSpPr>
-            <p:cNvPr id="8" name="object 8"/>
-            <p:cNvSpPr/>
-            <p:nvPr/>
-          </p:nvSpPr>
-          <p:spPr>
-            <a:xfrm>
-              <a:off x="3191255" y="2174748"/>
-              <a:ext cx="5809615" cy="4485640"/>
-            </a:xfrm>
-            <a:custGeom>
-              <a:avLst/>
-              <a:gdLst/>
-              <a:ahLst/>
-              <a:cxnLst/>
-              <a:rect l="l" t="t" r="r" b="b"/>
-              <a:pathLst>
-                <a:path w="5809615" h="4485640">
-                  <a:moveTo>
-                    <a:pt x="5061966" y="0"/>
-                  </a:moveTo>
-                  <a:lnTo>
-                    <a:pt x="747521" y="0"/>
-                  </a:lnTo>
-                  <a:lnTo>
-                    <a:pt x="700244" y="1470"/>
-                  </a:lnTo>
-                  <a:lnTo>
-                    <a:pt x="653748" y="5823"/>
-                  </a:lnTo>
-                  <a:lnTo>
-                    <a:pt x="608121" y="12972"/>
-                  </a:lnTo>
-                  <a:lnTo>
-                    <a:pt x="563452" y="22828"/>
-                  </a:lnTo>
-                  <a:lnTo>
-                    <a:pt x="519826" y="35304"/>
-                  </a:lnTo>
-                  <a:lnTo>
-                    <a:pt x="477333" y="50312"/>
-                  </a:lnTo>
-                  <a:lnTo>
-                    <a:pt x="436060" y="67766"/>
-                  </a:lnTo>
-                  <a:lnTo>
-                    <a:pt x="396093" y="87577"/>
-                  </a:lnTo>
-                  <a:lnTo>
-                    <a:pt x="357522" y="109658"/>
-                  </a:lnTo>
-                  <a:lnTo>
-                    <a:pt x="320432" y="133922"/>
-                  </a:lnTo>
-                  <a:lnTo>
-                    <a:pt x="284912" y="160280"/>
-                  </a:lnTo>
-                  <a:lnTo>
-                    <a:pt x="251050" y="188646"/>
-                  </a:lnTo>
-                  <a:lnTo>
-                    <a:pt x="218932" y="218932"/>
-                  </a:lnTo>
-                  <a:lnTo>
-                    <a:pt x="188646" y="251050"/>
-                  </a:lnTo>
-                  <a:lnTo>
-                    <a:pt x="160280" y="284912"/>
-                  </a:lnTo>
-                  <a:lnTo>
-                    <a:pt x="133922" y="320432"/>
-                  </a:lnTo>
-                  <a:lnTo>
-                    <a:pt x="109658" y="357522"/>
-                  </a:lnTo>
-                  <a:lnTo>
-                    <a:pt x="87577" y="396093"/>
-                  </a:lnTo>
-                  <a:lnTo>
-                    <a:pt x="67766" y="436060"/>
-                  </a:lnTo>
-                  <a:lnTo>
-                    <a:pt x="50312" y="477333"/>
-                  </a:lnTo>
-                  <a:lnTo>
-                    <a:pt x="35304" y="519826"/>
-                  </a:lnTo>
-                  <a:lnTo>
-                    <a:pt x="22828" y="563452"/>
-                  </a:lnTo>
-                  <a:lnTo>
-                    <a:pt x="12972" y="608121"/>
-                  </a:lnTo>
-                  <a:lnTo>
-                    <a:pt x="5823" y="653748"/>
-                  </a:lnTo>
-                  <a:lnTo>
-                    <a:pt x="1470" y="700244"/>
-                  </a:lnTo>
-                  <a:lnTo>
-                    <a:pt x="0" y="747522"/>
-                  </a:lnTo>
-                  <a:lnTo>
-                    <a:pt x="0" y="3737597"/>
-                  </a:lnTo>
-                  <a:lnTo>
-                    <a:pt x="1470" y="3784872"/>
-                  </a:lnTo>
-                  <a:lnTo>
-                    <a:pt x="5823" y="3831366"/>
-                  </a:lnTo>
-                  <a:lnTo>
-                    <a:pt x="12972" y="3876991"/>
-                  </a:lnTo>
-                  <a:lnTo>
-                    <a:pt x="22828" y="3921659"/>
-                  </a:lnTo>
-                  <a:lnTo>
-                    <a:pt x="35304" y="3965284"/>
-                  </a:lnTo>
-                  <a:lnTo>
-                    <a:pt x="50312" y="4007776"/>
-                  </a:lnTo>
-                  <a:lnTo>
-                    <a:pt x="67766" y="4049050"/>
-                  </a:lnTo>
-                  <a:lnTo>
-                    <a:pt x="87577" y="4089016"/>
-                  </a:lnTo>
-                  <a:lnTo>
-                    <a:pt x="109658" y="4127589"/>
-                  </a:lnTo>
-                  <a:lnTo>
-                    <a:pt x="133922" y="4164679"/>
-                  </a:lnTo>
-                  <a:lnTo>
-                    <a:pt x="160280" y="4200200"/>
-                  </a:lnTo>
-                  <a:lnTo>
-                    <a:pt x="188646" y="4234064"/>
-                  </a:lnTo>
-                  <a:lnTo>
-                    <a:pt x="218932" y="4266183"/>
-                  </a:lnTo>
-                  <a:lnTo>
-                    <a:pt x="251050" y="4296471"/>
-                  </a:lnTo>
-                  <a:lnTo>
-                    <a:pt x="284912" y="4324838"/>
-                  </a:lnTo>
-                  <a:lnTo>
-                    <a:pt x="320432" y="4351198"/>
-                  </a:lnTo>
-                  <a:lnTo>
-                    <a:pt x="357522" y="4375463"/>
-                  </a:lnTo>
-                  <a:lnTo>
-                    <a:pt x="396093" y="4397546"/>
-                  </a:lnTo>
-                  <a:lnTo>
-                    <a:pt x="436060" y="4417359"/>
-                  </a:lnTo>
-                  <a:lnTo>
-                    <a:pt x="477333" y="4434814"/>
-                  </a:lnTo>
-                  <a:lnTo>
-                    <a:pt x="519826" y="4449824"/>
-                  </a:lnTo>
-                  <a:lnTo>
-                    <a:pt x="563452" y="4462301"/>
-                  </a:lnTo>
-                  <a:lnTo>
-                    <a:pt x="608121" y="4472158"/>
-                  </a:lnTo>
-                  <a:lnTo>
-                    <a:pt x="653748" y="4479307"/>
-                  </a:lnTo>
-                  <a:lnTo>
-                    <a:pt x="700244" y="4483661"/>
-                  </a:lnTo>
-                  <a:lnTo>
-                    <a:pt x="747521" y="4485132"/>
-                  </a:lnTo>
-                  <a:lnTo>
-                    <a:pt x="5061966" y="4485132"/>
-                  </a:lnTo>
-                  <a:lnTo>
-                    <a:pt x="5109243" y="4483661"/>
-                  </a:lnTo>
-                  <a:lnTo>
-                    <a:pt x="5155739" y="4479307"/>
-                  </a:lnTo>
-                  <a:lnTo>
-                    <a:pt x="5201366" y="4472158"/>
-                  </a:lnTo>
-                  <a:lnTo>
-                    <a:pt x="5246035" y="4462301"/>
-                  </a:lnTo>
-                  <a:lnTo>
-                    <a:pt x="5289661" y="4449824"/>
-                  </a:lnTo>
-                  <a:lnTo>
-                    <a:pt x="5332154" y="4434814"/>
-                  </a:lnTo>
-                  <a:lnTo>
-                    <a:pt x="5373427" y="4417359"/>
-                  </a:lnTo>
-                  <a:lnTo>
-                    <a:pt x="5413394" y="4397546"/>
-                  </a:lnTo>
-                  <a:lnTo>
-                    <a:pt x="5451965" y="4375463"/>
-                  </a:lnTo>
-                  <a:lnTo>
-                    <a:pt x="5489055" y="4351198"/>
-                  </a:lnTo>
-                  <a:lnTo>
-                    <a:pt x="5524575" y="4324838"/>
-                  </a:lnTo>
-                  <a:lnTo>
-                    <a:pt x="5558437" y="4296471"/>
-                  </a:lnTo>
-                  <a:lnTo>
-                    <a:pt x="5590555" y="4266184"/>
-                  </a:lnTo>
-                  <a:lnTo>
-                    <a:pt x="5620841" y="4234064"/>
-                  </a:lnTo>
-                  <a:lnTo>
-                    <a:pt x="5649207" y="4200200"/>
-                  </a:lnTo>
-                  <a:lnTo>
-                    <a:pt x="5675565" y="4164679"/>
-                  </a:lnTo>
-                  <a:lnTo>
-                    <a:pt x="5699829" y="4127589"/>
-                  </a:lnTo>
-                  <a:lnTo>
-                    <a:pt x="5721910" y="4089016"/>
-                  </a:lnTo>
-                  <a:lnTo>
-                    <a:pt x="5741721" y="4049050"/>
-                  </a:lnTo>
-                  <a:lnTo>
-                    <a:pt x="5759175" y="4007776"/>
-                  </a:lnTo>
-                  <a:lnTo>
-                    <a:pt x="5774183" y="3965284"/>
-                  </a:lnTo>
-                  <a:lnTo>
-                    <a:pt x="5786659" y="3921659"/>
-                  </a:lnTo>
-                  <a:lnTo>
-                    <a:pt x="5796515" y="3876991"/>
-                  </a:lnTo>
-                  <a:lnTo>
-                    <a:pt x="5803664" y="3831366"/>
-                  </a:lnTo>
-                  <a:lnTo>
-                    <a:pt x="5808017" y="3784872"/>
-                  </a:lnTo>
-                  <a:lnTo>
-                    <a:pt x="5809488" y="3737597"/>
-                  </a:lnTo>
-                  <a:lnTo>
-                    <a:pt x="5809488" y="747522"/>
-                  </a:lnTo>
-                  <a:lnTo>
-                    <a:pt x="5808017" y="700244"/>
-                  </a:lnTo>
-                  <a:lnTo>
-                    <a:pt x="5803664" y="653748"/>
-                  </a:lnTo>
-                  <a:lnTo>
-                    <a:pt x="5796515" y="608121"/>
-                  </a:lnTo>
-                  <a:lnTo>
-                    <a:pt x="5786659" y="563452"/>
-                  </a:lnTo>
-                  <a:lnTo>
-                    <a:pt x="5774183" y="519826"/>
-                  </a:lnTo>
-                  <a:lnTo>
-                    <a:pt x="5759175" y="477333"/>
-                  </a:lnTo>
-                  <a:lnTo>
-                    <a:pt x="5741721" y="436060"/>
-                  </a:lnTo>
-                  <a:lnTo>
-                    <a:pt x="5721910" y="396093"/>
-                  </a:lnTo>
-                  <a:lnTo>
-                    <a:pt x="5699829" y="357522"/>
-                  </a:lnTo>
-                  <a:lnTo>
-                    <a:pt x="5675565" y="320432"/>
-                  </a:lnTo>
-                  <a:lnTo>
-                    <a:pt x="5649207" y="284912"/>
-                  </a:lnTo>
-                  <a:lnTo>
-                    <a:pt x="5620841" y="251050"/>
-                  </a:lnTo>
-                  <a:lnTo>
-                    <a:pt x="5590555" y="218932"/>
-                  </a:lnTo>
-                  <a:lnTo>
-                    <a:pt x="5558437" y="188646"/>
-                  </a:lnTo>
-                  <a:lnTo>
-                    <a:pt x="5524575" y="160280"/>
-                  </a:lnTo>
-                  <a:lnTo>
-                    <a:pt x="5489055" y="133922"/>
-                  </a:lnTo>
-                  <a:lnTo>
-                    <a:pt x="5451965" y="109658"/>
-                  </a:lnTo>
-                  <a:lnTo>
-                    <a:pt x="5413394" y="87577"/>
-                  </a:lnTo>
-                  <a:lnTo>
-                    <a:pt x="5373427" y="67766"/>
-                  </a:lnTo>
-                  <a:lnTo>
-                    <a:pt x="5332154" y="50312"/>
-                  </a:lnTo>
-                  <a:lnTo>
-                    <a:pt x="5289661" y="35304"/>
-                  </a:lnTo>
-                  <a:lnTo>
-                    <a:pt x="5246035" y="22828"/>
-                  </a:lnTo>
-                  <a:lnTo>
-                    <a:pt x="5201366" y="12972"/>
-                  </a:lnTo>
-                  <a:lnTo>
-                    <a:pt x="5155739" y="5823"/>
-                  </a:lnTo>
-                  <a:lnTo>
-                    <a:pt x="5109243" y="1470"/>
-                  </a:lnTo>
-                  <a:lnTo>
-                    <a:pt x="5061966" y="0"/>
-                  </a:lnTo>
-                  <a:close/>
-                </a:path>
-              </a:pathLst>
-            </a:custGeom>
-            <a:solidFill>
-              <a:srgbClr val="AECFD3"/>
-            </a:solidFill>
-          </p:spPr>
-          <p:txBody>
-            <a:bodyPr wrap="square" lIns="0" tIns="0" rIns="0" bIns="0" rtlCol="0"/>
-            <a:lstStyle/>
-            <a:p>
-              <a:pPr marL="0" marR="0" lvl="0" indent="0" algn="l" defTabSz="914400" rtl="0" eaLnBrk="1" fontAlgn="auto" latinLnBrk="0" hangingPunct="1">
-                <a:lnSpc>
-                  <a:spcPct val="100000"/>
-                </a:lnSpc>
-                <a:spcBef>
-                  <a:spcPts val="0"/>
-                </a:spcBef>
-                <a:spcAft>
-                  <a:spcPts val="0"/>
-                </a:spcAft>
-                <a:buClrTx/>
-                <a:buSzTx/>
-                <a:buFontTx/>
-                <a:buNone/>
-                <a:tabLst/>
-                <a:defRPr/>
-              </a:pPr>
-              <a:endParaRPr kumimoji="0" sz="1800" b="0" i="0" u="none" strike="noStrike" kern="1200" cap="none" spc="0" normalizeH="0" baseline="0" noProof="0">
-                <a:ln>
-                  <a:noFill/>
-                </a:ln>
-                <a:solidFill>
-                  <a:prstClr val="black"/>
-                </a:solidFill>
-                <a:effectLst/>
-                <a:uLnTx/>
-                <a:uFillTx/>
-                <a:latin typeface="Calibri"/>
-                <a:ea typeface="+mn-ea"/>
-                <a:cs typeface="+mn-cs"/>
-              </a:endParaRPr>
-            </a:p>
-          </p:txBody>
-        </p:sp>
-        <p:sp>
-          <p:nvSpPr>
-            <p:cNvPr id="9" name="object 9"/>
-            <p:cNvSpPr/>
-            <p:nvPr/>
-          </p:nvSpPr>
-          <p:spPr>
-            <a:xfrm>
-              <a:off x="3191255" y="2174748"/>
-              <a:ext cx="5809615" cy="4485640"/>
-            </a:xfrm>
-            <a:custGeom>
-              <a:avLst/>
-              <a:gdLst/>
-              <a:ahLst/>
-              <a:cxnLst/>
-              <a:rect l="l" t="t" r="r" b="b"/>
-              <a:pathLst>
-                <a:path w="5809615" h="4485640">
-                  <a:moveTo>
-                    <a:pt x="0" y="747522"/>
-                  </a:moveTo>
-                  <a:lnTo>
-                    <a:pt x="1470" y="700244"/>
-                  </a:lnTo>
-                  <a:lnTo>
-                    <a:pt x="5823" y="653748"/>
-                  </a:lnTo>
-                  <a:lnTo>
-                    <a:pt x="12972" y="608121"/>
-                  </a:lnTo>
-                  <a:lnTo>
-                    <a:pt x="22828" y="563452"/>
-                  </a:lnTo>
-                  <a:lnTo>
-                    <a:pt x="35304" y="519826"/>
-                  </a:lnTo>
-                  <a:lnTo>
-                    <a:pt x="50312" y="477333"/>
-                  </a:lnTo>
-                  <a:lnTo>
-                    <a:pt x="67766" y="436060"/>
-                  </a:lnTo>
-                  <a:lnTo>
-                    <a:pt x="87577" y="396093"/>
-                  </a:lnTo>
-                  <a:lnTo>
-                    <a:pt x="109658" y="357522"/>
-                  </a:lnTo>
-                  <a:lnTo>
-                    <a:pt x="133922" y="320432"/>
-                  </a:lnTo>
-                  <a:lnTo>
-                    <a:pt x="160280" y="284912"/>
-                  </a:lnTo>
-                  <a:lnTo>
-                    <a:pt x="188646" y="251050"/>
-                  </a:lnTo>
-                  <a:lnTo>
-                    <a:pt x="218932" y="218932"/>
-                  </a:lnTo>
-                  <a:lnTo>
-                    <a:pt x="251050" y="188646"/>
-                  </a:lnTo>
-                  <a:lnTo>
-                    <a:pt x="284912" y="160280"/>
-                  </a:lnTo>
-                  <a:lnTo>
-                    <a:pt x="320432" y="133922"/>
-                  </a:lnTo>
-                  <a:lnTo>
-                    <a:pt x="357522" y="109658"/>
-                  </a:lnTo>
-                  <a:lnTo>
-                    <a:pt x="396093" y="87577"/>
-                  </a:lnTo>
-                  <a:lnTo>
-                    <a:pt x="436060" y="67766"/>
-                  </a:lnTo>
-                  <a:lnTo>
-                    <a:pt x="477333" y="50312"/>
-                  </a:lnTo>
-                  <a:lnTo>
-                    <a:pt x="519826" y="35304"/>
-                  </a:lnTo>
-                  <a:lnTo>
-                    <a:pt x="563452" y="22828"/>
-                  </a:lnTo>
-                  <a:lnTo>
-                    <a:pt x="608121" y="12972"/>
-                  </a:lnTo>
-                  <a:lnTo>
-                    <a:pt x="653748" y="5823"/>
-                  </a:lnTo>
-                  <a:lnTo>
-                    <a:pt x="700244" y="1470"/>
-                  </a:lnTo>
-                  <a:lnTo>
-                    <a:pt x="747521" y="0"/>
-                  </a:lnTo>
-                  <a:lnTo>
-                    <a:pt x="5061966" y="0"/>
-                  </a:lnTo>
-                  <a:lnTo>
-                    <a:pt x="5109243" y="1470"/>
-                  </a:lnTo>
-                  <a:lnTo>
-                    <a:pt x="5155739" y="5823"/>
-                  </a:lnTo>
-                  <a:lnTo>
-                    <a:pt x="5201366" y="12972"/>
-                  </a:lnTo>
-                  <a:lnTo>
-                    <a:pt x="5246035" y="22828"/>
-                  </a:lnTo>
-                  <a:lnTo>
-                    <a:pt x="5289661" y="35304"/>
-                  </a:lnTo>
-                  <a:lnTo>
-                    <a:pt x="5332154" y="50312"/>
-                  </a:lnTo>
-                  <a:lnTo>
-                    <a:pt x="5373427" y="67766"/>
-                  </a:lnTo>
-                  <a:lnTo>
-                    <a:pt x="5413394" y="87577"/>
-                  </a:lnTo>
-                  <a:lnTo>
-                    <a:pt x="5451965" y="109658"/>
-                  </a:lnTo>
-                  <a:lnTo>
-                    <a:pt x="5489055" y="133922"/>
-                  </a:lnTo>
-                  <a:lnTo>
-                    <a:pt x="5524575" y="160280"/>
-                  </a:lnTo>
-                  <a:lnTo>
-                    <a:pt x="5558437" y="188646"/>
-                  </a:lnTo>
-                  <a:lnTo>
-                    <a:pt x="5590555" y="218932"/>
-                  </a:lnTo>
-                  <a:lnTo>
-                    <a:pt x="5620841" y="251050"/>
-                  </a:lnTo>
-                  <a:lnTo>
-                    <a:pt x="5649207" y="284912"/>
-                  </a:lnTo>
-                  <a:lnTo>
-                    <a:pt x="5675565" y="320432"/>
-                  </a:lnTo>
-                  <a:lnTo>
-                    <a:pt x="5699829" y="357522"/>
-                  </a:lnTo>
-                  <a:lnTo>
-                    <a:pt x="5721910" y="396093"/>
-                  </a:lnTo>
-                  <a:lnTo>
-                    <a:pt x="5741721" y="436060"/>
-                  </a:lnTo>
-                  <a:lnTo>
-                    <a:pt x="5759175" y="477333"/>
-                  </a:lnTo>
-                  <a:lnTo>
-                    <a:pt x="5774183" y="519826"/>
-                  </a:lnTo>
-                  <a:lnTo>
-                    <a:pt x="5786659" y="563452"/>
-                  </a:lnTo>
-                  <a:lnTo>
-                    <a:pt x="5796515" y="608121"/>
-                  </a:lnTo>
-                  <a:lnTo>
-                    <a:pt x="5803664" y="653748"/>
-                  </a:lnTo>
-                  <a:lnTo>
-                    <a:pt x="5808017" y="700244"/>
-                  </a:lnTo>
-                  <a:lnTo>
-                    <a:pt x="5809488" y="747522"/>
-                  </a:lnTo>
-                  <a:lnTo>
-                    <a:pt x="5809488" y="3737597"/>
-                  </a:lnTo>
-                  <a:lnTo>
-                    <a:pt x="5808017" y="3784872"/>
-                  </a:lnTo>
-                  <a:lnTo>
-                    <a:pt x="5803664" y="3831366"/>
-                  </a:lnTo>
-                  <a:lnTo>
-                    <a:pt x="5796515" y="3876991"/>
-                  </a:lnTo>
-                  <a:lnTo>
-                    <a:pt x="5786659" y="3921659"/>
-                  </a:lnTo>
-                  <a:lnTo>
-                    <a:pt x="5774183" y="3965284"/>
-                  </a:lnTo>
-                  <a:lnTo>
-                    <a:pt x="5759175" y="4007776"/>
-                  </a:lnTo>
-                  <a:lnTo>
-                    <a:pt x="5741721" y="4049050"/>
-                  </a:lnTo>
-                  <a:lnTo>
-                    <a:pt x="5721910" y="4089016"/>
-                  </a:lnTo>
-                  <a:lnTo>
-                    <a:pt x="5699829" y="4127589"/>
-                  </a:lnTo>
-                  <a:lnTo>
-                    <a:pt x="5675565" y="4164679"/>
-                  </a:lnTo>
-                  <a:lnTo>
-                    <a:pt x="5649207" y="4200200"/>
-                  </a:lnTo>
-                  <a:lnTo>
-                    <a:pt x="5620841" y="4234064"/>
-                  </a:lnTo>
-                  <a:lnTo>
-                    <a:pt x="5590555" y="4266184"/>
-                  </a:lnTo>
-                  <a:lnTo>
-                    <a:pt x="5558437" y="4296471"/>
-                  </a:lnTo>
-                  <a:lnTo>
-                    <a:pt x="5524575" y="4324838"/>
-                  </a:lnTo>
-                  <a:lnTo>
-                    <a:pt x="5489055" y="4351198"/>
-                  </a:lnTo>
-                  <a:lnTo>
-                    <a:pt x="5451965" y="4375463"/>
-                  </a:lnTo>
-                  <a:lnTo>
-                    <a:pt x="5413394" y="4397546"/>
-                  </a:lnTo>
-                  <a:lnTo>
-                    <a:pt x="5373427" y="4417359"/>
-                  </a:lnTo>
-                  <a:lnTo>
-                    <a:pt x="5332154" y="4434814"/>
-                  </a:lnTo>
-                  <a:lnTo>
-                    <a:pt x="5289661" y="4449824"/>
-                  </a:lnTo>
-                  <a:lnTo>
-                    <a:pt x="5246035" y="4462301"/>
-                  </a:lnTo>
-                  <a:lnTo>
-                    <a:pt x="5201366" y="4472158"/>
-                  </a:lnTo>
-                  <a:lnTo>
-                    <a:pt x="5155739" y="4479307"/>
-                  </a:lnTo>
-                  <a:lnTo>
-                    <a:pt x="5109243" y="4483661"/>
-                  </a:lnTo>
-                  <a:lnTo>
-                    <a:pt x="5061966" y="4485132"/>
-                  </a:lnTo>
-                  <a:lnTo>
-                    <a:pt x="747521" y="4485132"/>
-                  </a:lnTo>
-                  <a:lnTo>
-                    <a:pt x="700244" y="4483661"/>
-                  </a:lnTo>
-                  <a:lnTo>
-                    <a:pt x="653748" y="4479307"/>
-                  </a:lnTo>
-                  <a:lnTo>
-                    <a:pt x="608121" y="4472158"/>
-                  </a:lnTo>
-                  <a:lnTo>
-                    <a:pt x="563452" y="4462301"/>
-                  </a:lnTo>
-                  <a:lnTo>
-                    <a:pt x="519826" y="4449824"/>
-                  </a:lnTo>
-                  <a:lnTo>
-                    <a:pt x="477333" y="4434814"/>
-                  </a:lnTo>
-                  <a:lnTo>
-                    <a:pt x="436060" y="4417359"/>
-                  </a:lnTo>
-                  <a:lnTo>
-                    <a:pt x="396093" y="4397546"/>
-                  </a:lnTo>
-                  <a:lnTo>
-                    <a:pt x="357522" y="4375463"/>
-                  </a:lnTo>
-                  <a:lnTo>
-                    <a:pt x="320432" y="4351198"/>
-                  </a:lnTo>
-                  <a:lnTo>
-                    <a:pt x="284912" y="4324838"/>
-                  </a:lnTo>
-                  <a:lnTo>
-                    <a:pt x="251050" y="4296471"/>
-                  </a:lnTo>
-                  <a:lnTo>
-                    <a:pt x="218932" y="4266183"/>
-                  </a:lnTo>
-                  <a:lnTo>
-                    <a:pt x="188646" y="4234064"/>
-                  </a:lnTo>
-                  <a:lnTo>
-                    <a:pt x="160280" y="4200200"/>
-                  </a:lnTo>
-                  <a:lnTo>
-                    <a:pt x="133922" y="4164679"/>
-                  </a:lnTo>
-                  <a:lnTo>
-                    <a:pt x="109658" y="4127589"/>
-                  </a:lnTo>
-                  <a:lnTo>
-                    <a:pt x="87577" y="4089016"/>
-                  </a:lnTo>
-                  <a:lnTo>
-                    <a:pt x="67766" y="4049050"/>
-                  </a:lnTo>
-                  <a:lnTo>
-                    <a:pt x="50312" y="4007776"/>
-                  </a:lnTo>
-                  <a:lnTo>
-                    <a:pt x="35304" y="3965284"/>
-                  </a:lnTo>
-                  <a:lnTo>
-                    <a:pt x="22828" y="3921659"/>
-                  </a:lnTo>
-                  <a:lnTo>
-                    <a:pt x="12972" y="3876991"/>
-                  </a:lnTo>
-                  <a:lnTo>
-                    <a:pt x="5823" y="3831366"/>
-                  </a:lnTo>
-                  <a:lnTo>
-                    <a:pt x="1470" y="3784872"/>
-                  </a:lnTo>
-                  <a:lnTo>
-                    <a:pt x="0" y="3737597"/>
-                  </a:lnTo>
-                  <a:lnTo>
-                    <a:pt x="0" y="747522"/>
-                  </a:lnTo>
-                  <a:close/>
-                </a:path>
-              </a:pathLst>
-            </a:custGeom>
-            <a:ln w="63500">
-              <a:solidFill>
-                <a:srgbClr val="A4A4A4"/>
-              </a:solidFill>
-            </a:ln>
-          </p:spPr>
-          <p:txBody>
-            <a:bodyPr wrap="square" lIns="0" tIns="0" rIns="0" bIns="0" rtlCol="0"/>
-            <a:lstStyle/>
-            <a:p>
-              <a:pPr marL="0" marR="0" lvl="0" indent="0" algn="l" defTabSz="914400" rtl="0" eaLnBrk="1" fontAlgn="auto" latinLnBrk="0" hangingPunct="1">
-                <a:lnSpc>
-                  <a:spcPct val="100000"/>
-                </a:lnSpc>
-                <a:spcBef>
-                  <a:spcPts val="0"/>
-                </a:spcBef>
-                <a:spcAft>
-                  <a:spcPts val="0"/>
-                </a:spcAft>
-                <a:buClrTx/>
-                <a:buSzTx/>
-                <a:buFontTx/>
-                <a:buNone/>
-                <a:tabLst/>
-                <a:defRPr/>
-              </a:pPr>
-              <a:endParaRPr kumimoji="0" sz="1800" b="0" i="0" u="none" strike="noStrike" kern="1200" cap="none" spc="0" normalizeH="0" baseline="0" noProof="0">
-                <a:ln>
-                  <a:noFill/>
-                </a:ln>
-                <a:solidFill>
-                  <a:prstClr val="black"/>
-                </a:solidFill>
-                <a:effectLst/>
-                <a:uLnTx/>
-                <a:uFillTx/>
-                <a:latin typeface="Calibri"/>
-                <a:ea typeface="+mn-ea"/>
-                <a:cs typeface="+mn-cs"/>
-              </a:endParaRPr>
-            </a:p>
-          </p:txBody>
-        </p:sp>
-        <p:pic>
-          <p:nvPicPr>
-            <p:cNvPr id="10" name="object 10"/>
-            <p:cNvPicPr/>
-            <p:nvPr/>
-          </p:nvPicPr>
-          <p:blipFill>
-            <a:blip r:embed="rId2" cstate="print"/>
-            <a:stretch>
-              <a:fillRect/>
-            </a:stretch>
-          </p:blipFill>
-          <p:spPr>
-            <a:xfrm>
-              <a:off x="3672839" y="2464308"/>
-              <a:ext cx="4945379" cy="3956304"/>
-            </a:xfrm>
-            <a:prstGeom prst="rect">
-              <a:avLst/>
-            </a:prstGeom>
-          </p:spPr>
-        </p:pic>
-      </p:grpSp>
       <p:sp>
         <p:nvSpPr>
           <p:cNvPr id="11" name="object 11"/>
@@ -22787,7 +25204,7 @@
         <p:spPr>
           <a:xfrm>
             <a:off x="399999" y="1505458"/>
-            <a:ext cx="9693275" cy="482600"/>
+            <a:ext cx="10213340" cy="474489"/>
           </a:xfrm>
           <a:prstGeom prst="rect">
             <a:avLst/>
@@ -22799,7 +25216,7 @@
           </a:bodyPr>
           <a:lstStyle/>
           <a:p>
-            <a:pPr marL="469900" marR="0" lvl="0" indent="-457200" algn="l" defTabSz="914400" rtl="0" eaLnBrk="1" fontAlgn="auto" latinLnBrk="0" hangingPunct="1">
+            <a:pPr marL="469265" marR="5080" lvl="0" indent="-457200" algn="l" defTabSz="914400" rtl="0" eaLnBrk="1" fontAlgn="auto" latinLnBrk="0" hangingPunct="1">
               <a:lnSpc>
                 <a:spcPct val="100000"/>
               </a:lnSpc>
@@ -22820,7 +25237,7 @@
               <a:defRPr/>
             </a:pPr>
             <a:r>
-              <a:rPr kumimoji="0" sz="3000" b="0" i="0" u="none" strike="noStrike" kern="1200" cap="none" spc="-175" normalizeH="0" baseline="0" noProof="0" dirty="0">
+              <a:rPr kumimoji="0" lang="en-US" sz="3000" b="0" i="0" u="none" strike="noStrike" kern="1200" cap="none" spc="-45" normalizeH="0" baseline="0" noProof="0" dirty="0">
                 <a:ln>
                   <a:noFill/>
                 </a:ln>
@@ -22834,349 +25251,9 @@
                 <a:ea typeface="+mn-ea"/>
                 <a:cs typeface="Microsoft Sans Serif"/>
               </a:rPr>
-              <a:t>Used</a:t>
-            </a:r>
-            <a:r>
-              <a:rPr kumimoji="0" sz="3000" b="0" i="0" u="none" strike="noStrike" kern="1200" cap="none" spc="95" normalizeH="0" baseline="0" noProof="0" dirty="0">
-                <a:ln>
-                  <a:noFill/>
-                </a:ln>
-                <a:solidFill>
-                  <a:prstClr val="black"/>
-                </a:solidFill>
-                <a:effectLst/>
-                <a:uLnTx/>
-                <a:uFillTx/>
-                <a:latin typeface="Microsoft Sans Serif"/>
-                <a:ea typeface="+mn-ea"/>
-                <a:cs typeface="Microsoft Sans Serif"/>
-              </a:rPr>
-              <a:t> </a:t>
-            </a:r>
-            <a:r>
-              <a:rPr kumimoji="0" sz="3000" b="0" i="0" u="none" strike="noStrike" kern="1200" cap="none" spc="55" normalizeH="0" baseline="0" noProof="0" dirty="0">
-                <a:ln>
-                  <a:noFill/>
-                </a:ln>
-                <a:solidFill>
-                  <a:prstClr val="black"/>
-                </a:solidFill>
-                <a:effectLst/>
-                <a:uLnTx/>
-                <a:uFillTx/>
-                <a:latin typeface="Microsoft Sans Serif"/>
-                <a:ea typeface="+mn-ea"/>
-                <a:cs typeface="Microsoft Sans Serif"/>
-              </a:rPr>
-              <a:t>to</a:t>
-            </a:r>
-            <a:r>
-              <a:rPr kumimoji="0" sz="3000" b="0" i="0" u="none" strike="noStrike" kern="1200" cap="none" spc="105" normalizeH="0" baseline="0" noProof="0" dirty="0">
-                <a:ln>
-                  <a:noFill/>
-                </a:ln>
-                <a:solidFill>
-                  <a:prstClr val="black"/>
-                </a:solidFill>
-                <a:effectLst/>
-                <a:uLnTx/>
-                <a:uFillTx/>
-                <a:latin typeface="Microsoft Sans Serif"/>
-                <a:ea typeface="+mn-ea"/>
-                <a:cs typeface="Microsoft Sans Serif"/>
-              </a:rPr>
-              <a:t> </a:t>
-            </a:r>
-            <a:r>
-              <a:rPr kumimoji="0" sz="3000" b="0" i="0" u="none" strike="noStrike" kern="1200" cap="none" spc="-114" normalizeH="0" baseline="0" noProof="0" dirty="0">
-                <a:ln>
-                  <a:noFill/>
-                </a:ln>
-                <a:solidFill>
-                  <a:prstClr val="black"/>
-                </a:solidFill>
-                <a:effectLst/>
-                <a:uLnTx/>
-                <a:uFillTx/>
-                <a:latin typeface="Microsoft Sans Serif"/>
-                <a:ea typeface="+mn-ea"/>
-                <a:cs typeface="Microsoft Sans Serif"/>
-              </a:rPr>
-              <a:t>change</a:t>
-            </a:r>
-            <a:r>
-              <a:rPr kumimoji="0" sz="3000" b="0" i="0" u="none" strike="noStrike" kern="1200" cap="none" spc="70" normalizeH="0" baseline="0" noProof="0" dirty="0">
-                <a:ln>
-                  <a:noFill/>
-                </a:ln>
-                <a:solidFill>
-                  <a:prstClr val="black"/>
-                </a:solidFill>
-                <a:effectLst/>
-                <a:uLnTx/>
-                <a:uFillTx/>
-                <a:latin typeface="Microsoft Sans Serif"/>
-                <a:ea typeface="+mn-ea"/>
-                <a:cs typeface="Microsoft Sans Serif"/>
-              </a:rPr>
-              <a:t> </a:t>
-            </a:r>
-            <a:r>
-              <a:rPr kumimoji="0" sz="3000" b="0" i="0" u="none" strike="noStrike" kern="1200" cap="none" spc="-40" normalizeH="0" baseline="0" noProof="0" dirty="0">
-                <a:ln>
-                  <a:noFill/>
-                </a:ln>
-                <a:solidFill>
-                  <a:prstClr val="black"/>
-                </a:solidFill>
-                <a:effectLst/>
-                <a:uLnTx/>
-                <a:uFillTx/>
-                <a:latin typeface="Microsoft Sans Serif"/>
-                <a:ea typeface="+mn-ea"/>
-                <a:cs typeface="Microsoft Sans Serif"/>
-              </a:rPr>
-              <a:t>the</a:t>
-            </a:r>
-            <a:r>
-              <a:rPr kumimoji="0" sz="3000" b="0" i="0" u="none" strike="noStrike" kern="1200" cap="none" spc="105" normalizeH="0" baseline="0" noProof="0" dirty="0">
-                <a:ln>
-                  <a:noFill/>
-                </a:ln>
-                <a:solidFill>
-                  <a:prstClr val="black"/>
-                </a:solidFill>
-                <a:effectLst/>
-                <a:uLnTx/>
-                <a:uFillTx/>
-                <a:latin typeface="Microsoft Sans Serif"/>
-                <a:ea typeface="+mn-ea"/>
-                <a:cs typeface="Microsoft Sans Serif"/>
-              </a:rPr>
-              <a:t> </a:t>
-            </a:r>
-            <a:r>
-              <a:rPr kumimoji="0" sz="3000" b="0" i="0" u="none" strike="noStrike" kern="1200" cap="none" spc="-135" normalizeH="0" baseline="0" noProof="0" dirty="0">
-                <a:ln>
-                  <a:noFill/>
-                </a:ln>
-                <a:solidFill>
-                  <a:prstClr val="black"/>
-                </a:solidFill>
-                <a:effectLst/>
-                <a:uLnTx/>
-                <a:uFillTx/>
-                <a:latin typeface="Microsoft Sans Serif"/>
-                <a:ea typeface="+mn-ea"/>
-                <a:cs typeface="Microsoft Sans Serif"/>
-              </a:rPr>
-              <a:t>way</a:t>
-            </a:r>
-            <a:r>
-              <a:rPr kumimoji="0" sz="3000" b="0" i="0" u="none" strike="noStrike" kern="1200" cap="none" spc="95" normalizeH="0" baseline="0" noProof="0" dirty="0">
-                <a:ln>
-                  <a:noFill/>
-                </a:ln>
-                <a:solidFill>
-                  <a:prstClr val="black"/>
-                </a:solidFill>
-                <a:effectLst/>
-                <a:uLnTx/>
-                <a:uFillTx/>
-                <a:latin typeface="Microsoft Sans Serif"/>
-                <a:ea typeface="+mn-ea"/>
-                <a:cs typeface="Microsoft Sans Serif"/>
-              </a:rPr>
-              <a:t> </a:t>
-            </a:r>
-            <a:r>
-              <a:rPr kumimoji="0" sz="3000" b="0" i="0" u="none" strike="noStrike" kern="1200" cap="none" spc="-30" normalizeH="0" baseline="0" noProof="0" dirty="0">
-                <a:ln>
-                  <a:noFill/>
-                </a:ln>
-                <a:solidFill>
-                  <a:prstClr val="black"/>
-                </a:solidFill>
-                <a:effectLst/>
-                <a:uLnTx/>
-                <a:uFillTx/>
-                <a:latin typeface="Microsoft Sans Serif"/>
-                <a:ea typeface="+mn-ea"/>
-                <a:cs typeface="Microsoft Sans Serif"/>
-              </a:rPr>
-              <a:t>things</a:t>
-            </a:r>
-            <a:r>
-              <a:rPr kumimoji="0" sz="3000" b="0" i="0" u="none" strike="noStrike" kern="1200" cap="none" spc="100" normalizeH="0" baseline="0" noProof="0" dirty="0">
-                <a:ln>
-                  <a:noFill/>
-                </a:ln>
-                <a:solidFill>
-                  <a:prstClr val="black"/>
-                </a:solidFill>
-                <a:effectLst/>
-                <a:uLnTx/>
-                <a:uFillTx/>
-                <a:latin typeface="Microsoft Sans Serif"/>
-                <a:ea typeface="+mn-ea"/>
-                <a:cs typeface="Microsoft Sans Serif"/>
-              </a:rPr>
-              <a:t> </a:t>
-            </a:r>
-            <a:r>
-              <a:rPr kumimoji="0" sz="3000" b="0" i="0" u="none" strike="noStrike" kern="1200" cap="none" spc="-114" normalizeH="0" baseline="0" noProof="0" dirty="0">
-                <a:ln>
-                  <a:noFill/>
-                </a:ln>
-                <a:solidFill>
-                  <a:prstClr val="black"/>
-                </a:solidFill>
-                <a:effectLst/>
-                <a:uLnTx/>
-                <a:uFillTx/>
-                <a:latin typeface="Microsoft Sans Serif"/>
-                <a:ea typeface="+mn-ea"/>
-                <a:cs typeface="Microsoft Sans Serif"/>
-              </a:rPr>
-              <a:t>are</a:t>
-            </a:r>
-            <a:r>
-              <a:rPr kumimoji="0" sz="3000" b="0" i="0" u="none" strike="noStrike" kern="1200" cap="none" spc="105" normalizeH="0" baseline="0" noProof="0" dirty="0">
-                <a:ln>
-                  <a:noFill/>
-                </a:ln>
-                <a:solidFill>
-                  <a:prstClr val="black"/>
-                </a:solidFill>
-                <a:effectLst/>
-                <a:uLnTx/>
-                <a:uFillTx/>
-                <a:latin typeface="Microsoft Sans Serif"/>
-                <a:ea typeface="+mn-ea"/>
-                <a:cs typeface="Microsoft Sans Serif"/>
-              </a:rPr>
-              <a:t> </a:t>
-            </a:r>
-            <a:r>
-              <a:rPr kumimoji="0" sz="3000" b="0" i="0" u="none" strike="noStrike" kern="1200" cap="none" spc="-25" normalizeH="0" baseline="0" noProof="0" dirty="0">
-                <a:ln>
-                  <a:noFill/>
-                </a:ln>
-                <a:solidFill>
-                  <a:prstClr val="black"/>
-                </a:solidFill>
-                <a:effectLst/>
-                <a:uLnTx/>
-                <a:uFillTx/>
-                <a:latin typeface="Microsoft Sans Serif"/>
-                <a:ea typeface="+mn-ea"/>
-                <a:cs typeface="Microsoft Sans Serif"/>
-              </a:rPr>
-              <a:t>positioned</a:t>
-            </a:r>
-            <a:r>
-              <a:rPr kumimoji="0" sz="3000" b="0" i="0" u="none" strike="noStrike" kern="1200" cap="none" spc="80" normalizeH="0" baseline="0" noProof="0" dirty="0">
-                <a:ln>
-                  <a:noFill/>
-                </a:ln>
-                <a:solidFill>
-                  <a:prstClr val="black"/>
-                </a:solidFill>
-                <a:effectLst/>
-                <a:uLnTx/>
-                <a:uFillTx/>
-                <a:latin typeface="Microsoft Sans Serif"/>
-                <a:ea typeface="+mn-ea"/>
-                <a:cs typeface="Microsoft Sans Serif"/>
-              </a:rPr>
-              <a:t> </a:t>
-            </a:r>
-            <a:r>
-              <a:rPr kumimoji="0" sz="3000" b="0" i="0" u="none" strike="noStrike" kern="1200" cap="none" spc="-45" normalizeH="0" baseline="0" noProof="0" dirty="0">
-                <a:ln>
-                  <a:noFill/>
-                </a:ln>
-                <a:solidFill>
-                  <a:prstClr val="black"/>
-                </a:solidFill>
-                <a:effectLst/>
-                <a:uLnTx/>
-                <a:uFillTx/>
-                <a:latin typeface="Microsoft Sans Serif"/>
-                <a:ea typeface="+mn-ea"/>
-                <a:cs typeface="Microsoft Sans Serif"/>
-              </a:rPr>
-              <a:t>on</a:t>
-            </a:r>
-            <a:r>
-              <a:rPr kumimoji="0" sz="3000" b="0" i="0" u="none" strike="noStrike" kern="1200" cap="none" spc="95" normalizeH="0" baseline="0" noProof="0" dirty="0">
-                <a:ln>
-                  <a:noFill/>
-                </a:ln>
-                <a:solidFill>
-                  <a:prstClr val="black"/>
-                </a:solidFill>
-                <a:effectLst/>
-                <a:uLnTx/>
-                <a:uFillTx/>
-                <a:latin typeface="Microsoft Sans Serif"/>
-                <a:ea typeface="+mn-ea"/>
-                <a:cs typeface="Microsoft Sans Serif"/>
-              </a:rPr>
-              <a:t> </a:t>
-            </a:r>
-            <a:r>
-              <a:rPr kumimoji="0" sz="3000" b="0" i="0" u="none" strike="noStrike" kern="1200" cap="none" spc="-200" normalizeH="0" baseline="0" noProof="0" dirty="0">
-                <a:ln>
-                  <a:noFill/>
-                </a:ln>
-                <a:solidFill>
-                  <a:prstClr val="black"/>
-                </a:solidFill>
-                <a:effectLst/>
-                <a:uLnTx/>
-                <a:uFillTx/>
-                <a:latin typeface="Microsoft Sans Serif"/>
-                <a:ea typeface="+mn-ea"/>
-                <a:cs typeface="Microsoft Sans Serif"/>
-              </a:rPr>
-              <a:t>a</a:t>
-            </a:r>
-            <a:r>
-              <a:rPr kumimoji="0" sz="3000" b="0" i="0" u="none" strike="noStrike" kern="1200" cap="none" spc="105" normalizeH="0" baseline="0" noProof="0" dirty="0">
-                <a:ln>
-                  <a:noFill/>
-                </a:ln>
-                <a:solidFill>
-                  <a:prstClr val="black"/>
-                </a:solidFill>
-                <a:effectLst/>
-                <a:uLnTx/>
-                <a:uFillTx/>
-                <a:latin typeface="Microsoft Sans Serif"/>
-                <a:ea typeface="+mn-ea"/>
-                <a:cs typeface="Microsoft Sans Serif"/>
-              </a:rPr>
-              <a:t> </a:t>
-            </a:r>
-            <a:r>
-              <a:rPr kumimoji="0" sz="3000" b="0" i="0" u="none" strike="noStrike" kern="1200" cap="none" spc="-85" normalizeH="0" baseline="0" noProof="0" dirty="0">
-                <a:ln>
-                  <a:noFill/>
-                </a:ln>
-                <a:solidFill>
-                  <a:prstClr val="black"/>
-                </a:solidFill>
-                <a:effectLst/>
-                <a:uLnTx/>
-                <a:uFillTx/>
-                <a:latin typeface="Microsoft Sans Serif"/>
-                <a:ea typeface="+mn-ea"/>
-                <a:cs typeface="Microsoft Sans Serif"/>
-              </a:rPr>
-              <a:t>page</a:t>
-            </a:r>
-            <a:endParaRPr kumimoji="0" sz="3000" b="0" i="0" u="none" strike="noStrike" kern="1200" cap="none" spc="0" normalizeH="0" baseline="0" noProof="0">
+              <a:t>Control the placement of an element</a:t>
+            </a:r>
+            <a:endParaRPr kumimoji="0" sz="3000" b="0" i="0" u="none" strike="noStrike" kern="1200" cap="none" spc="0" normalizeH="0" baseline="0" noProof="0" dirty="0">
               <a:ln>
                 <a:noFill/>
               </a:ln>
@@ -23193,7 +25270,59 @@
           </a:p>
         </p:txBody>
       </p:sp>
+      <p:pic>
+        <p:nvPicPr>
+          <p:cNvPr id="1026" name="Picture 2" descr="CSS POSITION PROPERTY. In this article we are going to talk… | by Doganaker  | baakademi | Medium">
+            <a:extLst>
+              <a:ext uri="{FF2B5EF4-FFF2-40B4-BE49-F238E27FC236}">
+                <a16:creationId xmlns:a16="http://schemas.microsoft.com/office/drawing/2014/main" id="{679D60CF-FEBB-56C0-B580-1DAE1CA2DD36}"/>
+              </a:ext>
+            </a:extLst>
+          </p:cNvPr>
+          <p:cNvPicPr>
+            <a:picLocks noChangeAspect="1" noChangeArrowheads="1"/>
+          </p:cNvPicPr>
+          <p:nvPr/>
+        </p:nvPicPr>
+        <p:blipFill>
+          <a:blip r:embed="rId2">
+            <a:extLst>
+              <a:ext uri="{28A0092B-C50C-407E-A947-70E740481C1C}">
+                <a14:useLocalDpi xmlns:a14="http://schemas.microsoft.com/office/drawing/2010/main" val="0"/>
+              </a:ext>
+            </a:extLst>
+          </a:blip>
+          <a:srcRect/>
+          <a:stretch>
+            <a:fillRect/>
+          </a:stretch>
+        </p:blipFill>
+        <p:spPr bwMode="auto">
+          <a:xfrm>
+            <a:off x="1719743" y="2654244"/>
+            <a:ext cx="8204433" cy="3515728"/>
+          </a:xfrm>
+          <a:prstGeom prst="rect">
+            <a:avLst/>
+          </a:prstGeom>
+          <a:noFill/>
+          <a:extLst>
+            <a:ext uri="{909E8E84-426E-40DD-AFC4-6F175D3DCCD1}">
+              <a14:hiddenFill xmlns:a14="http://schemas.microsoft.com/office/drawing/2010/main">
+                <a:solidFill>
+                  <a:srgbClr val="FFFFFF"/>
+                </a:solidFill>
+              </a14:hiddenFill>
+            </a:ext>
+          </a:extLst>
+        </p:spPr>
+      </p:pic>
     </p:spTree>
+    <p:extLst>
+      <p:ext uri="{BB962C8B-B14F-4D97-AF65-F5344CB8AC3E}">
+        <p14:creationId xmlns:p14="http://schemas.microsoft.com/office/powerpoint/2010/main" val="3142619420"/>
+      </p:ext>
+    </p:extLst>
   </p:cSld>
   <p:clrMapOvr>
     <a:masterClrMapping/>
